--- a/Desenvolvimento Web/Documentacao/Apresentação.pptx
+++ b/Desenvolvimento Web/Documentacao/Apresentação.pptx
@@ -4,14 +4,31 @@
   <p:sldMasterIdLst>
     <p:sldMasterId id="2147483648" r:id="rId1"/>
   </p:sldMasterIdLst>
+  <p:notesMasterIdLst>
+    <p:notesMasterId r:id="rId23"/>
+  </p:notesMasterIdLst>
   <p:sldIdLst>
     <p:sldId id="256" r:id="rId2"/>
     <p:sldId id="257" r:id="rId3"/>
     <p:sldId id="258" r:id="rId4"/>
     <p:sldId id="259" r:id="rId5"/>
     <p:sldId id="263" r:id="rId6"/>
-    <p:sldId id="261" r:id="rId7"/>
-    <p:sldId id="262" r:id="rId8"/>
+    <p:sldId id="265" r:id="rId7"/>
+    <p:sldId id="266" r:id="rId8"/>
+    <p:sldId id="267" r:id="rId9"/>
+    <p:sldId id="268" r:id="rId10"/>
+    <p:sldId id="270" r:id="rId11"/>
+    <p:sldId id="269" r:id="rId12"/>
+    <p:sldId id="272" r:id="rId13"/>
+    <p:sldId id="273" r:id="rId14"/>
+    <p:sldId id="274" r:id="rId15"/>
+    <p:sldId id="275" r:id="rId16"/>
+    <p:sldId id="276" r:id="rId17"/>
+    <p:sldId id="277" r:id="rId18"/>
+    <p:sldId id="278" r:id="rId19"/>
+    <p:sldId id="261" r:id="rId20"/>
+    <p:sldId id="262" r:id="rId21"/>
+    <p:sldId id="280" r:id="rId22"/>
   </p:sldIdLst>
   <p:sldSz cx="12192000" cy="6858000"/>
   <p:notesSz cx="6858000" cy="9144000"/>
@@ -110,7 +127,1930 @@
       </a:defRPr>
     </a:lvl9pPr>
   </p:defaultTextStyle>
+  <p:extLst>
+    <p:ext uri="{EFAFB233-063F-42B5-8137-9DF3F51BA10A}">
+      <p15:sldGuideLst xmlns:p15="http://schemas.microsoft.com/office/powerpoint/2012/main"/>
+    </p:ext>
+  </p:extLst>
 </p:presentation>
+</file>
+
+<file path=ppt/revisionInfo.xml><?xml version="1.0" encoding="utf-8"?>
+<p1510:revInfo xmlns:a="http://schemas.openxmlformats.org/drawingml/2006/main" xmlns:r="http://schemas.openxmlformats.org/officeDocument/2006/relationships" xmlns:p1510="http://schemas.microsoft.com/office/powerpoint/2015/10/main">
+  <p1510:revLst>
+    <p1510:client id="{C34C1F8B-1C90-4949-B713-71E70BC56D31}" v="2" dt="2025-10-23T01:56:19.560"/>
+  </p1510:revLst>
+</p1510:revInfo>
+</file>
+
+<file path=ppt/changesInfos/changesInfo1.xml><?xml version="1.0" encoding="utf-8"?>
+<pc:chgInfo xmlns:a="http://schemas.openxmlformats.org/drawingml/2006/main" xmlns:r="http://schemas.openxmlformats.org/officeDocument/2006/relationships" xmlns:ac="http://schemas.microsoft.com/office/drawing/2013/main/command" xmlns:pc="http://schemas.microsoft.com/office/powerpoint/2013/main/command">
+  <pc:docChgLst>
+    <pc:chgData name="KAUE VINICIUS GATTI" userId="S::kaue.vgatti@senacsp.edu.br::f99944f3-1d1d-4716-83b8-4b678fd3d636" providerId="AD" clId="Web-{C34C1F8B-1C90-4949-B713-71E70BC56D31}"/>
+    <pc:docChg chg="modSld">
+      <pc:chgData name="KAUE VINICIUS GATTI" userId="S::kaue.vgatti@senacsp.edu.br::f99944f3-1d1d-4716-83b8-4b678fd3d636" providerId="AD" clId="Web-{C34C1F8B-1C90-4949-B713-71E70BC56D31}" dt="2025-10-23T01:56:19.560" v="1" actId="14100"/>
+      <pc:docMkLst>
+        <pc:docMk/>
+      </pc:docMkLst>
+      <pc:sldChg chg="modSp">
+        <pc:chgData name="KAUE VINICIUS GATTI" userId="S::kaue.vgatti@senacsp.edu.br::f99944f3-1d1d-4716-83b8-4b678fd3d636" providerId="AD" clId="Web-{C34C1F8B-1C90-4949-B713-71E70BC56D31}" dt="2025-10-23T01:56:19.560" v="1" actId="14100"/>
+        <pc:sldMkLst>
+          <pc:docMk/>
+          <pc:sldMk cId="2506206066" sldId="261"/>
+        </pc:sldMkLst>
+        <pc:spChg chg="mod">
+          <ac:chgData name="KAUE VINICIUS GATTI" userId="S::kaue.vgatti@senacsp.edu.br::f99944f3-1d1d-4716-83b8-4b678fd3d636" providerId="AD" clId="Web-{C34C1F8B-1C90-4949-B713-71E70BC56D31}" dt="2025-10-23T01:56:15.904" v="0" actId="14100"/>
+          <ac:spMkLst>
+            <pc:docMk/>
+            <pc:sldMk cId="2506206066" sldId="261"/>
+            <ac:spMk id="13" creationId="{28AE520F-A57C-BE0A-7EF4-0728B5B798CE}"/>
+          </ac:spMkLst>
+        </pc:spChg>
+        <pc:spChg chg="mod">
+          <ac:chgData name="KAUE VINICIUS GATTI" userId="S::kaue.vgatti@senacsp.edu.br::f99944f3-1d1d-4716-83b8-4b678fd3d636" providerId="AD" clId="Web-{C34C1F8B-1C90-4949-B713-71E70BC56D31}" dt="2025-10-23T01:56:19.560" v="1" actId="14100"/>
+          <ac:spMkLst>
+            <pc:docMk/>
+            <pc:sldMk cId="2506206066" sldId="261"/>
+            <ac:spMk id="15" creationId="{48D8975E-F838-3878-3F87-0828D90BFF6D}"/>
+          </ac:spMkLst>
+        </pc:spChg>
+      </pc:sldChg>
+    </pc:docChg>
+  </pc:docChgLst>
+</pc:chgInfo>
+</file>
+
+<file path=ppt/notesMasters/notesMaster1.xml><?xml version="1.0" encoding="utf-8"?>
+<p:notesMaster xmlns:a="http://schemas.openxmlformats.org/drawingml/2006/main" xmlns:r="http://schemas.openxmlformats.org/officeDocument/2006/relationships" xmlns:p="http://schemas.openxmlformats.org/presentationml/2006/main">
+  <p:cSld>
+    <p:bg>
+      <p:bgRef idx="1001">
+        <a:schemeClr val="bg1"/>
+      </p:bgRef>
+    </p:bg>
+    <p:spTree>
+      <p:nvGrpSpPr>
+        <p:cNvPr id="1" name=""/>
+        <p:cNvGrpSpPr/>
+        <p:nvPr/>
+      </p:nvGrpSpPr>
+      <p:grpSpPr>
+        <a:xfrm>
+          <a:off x="0" y="0"/>
+          <a:ext cx="0" cy="0"/>
+          <a:chOff x="0" y="0"/>
+          <a:chExt cx="0" cy="0"/>
+        </a:xfrm>
+      </p:grpSpPr>
+      <p:sp>
+        <p:nvSpPr>
+          <p:cNvPr id="2" name="Espaço Reservado para Cabeçalho 1"/>
+          <p:cNvSpPr>
+            <a:spLocks noGrp="1"/>
+          </p:cNvSpPr>
+          <p:nvPr>
+            <p:ph type="hdr" sz="quarter"/>
+          </p:nvPr>
+        </p:nvSpPr>
+        <p:spPr>
+          <a:xfrm>
+            <a:off x="0" y="0"/>
+            <a:ext cx="2971800" cy="458788"/>
+          </a:xfrm>
+          <a:prstGeom prst="rect">
+            <a:avLst/>
+          </a:prstGeom>
+        </p:spPr>
+        <p:txBody>
+          <a:bodyPr vert="horz" lIns="91440" tIns="45720" rIns="91440" bIns="45720" rtlCol="0"/>
+          <a:lstStyle>
+            <a:lvl1pPr algn="l">
+              <a:defRPr sz="1200"/>
+            </a:lvl1pPr>
+          </a:lstStyle>
+          <a:p>
+            <a:endParaRPr lang="pt-BR"/>
+          </a:p>
+        </p:txBody>
+      </p:sp>
+      <p:sp>
+        <p:nvSpPr>
+          <p:cNvPr id="3" name="Espaço Reservado para Data 2"/>
+          <p:cNvSpPr>
+            <a:spLocks noGrp="1"/>
+          </p:cNvSpPr>
+          <p:nvPr>
+            <p:ph type="dt" idx="1"/>
+          </p:nvPr>
+        </p:nvSpPr>
+        <p:spPr>
+          <a:xfrm>
+            <a:off x="3884613" y="0"/>
+            <a:ext cx="2971800" cy="458788"/>
+          </a:xfrm>
+          <a:prstGeom prst="rect">
+            <a:avLst/>
+          </a:prstGeom>
+        </p:spPr>
+        <p:txBody>
+          <a:bodyPr vert="horz" lIns="91440" tIns="45720" rIns="91440" bIns="45720" rtlCol="0"/>
+          <a:lstStyle>
+            <a:lvl1pPr algn="r">
+              <a:defRPr sz="1200"/>
+            </a:lvl1pPr>
+          </a:lstStyle>
+          <a:p>
+            <a:fld id="{E66AB7A3-FB43-4D71-8455-9DCE680B93A0}" type="datetimeFigureOut">
+              <a:rPr lang="pt-BR" smtClean="0"/>
+              <a:t>22/10/2025</a:t>
+            </a:fld>
+            <a:endParaRPr lang="pt-BR"/>
+          </a:p>
+        </p:txBody>
+      </p:sp>
+      <p:sp>
+        <p:nvSpPr>
+          <p:cNvPr id="4" name="Espaço Reservado para Imagem de Slide 3"/>
+          <p:cNvSpPr>
+            <a:spLocks noGrp="1" noRot="1" noChangeAspect="1"/>
+          </p:cNvSpPr>
+          <p:nvPr>
+            <p:ph type="sldImg" idx="2"/>
+          </p:nvPr>
+        </p:nvSpPr>
+        <p:spPr>
+          <a:xfrm>
+            <a:off x="685800" y="1143000"/>
+            <a:ext cx="5486400" cy="3086100"/>
+          </a:xfrm>
+          <a:prstGeom prst="rect">
+            <a:avLst/>
+          </a:prstGeom>
+          <a:noFill/>
+          <a:ln w="12700">
+            <a:solidFill>
+              <a:prstClr val="black"/>
+            </a:solidFill>
+          </a:ln>
+        </p:spPr>
+        <p:txBody>
+          <a:bodyPr vert="horz" lIns="91440" tIns="45720" rIns="91440" bIns="45720" rtlCol="0" anchor="ctr"/>
+          <a:lstStyle/>
+          <a:p>
+            <a:endParaRPr lang="pt-BR"/>
+          </a:p>
+        </p:txBody>
+      </p:sp>
+      <p:sp>
+        <p:nvSpPr>
+          <p:cNvPr id="5" name="Espaço Reservado para Anotações 4"/>
+          <p:cNvSpPr>
+            <a:spLocks noGrp="1"/>
+          </p:cNvSpPr>
+          <p:nvPr>
+            <p:ph type="body" sz="quarter" idx="3"/>
+          </p:nvPr>
+        </p:nvSpPr>
+        <p:spPr>
+          <a:xfrm>
+            <a:off x="685800" y="4400550"/>
+            <a:ext cx="5486400" cy="3600450"/>
+          </a:xfrm>
+          <a:prstGeom prst="rect">
+            <a:avLst/>
+          </a:prstGeom>
+        </p:spPr>
+        <p:txBody>
+          <a:bodyPr vert="horz" lIns="91440" tIns="45720" rIns="91440" bIns="45720" rtlCol="0"/>
+          <a:lstStyle/>
+          <a:p>
+            <a:pPr lvl="0"/>
+            <a:r>
+              <a:rPr lang="pt-BR"/>
+              <a:t>Editar estilos de texto Mestre</a:t>
+            </a:r>
+          </a:p>
+          <a:p>
+            <a:pPr lvl="1"/>
+            <a:r>
+              <a:rPr lang="pt-BR"/>
+              <a:t>Segundo nível</a:t>
+            </a:r>
+          </a:p>
+          <a:p>
+            <a:pPr lvl="2"/>
+            <a:r>
+              <a:rPr lang="pt-BR"/>
+              <a:t>Terceiro nível</a:t>
+            </a:r>
+          </a:p>
+          <a:p>
+            <a:pPr lvl="3"/>
+            <a:r>
+              <a:rPr lang="pt-BR"/>
+              <a:t>Quarto nível</a:t>
+            </a:r>
+          </a:p>
+          <a:p>
+            <a:pPr lvl="4"/>
+            <a:r>
+              <a:rPr lang="pt-BR"/>
+              <a:t>Quinto nível</a:t>
+            </a:r>
+          </a:p>
+        </p:txBody>
+      </p:sp>
+      <p:sp>
+        <p:nvSpPr>
+          <p:cNvPr id="6" name="Espaço Reservado para Rodapé 5"/>
+          <p:cNvSpPr>
+            <a:spLocks noGrp="1"/>
+          </p:cNvSpPr>
+          <p:nvPr>
+            <p:ph type="ftr" sz="quarter" idx="4"/>
+          </p:nvPr>
+        </p:nvSpPr>
+        <p:spPr>
+          <a:xfrm>
+            <a:off x="0" y="8685213"/>
+            <a:ext cx="2971800" cy="458787"/>
+          </a:xfrm>
+          <a:prstGeom prst="rect">
+            <a:avLst/>
+          </a:prstGeom>
+        </p:spPr>
+        <p:txBody>
+          <a:bodyPr vert="horz" lIns="91440" tIns="45720" rIns="91440" bIns="45720" rtlCol="0" anchor="b"/>
+          <a:lstStyle>
+            <a:lvl1pPr algn="l">
+              <a:defRPr sz="1200"/>
+            </a:lvl1pPr>
+          </a:lstStyle>
+          <a:p>
+            <a:endParaRPr lang="pt-BR"/>
+          </a:p>
+        </p:txBody>
+      </p:sp>
+      <p:sp>
+        <p:nvSpPr>
+          <p:cNvPr id="7" name="Espaço Reservado para Número de Slide 6"/>
+          <p:cNvSpPr>
+            <a:spLocks noGrp="1"/>
+          </p:cNvSpPr>
+          <p:nvPr>
+            <p:ph type="sldNum" sz="quarter" idx="5"/>
+          </p:nvPr>
+        </p:nvSpPr>
+        <p:spPr>
+          <a:xfrm>
+            <a:off x="3884613" y="8685213"/>
+            <a:ext cx="2971800" cy="458787"/>
+          </a:xfrm>
+          <a:prstGeom prst="rect">
+            <a:avLst/>
+          </a:prstGeom>
+        </p:spPr>
+        <p:txBody>
+          <a:bodyPr vert="horz" lIns="91440" tIns="45720" rIns="91440" bIns="45720" rtlCol="0" anchor="b"/>
+          <a:lstStyle>
+            <a:lvl1pPr algn="r">
+              <a:defRPr sz="1200"/>
+            </a:lvl1pPr>
+          </a:lstStyle>
+          <a:p>
+            <a:fld id="{F6E6C5EE-E295-41E1-861F-1326D83B485B}" type="slidenum">
+              <a:rPr lang="pt-BR" smtClean="0"/>
+              <a:t>‹nº›</a:t>
+            </a:fld>
+            <a:endParaRPr lang="pt-BR"/>
+          </a:p>
+        </p:txBody>
+      </p:sp>
+    </p:spTree>
+    <p:extLst>
+      <p:ext uri="{BB962C8B-B14F-4D97-AF65-F5344CB8AC3E}">
+        <p14:creationId xmlns:p14="http://schemas.microsoft.com/office/powerpoint/2010/main" val="872731180"/>
+      </p:ext>
+    </p:extLst>
+  </p:cSld>
+  <p:clrMap bg1="lt1" tx1="dk1" bg2="lt2" tx2="dk2" accent1="accent1" accent2="accent2" accent3="accent3" accent4="accent4" accent5="accent5" accent6="accent6" hlink="hlink" folHlink="folHlink"/>
+  <p:notesStyle>
+    <a:lvl1pPr marL="0" algn="l" defTabSz="914400" rtl="0" eaLnBrk="1" latinLnBrk="0" hangingPunct="1">
+      <a:defRPr sz="1200" kern="1200">
+        <a:solidFill>
+          <a:schemeClr val="tx1"/>
+        </a:solidFill>
+        <a:latin typeface="+mn-lt"/>
+        <a:ea typeface="+mn-ea"/>
+        <a:cs typeface="+mn-cs"/>
+      </a:defRPr>
+    </a:lvl1pPr>
+    <a:lvl2pPr marL="457200" algn="l" defTabSz="914400" rtl="0" eaLnBrk="1" latinLnBrk="0" hangingPunct="1">
+      <a:defRPr sz="1200" kern="1200">
+        <a:solidFill>
+          <a:schemeClr val="tx1"/>
+        </a:solidFill>
+        <a:latin typeface="+mn-lt"/>
+        <a:ea typeface="+mn-ea"/>
+        <a:cs typeface="+mn-cs"/>
+      </a:defRPr>
+    </a:lvl2pPr>
+    <a:lvl3pPr marL="914400" algn="l" defTabSz="914400" rtl="0" eaLnBrk="1" latinLnBrk="0" hangingPunct="1">
+      <a:defRPr sz="1200" kern="1200">
+        <a:solidFill>
+          <a:schemeClr val="tx1"/>
+        </a:solidFill>
+        <a:latin typeface="+mn-lt"/>
+        <a:ea typeface="+mn-ea"/>
+        <a:cs typeface="+mn-cs"/>
+      </a:defRPr>
+    </a:lvl3pPr>
+    <a:lvl4pPr marL="1371600" algn="l" defTabSz="914400" rtl="0" eaLnBrk="1" latinLnBrk="0" hangingPunct="1">
+      <a:defRPr sz="1200" kern="1200">
+        <a:solidFill>
+          <a:schemeClr val="tx1"/>
+        </a:solidFill>
+        <a:latin typeface="+mn-lt"/>
+        <a:ea typeface="+mn-ea"/>
+        <a:cs typeface="+mn-cs"/>
+      </a:defRPr>
+    </a:lvl4pPr>
+    <a:lvl5pPr marL="1828800" algn="l" defTabSz="914400" rtl="0" eaLnBrk="1" latinLnBrk="0" hangingPunct="1">
+      <a:defRPr sz="1200" kern="1200">
+        <a:solidFill>
+          <a:schemeClr val="tx1"/>
+        </a:solidFill>
+        <a:latin typeface="+mn-lt"/>
+        <a:ea typeface="+mn-ea"/>
+        <a:cs typeface="+mn-cs"/>
+      </a:defRPr>
+    </a:lvl5pPr>
+    <a:lvl6pPr marL="2286000" algn="l" defTabSz="914400" rtl="0" eaLnBrk="1" latinLnBrk="0" hangingPunct="1">
+      <a:defRPr sz="1200" kern="1200">
+        <a:solidFill>
+          <a:schemeClr val="tx1"/>
+        </a:solidFill>
+        <a:latin typeface="+mn-lt"/>
+        <a:ea typeface="+mn-ea"/>
+        <a:cs typeface="+mn-cs"/>
+      </a:defRPr>
+    </a:lvl6pPr>
+    <a:lvl7pPr marL="2743200" algn="l" defTabSz="914400" rtl="0" eaLnBrk="1" latinLnBrk="0" hangingPunct="1">
+      <a:defRPr sz="1200" kern="1200">
+        <a:solidFill>
+          <a:schemeClr val="tx1"/>
+        </a:solidFill>
+        <a:latin typeface="+mn-lt"/>
+        <a:ea typeface="+mn-ea"/>
+        <a:cs typeface="+mn-cs"/>
+      </a:defRPr>
+    </a:lvl7pPr>
+    <a:lvl8pPr marL="3200400" algn="l" defTabSz="914400" rtl="0" eaLnBrk="1" latinLnBrk="0" hangingPunct="1">
+      <a:defRPr sz="1200" kern="1200">
+        <a:solidFill>
+          <a:schemeClr val="tx1"/>
+        </a:solidFill>
+        <a:latin typeface="+mn-lt"/>
+        <a:ea typeface="+mn-ea"/>
+        <a:cs typeface="+mn-cs"/>
+      </a:defRPr>
+    </a:lvl8pPr>
+    <a:lvl9pPr marL="3657600" algn="l" defTabSz="914400" rtl="0" eaLnBrk="1" latinLnBrk="0" hangingPunct="1">
+      <a:defRPr sz="1200" kern="1200">
+        <a:solidFill>
+          <a:schemeClr val="tx1"/>
+        </a:solidFill>
+        <a:latin typeface="+mn-lt"/>
+        <a:ea typeface="+mn-ea"/>
+        <a:cs typeface="+mn-cs"/>
+      </a:defRPr>
+    </a:lvl9pPr>
+  </p:notesStyle>
+</p:notesMaster>
+</file>
+
+<file path=ppt/notesSlides/notesSlide1.xml><?xml version="1.0" encoding="utf-8"?>
+<p:notes xmlns:a="http://schemas.openxmlformats.org/drawingml/2006/main" xmlns:r="http://schemas.openxmlformats.org/officeDocument/2006/relationships" xmlns:p="http://schemas.openxmlformats.org/presentationml/2006/main">
+  <p:cSld>
+    <p:spTree>
+      <p:nvGrpSpPr>
+        <p:cNvPr id="1" name=""/>
+        <p:cNvGrpSpPr/>
+        <p:nvPr/>
+      </p:nvGrpSpPr>
+      <p:grpSpPr>
+        <a:xfrm>
+          <a:off x="0" y="0"/>
+          <a:ext cx="0" cy="0"/>
+          <a:chOff x="0" y="0"/>
+          <a:chExt cx="0" cy="0"/>
+        </a:xfrm>
+      </p:grpSpPr>
+      <p:sp>
+        <p:nvSpPr>
+          <p:cNvPr id="2" name="Espaço Reservado para Imagem de Slide 1"/>
+          <p:cNvSpPr>
+            <a:spLocks noGrp="1" noRot="1" noChangeAspect="1"/>
+          </p:cNvSpPr>
+          <p:nvPr>
+            <p:ph type="sldImg"/>
+          </p:nvPr>
+        </p:nvSpPr>
+        <p:spPr/>
+      </p:sp>
+      <p:sp>
+        <p:nvSpPr>
+          <p:cNvPr id="3" name="Espaço Reservado para Anotações 2"/>
+          <p:cNvSpPr>
+            <a:spLocks noGrp="1"/>
+          </p:cNvSpPr>
+          <p:nvPr>
+            <p:ph type="body" idx="1"/>
+          </p:nvPr>
+        </p:nvSpPr>
+        <p:spPr/>
+        <p:txBody>
+          <a:bodyPr/>
+          <a:lstStyle/>
+          <a:p>
+            <a:endParaRPr lang="pt-BR" dirty="0"/>
+          </a:p>
+        </p:txBody>
+      </p:sp>
+      <p:sp>
+        <p:nvSpPr>
+          <p:cNvPr id="4" name="Espaço Reservado para Número de Slide 3"/>
+          <p:cNvSpPr>
+            <a:spLocks noGrp="1"/>
+          </p:cNvSpPr>
+          <p:nvPr>
+            <p:ph type="sldNum" sz="quarter" idx="5"/>
+          </p:nvPr>
+        </p:nvSpPr>
+        <p:spPr/>
+        <p:txBody>
+          <a:bodyPr/>
+          <a:lstStyle/>
+          <a:p>
+            <a:fld id="{F6E6C5EE-E295-41E1-861F-1326D83B485B}" type="slidenum">
+              <a:rPr lang="pt-BR" smtClean="0"/>
+              <a:t>1</a:t>
+            </a:fld>
+            <a:endParaRPr lang="pt-BR"/>
+          </a:p>
+        </p:txBody>
+      </p:sp>
+    </p:spTree>
+    <p:extLst>
+      <p:ext uri="{BB962C8B-B14F-4D97-AF65-F5344CB8AC3E}">
+        <p14:creationId xmlns:p14="http://schemas.microsoft.com/office/powerpoint/2010/main" val="2668058804"/>
+      </p:ext>
+    </p:extLst>
+  </p:cSld>
+  <p:clrMapOvr>
+    <a:masterClrMapping/>
+  </p:clrMapOvr>
+</p:notes>
+</file>
+
+<file path=ppt/notesSlides/notesSlide10.xml><?xml version="1.0" encoding="utf-8"?>
+<p:notes xmlns:a="http://schemas.openxmlformats.org/drawingml/2006/main" xmlns:r="http://schemas.openxmlformats.org/officeDocument/2006/relationships" xmlns:p="http://schemas.openxmlformats.org/presentationml/2006/main">
+  <p:cSld>
+    <p:spTree>
+      <p:nvGrpSpPr>
+        <p:cNvPr id="1" name="">
+          <a:extLst>
+            <a:ext uri="{FF2B5EF4-FFF2-40B4-BE49-F238E27FC236}">
+              <a16:creationId xmlns:a16="http://schemas.microsoft.com/office/drawing/2014/main" id="{BE7EA54A-D6D4-BBEC-3943-3EFC368BA00D}"/>
+            </a:ext>
+          </a:extLst>
+        </p:cNvPr>
+        <p:cNvGrpSpPr/>
+        <p:nvPr/>
+      </p:nvGrpSpPr>
+      <p:grpSpPr>
+        <a:xfrm>
+          <a:off x="0" y="0"/>
+          <a:ext cx="0" cy="0"/>
+          <a:chOff x="0" y="0"/>
+          <a:chExt cx="0" cy="0"/>
+        </a:xfrm>
+      </p:grpSpPr>
+      <p:sp>
+        <p:nvSpPr>
+          <p:cNvPr id="2" name="Espaço Reservado para Imagem de Slide 1">
+            <a:extLst>
+              <a:ext uri="{FF2B5EF4-FFF2-40B4-BE49-F238E27FC236}">
+                <a16:creationId xmlns:a16="http://schemas.microsoft.com/office/drawing/2014/main" id="{82567575-AAFA-EA97-4395-0B35A89F9820}"/>
+              </a:ext>
+            </a:extLst>
+          </p:cNvPr>
+          <p:cNvSpPr>
+            <a:spLocks noGrp="1" noRot="1" noChangeAspect="1"/>
+          </p:cNvSpPr>
+          <p:nvPr>
+            <p:ph type="sldImg"/>
+          </p:nvPr>
+        </p:nvSpPr>
+        <p:spPr/>
+      </p:sp>
+      <p:sp>
+        <p:nvSpPr>
+          <p:cNvPr id="3" name="Espaço Reservado para Anotações 2">
+            <a:extLst>
+              <a:ext uri="{FF2B5EF4-FFF2-40B4-BE49-F238E27FC236}">
+                <a16:creationId xmlns:a16="http://schemas.microsoft.com/office/drawing/2014/main" id="{0F1CEE44-783E-A6BF-CEB9-CCF9CFF26448}"/>
+              </a:ext>
+            </a:extLst>
+          </p:cNvPr>
+          <p:cNvSpPr>
+            <a:spLocks noGrp="1"/>
+          </p:cNvSpPr>
+          <p:nvPr>
+            <p:ph type="body" idx="1"/>
+          </p:nvPr>
+        </p:nvSpPr>
+        <p:spPr/>
+        <p:txBody>
+          <a:bodyPr/>
+          <a:lstStyle/>
+          <a:p>
+            <a:endParaRPr lang="pt-BR" dirty="0"/>
+          </a:p>
+        </p:txBody>
+      </p:sp>
+      <p:sp>
+        <p:nvSpPr>
+          <p:cNvPr id="4" name="Espaço Reservado para Número de Slide 3">
+            <a:extLst>
+              <a:ext uri="{FF2B5EF4-FFF2-40B4-BE49-F238E27FC236}">
+                <a16:creationId xmlns:a16="http://schemas.microsoft.com/office/drawing/2014/main" id="{C46C9AF5-11C8-1286-91D0-3EEE6AC24E54}"/>
+              </a:ext>
+            </a:extLst>
+          </p:cNvPr>
+          <p:cNvSpPr>
+            <a:spLocks noGrp="1"/>
+          </p:cNvSpPr>
+          <p:nvPr>
+            <p:ph type="sldNum" sz="quarter" idx="5"/>
+          </p:nvPr>
+        </p:nvSpPr>
+        <p:spPr/>
+        <p:txBody>
+          <a:bodyPr/>
+          <a:lstStyle/>
+          <a:p>
+            <a:fld id="{F6E6C5EE-E295-41E1-861F-1326D83B485B}" type="slidenum">
+              <a:rPr lang="pt-BR" smtClean="0"/>
+              <a:t>14</a:t>
+            </a:fld>
+            <a:endParaRPr lang="pt-BR"/>
+          </a:p>
+        </p:txBody>
+      </p:sp>
+    </p:spTree>
+    <p:extLst>
+      <p:ext uri="{BB962C8B-B14F-4D97-AF65-F5344CB8AC3E}">
+        <p14:creationId xmlns:p14="http://schemas.microsoft.com/office/powerpoint/2010/main" val="10161592"/>
+      </p:ext>
+    </p:extLst>
+  </p:cSld>
+  <p:clrMapOvr>
+    <a:masterClrMapping/>
+  </p:clrMapOvr>
+</p:notes>
+</file>
+
+<file path=ppt/notesSlides/notesSlide11.xml><?xml version="1.0" encoding="utf-8"?>
+<p:notes xmlns:a="http://schemas.openxmlformats.org/drawingml/2006/main" xmlns:r="http://schemas.openxmlformats.org/officeDocument/2006/relationships" xmlns:p="http://schemas.openxmlformats.org/presentationml/2006/main">
+  <p:cSld>
+    <p:spTree>
+      <p:nvGrpSpPr>
+        <p:cNvPr id="1" name="">
+          <a:extLst>
+            <a:ext uri="{FF2B5EF4-FFF2-40B4-BE49-F238E27FC236}">
+              <a16:creationId xmlns:a16="http://schemas.microsoft.com/office/drawing/2014/main" id="{77D41CDB-7602-6BC5-415D-B8BFE2FBE514}"/>
+            </a:ext>
+          </a:extLst>
+        </p:cNvPr>
+        <p:cNvGrpSpPr/>
+        <p:nvPr/>
+      </p:nvGrpSpPr>
+      <p:grpSpPr>
+        <a:xfrm>
+          <a:off x="0" y="0"/>
+          <a:ext cx="0" cy="0"/>
+          <a:chOff x="0" y="0"/>
+          <a:chExt cx="0" cy="0"/>
+        </a:xfrm>
+      </p:grpSpPr>
+      <p:sp>
+        <p:nvSpPr>
+          <p:cNvPr id="2" name="Espaço Reservado para Imagem de Slide 1">
+            <a:extLst>
+              <a:ext uri="{FF2B5EF4-FFF2-40B4-BE49-F238E27FC236}">
+                <a16:creationId xmlns:a16="http://schemas.microsoft.com/office/drawing/2014/main" id="{CBDA38DF-8B66-3F36-8803-75BD37AD41F8}"/>
+              </a:ext>
+            </a:extLst>
+          </p:cNvPr>
+          <p:cNvSpPr>
+            <a:spLocks noGrp="1" noRot="1" noChangeAspect="1"/>
+          </p:cNvSpPr>
+          <p:nvPr>
+            <p:ph type="sldImg"/>
+          </p:nvPr>
+        </p:nvSpPr>
+        <p:spPr/>
+      </p:sp>
+      <p:sp>
+        <p:nvSpPr>
+          <p:cNvPr id="3" name="Espaço Reservado para Anotações 2">
+            <a:extLst>
+              <a:ext uri="{FF2B5EF4-FFF2-40B4-BE49-F238E27FC236}">
+                <a16:creationId xmlns:a16="http://schemas.microsoft.com/office/drawing/2014/main" id="{58D50D34-8E2E-3D4A-67F3-76BB89B68B8B}"/>
+              </a:ext>
+            </a:extLst>
+          </p:cNvPr>
+          <p:cNvSpPr>
+            <a:spLocks noGrp="1"/>
+          </p:cNvSpPr>
+          <p:nvPr>
+            <p:ph type="body" idx="1"/>
+          </p:nvPr>
+        </p:nvSpPr>
+        <p:spPr/>
+        <p:txBody>
+          <a:bodyPr/>
+          <a:lstStyle/>
+          <a:p>
+            <a:endParaRPr lang="pt-BR" dirty="0"/>
+          </a:p>
+        </p:txBody>
+      </p:sp>
+      <p:sp>
+        <p:nvSpPr>
+          <p:cNvPr id="4" name="Espaço Reservado para Número de Slide 3">
+            <a:extLst>
+              <a:ext uri="{FF2B5EF4-FFF2-40B4-BE49-F238E27FC236}">
+                <a16:creationId xmlns:a16="http://schemas.microsoft.com/office/drawing/2014/main" id="{8C8D1CE1-55FD-C40B-B2C1-DC4069B6B757}"/>
+              </a:ext>
+            </a:extLst>
+          </p:cNvPr>
+          <p:cNvSpPr>
+            <a:spLocks noGrp="1"/>
+          </p:cNvSpPr>
+          <p:nvPr>
+            <p:ph type="sldNum" sz="quarter" idx="5"/>
+          </p:nvPr>
+        </p:nvSpPr>
+        <p:spPr/>
+        <p:txBody>
+          <a:bodyPr/>
+          <a:lstStyle/>
+          <a:p>
+            <a:fld id="{F6E6C5EE-E295-41E1-861F-1326D83B485B}" type="slidenum">
+              <a:rPr lang="pt-BR" smtClean="0"/>
+              <a:t>15</a:t>
+            </a:fld>
+            <a:endParaRPr lang="pt-BR"/>
+          </a:p>
+        </p:txBody>
+      </p:sp>
+    </p:spTree>
+    <p:extLst>
+      <p:ext uri="{BB962C8B-B14F-4D97-AF65-F5344CB8AC3E}">
+        <p14:creationId xmlns:p14="http://schemas.microsoft.com/office/powerpoint/2010/main" val="572286067"/>
+      </p:ext>
+    </p:extLst>
+  </p:cSld>
+  <p:clrMapOvr>
+    <a:masterClrMapping/>
+  </p:clrMapOvr>
+</p:notes>
+</file>
+
+<file path=ppt/notesSlides/notesSlide12.xml><?xml version="1.0" encoding="utf-8"?>
+<p:notes xmlns:a="http://schemas.openxmlformats.org/drawingml/2006/main" xmlns:r="http://schemas.openxmlformats.org/officeDocument/2006/relationships" xmlns:p="http://schemas.openxmlformats.org/presentationml/2006/main">
+  <p:cSld>
+    <p:spTree>
+      <p:nvGrpSpPr>
+        <p:cNvPr id="1" name="">
+          <a:extLst>
+            <a:ext uri="{FF2B5EF4-FFF2-40B4-BE49-F238E27FC236}">
+              <a16:creationId xmlns:a16="http://schemas.microsoft.com/office/drawing/2014/main" id="{64C567DB-9B18-23A8-647A-87B48D8B1B66}"/>
+            </a:ext>
+          </a:extLst>
+        </p:cNvPr>
+        <p:cNvGrpSpPr/>
+        <p:nvPr/>
+      </p:nvGrpSpPr>
+      <p:grpSpPr>
+        <a:xfrm>
+          <a:off x="0" y="0"/>
+          <a:ext cx="0" cy="0"/>
+          <a:chOff x="0" y="0"/>
+          <a:chExt cx="0" cy="0"/>
+        </a:xfrm>
+      </p:grpSpPr>
+      <p:sp>
+        <p:nvSpPr>
+          <p:cNvPr id="2" name="Espaço Reservado para Imagem de Slide 1">
+            <a:extLst>
+              <a:ext uri="{FF2B5EF4-FFF2-40B4-BE49-F238E27FC236}">
+                <a16:creationId xmlns:a16="http://schemas.microsoft.com/office/drawing/2014/main" id="{33AB2DC1-B723-11A2-CBDA-8EB4A35E1BFB}"/>
+              </a:ext>
+            </a:extLst>
+          </p:cNvPr>
+          <p:cNvSpPr>
+            <a:spLocks noGrp="1" noRot="1" noChangeAspect="1"/>
+          </p:cNvSpPr>
+          <p:nvPr>
+            <p:ph type="sldImg"/>
+          </p:nvPr>
+        </p:nvSpPr>
+        <p:spPr/>
+      </p:sp>
+      <p:sp>
+        <p:nvSpPr>
+          <p:cNvPr id="3" name="Espaço Reservado para Anotações 2">
+            <a:extLst>
+              <a:ext uri="{FF2B5EF4-FFF2-40B4-BE49-F238E27FC236}">
+                <a16:creationId xmlns:a16="http://schemas.microsoft.com/office/drawing/2014/main" id="{DA87BFE8-3F75-6EF6-DFEA-590B106F9E46}"/>
+              </a:ext>
+            </a:extLst>
+          </p:cNvPr>
+          <p:cNvSpPr>
+            <a:spLocks noGrp="1"/>
+          </p:cNvSpPr>
+          <p:nvPr>
+            <p:ph type="body" idx="1"/>
+          </p:nvPr>
+        </p:nvSpPr>
+        <p:spPr/>
+        <p:txBody>
+          <a:bodyPr/>
+          <a:lstStyle/>
+          <a:p>
+            <a:endParaRPr lang="pt-BR" dirty="0"/>
+          </a:p>
+        </p:txBody>
+      </p:sp>
+      <p:sp>
+        <p:nvSpPr>
+          <p:cNvPr id="4" name="Espaço Reservado para Número de Slide 3">
+            <a:extLst>
+              <a:ext uri="{FF2B5EF4-FFF2-40B4-BE49-F238E27FC236}">
+                <a16:creationId xmlns:a16="http://schemas.microsoft.com/office/drawing/2014/main" id="{0014AE20-CB6E-B74E-2461-EBFC4B3A5A15}"/>
+              </a:ext>
+            </a:extLst>
+          </p:cNvPr>
+          <p:cNvSpPr>
+            <a:spLocks noGrp="1"/>
+          </p:cNvSpPr>
+          <p:nvPr>
+            <p:ph type="sldNum" sz="quarter" idx="5"/>
+          </p:nvPr>
+        </p:nvSpPr>
+        <p:spPr/>
+        <p:txBody>
+          <a:bodyPr/>
+          <a:lstStyle/>
+          <a:p>
+            <a:fld id="{F6E6C5EE-E295-41E1-861F-1326D83B485B}" type="slidenum">
+              <a:rPr lang="pt-BR" smtClean="0"/>
+              <a:t>16</a:t>
+            </a:fld>
+            <a:endParaRPr lang="pt-BR"/>
+          </a:p>
+        </p:txBody>
+      </p:sp>
+    </p:spTree>
+    <p:extLst>
+      <p:ext uri="{BB962C8B-B14F-4D97-AF65-F5344CB8AC3E}">
+        <p14:creationId xmlns:p14="http://schemas.microsoft.com/office/powerpoint/2010/main" val="3538162395"/>
+      </p:ext>
+    </p:extLst>
+  </p:cSld>
+  <p:clrMapOvr>
+    <a:masterClrMapping/>
+  </p:clrMapOvr>
+</p:notes>
+</file>
+
+<file path=ppt/notesSlides/notesSlide13.xml><?xml version="1.0" encoding="utf-8"?>
+<p:notes xmlns:a="http://schemas.openxmlformats.org/drawingml/2006/main" xmlns:r="http://schemas.openxmlformats.org/officeDocument/2006/relationships" xmlns:p="http://schemas.openxmlformats.org/presentationml/2006/main">
+  <p:cSld>
+    <p:spTree>
+      <p:nvGrpSpPr>
+        <p:cNvPr id="1" name="">
+          <a:extLst>
+            <a:ext uri="{FF2B5EF4-FFF2-40B4-BE49-F238E27FC236}">
+              <a16:creationId xmlns:a16="http://schemas.microsoft.com/office/drawing/2014/main" id="{C9672791-E247-4BB4-326A-3C09B82EC96C}"/>
+            </a:ext>
+          </a:extLst>
+        </p:cNvPr>
+        <p:cNvGrpSpPr/>
+        <p:nvPr/>
+      </p:nvGrpSpPr>
+      <p:grpSpPr>
+        <a:xfrm>
+          <a:off x="0" y="0"/>
+          <a:ext cx="0" cy="0"/>
+          <a:chOff x="0" y="0"/>
+          <a:chExt cx="0" cy="0"/>
+        </a:xfrm>
+      </p:grpSpPr>
+      <p:sp>
+        <p:nvSpPr>
+          <p:cNvPr id="2" name="Espaço Reservado para Imagem de Slide 1">
+            <a:extLst>
+              <a:ext uri="{FF2B5EF4-FFF2-40B4-BE49-F238E27FC236}">
+                <a16:creationId xmlns:a16="http://schemas.microsoft.com/office/drawing/2014/main" id="{274AC9D8-D83C-C7E3-1DAD-AEFA6089F045}"/>
+              </a:ext>
+            </a:extLst>
+          </p:cNvPr>
+          <p:cNvSpPr>
+            <a:spLocks noGrp="1" noRot="1" noChangeAspect="1"/>
+          </p:cNvSpPr>
+          <p:nvPr>
+            <p:ph type="sldImg"/>
+          </p:nvPr>
+        </p:nvSpPr>
+        <p:spPr/>
+      </p:sp>
+      <p:sp>
+        <p:nvSpPr>
+          <p:cNvPr id="3" name="Espaço Reservado para Anotações 2">
+            <a:extLst>
+              <a:ext uri="{FF2B5EF4-FFF2-40B4-BE49-F238E27FC236}">
+                <a16:creationId xmlns:a16="http://schemas.microsoft.com/office/drawing/2014/main" id="{DDAFBF96-FF8B-D2C6-3217-C6929DF5D93D}"/>
+              </a:ext>
+            </a:extLst>
+          </p:cNvPr>
+          <p:cNvSpPr>
+            <a:spLocks noGrp="1"/>
+          </p:cNvSpPr>
+          <p:nvPr>
+            <p:ph type="body" idx="1"/>
+          </p:nvPr>
+        </p:nvSpPr>
+        <p:spPr/>
+        <p:txBody>
+          <a:bodyPr/>
+          <a:lstStyle/>
+          <a:p>
+            <a:endParaRPr lang="pt-BR" dirty="0"/>
+          </a:p>
+        </p:txBody>
+      </p:sp>
+      <p:sp>
+        <p:nvSpPr>
+          <p:cNvPr id="4" name="Espaço Reservado para Número de Slide 3">
+            <a:extLst>
+              <a:ext uri="{FF2B5EF4-FFF2-40B4-BE49-F238E27FC236}">
+                <a16:creationId xmlns:a16="http://schemas.microsoft.com/office/drawing/2014/main" id="{E596052A-6CC6-74DF-9CB2-27EDBD746DE3}"/>
+              </a:ext>
+            </a:extLst>
+          </p:cNvPr>
+          <p:cNvSpPr>
+            <a:spLocks noGrp="1"/>
+          </p:cNvSpPr>
+          <p:nvPr>
+            <p:ph type="sldNum" sz="quarter" idx="5"/>
+          </p:nvPr>
+        </p:nvSpPr>
+        <p:spPr/>
+        <p:txBody>
+          <a:bodyPr/>
+          <a:lstStyle/>
+          <a:p>
+            <a:fld id="{F6E6C5EE-E295-41E1-861F-1326D83B485B}" type="slidenum">
+              <a:rPr lang="pt-BR" smtClean="0"/>
+              <a:t>17</a:t>
+            </a:fld>
+            <a:endParaRPr lang="pt-BR"/>
+          </a:p>
+        </p:txBody>
+      </p:sp>
+    </p:spTree>
+    <p:extLst>
+      <p:ext uri="{BB962C8B-B14F-4D97-AF65-F5344CB8AC3E}">
+        <p14:creationId xmlns:p14="http://schemas.microsoft.com/office/powerpoint/2010/main" val="2399280193"/>
+      </p:ext>
+    </p:extLst>
+  </p:cSld>
+  <p:clrMapOvr>
+    <a:masterClrMapping/>
+  </p:clrMapOvr>
+</p:notes>
+</file>
+
+<file path=ppt/notesSlides/notesSlide14.xml><?xml version="1.0" encoding="utf-8"?>
+<p:notes xmlns:a="http://schemas.openxmlformats.org/drawingml/2006/main" xmlns:r="http://schemas.openxmlformats.org/officeDocument/2006/relationships" xmlns:p="http://schemas.openxmlformats.org/presentationml/2006/main">
+  <p:cSld>
+    <p:spTree>
+      <p:nvGrpSpPr>
+        <p:cNvPr id="1" name="">
+          <a:extLst>
+            <a:ext uri="{FF2B5EF4-FFF2-40B4-BE49-F238E27FC236}">
+              <a16:creationId xmlns:a16="http://schemas.microsoft.com/office/drawing/2014/main" id="{9FA67348-4F6B-5C2A-FEA1-4AB2CF2F86C3}"/>
+            </a:ext>
+          </a:extLst>
+        </p:cNvPr>
+        <p:cNvGrpSpPr/>
+        <p:nvPr/>
+      </p:nvGrpSpPr>
+      <p:grpSpPr>
+        <a:xfrm>
+          <a:off x="0" y="0"/>
+          <a:ext cx="0" cy="0"/>
+          <a:chOff x="0" y="0"/>
+          <a:chExt cx="0" cy="0"/>
+        </a:xfrm>
+      </p:grpSpPr>
+      <p:sp>
+        <p:nvSpPr>
+          <p:cNvPr id="2" name="Espaço Reservado para Imagem de Slide 1">
+            <a:extLst>
+              <a:ext uri="{FF2B5EF4-FFF2-40B4-BE49-F238E27FC236}">
+                <a16:creationId xmlns:a16="http://schemas.microsoft.com/office/drawing/2014/main" id="{6B7B8702-2EA2-5E4B-DB4E-AC013A807F85}"/>
+              </a:ext>
+            </a:extLst>
+          </p:cNvPr>
+          <p:cNvSpPr>
+            <a:spLocks noGrp="1" noRot="1" noChangeAspect="1"/>
+          </p:cNvSpPr>
+          <p:nvPr>
+            <p:ph type="sldImg"/>
+          </p:nvPr>
+        </p:nvSpPr>
+        <p:spPr/>
+      </p:sp>
+      <p:sp>
+        <p:nvSpPr>
+          <p:cNvPr id="3" name="Espaço Reservado para Anotações 2">
+            <a:extLst>
+              <a:ext uri="{FF2B5EF4-FFF2-40B4-BE49-F238E27FC236}">
+                <a16:creationId xmlns:a16="http://schemas.microsoft.com/office/drawing/2014/main" id="{5BD61416-FBAF-5505-79D1-FDDAD2B9A335}"/>
+              </a:ext>
+            </a:extLst>
+          </p:cNvPr>
+          <p:cNvSpPr>
+            <a:spLocks noGrp="1"/>
+          </p:cNvSpPr>
+          <p:nvPr>
+            <p:ph type="body" idx="1"/>
+          </p:nvPr>
+        </p:nvSpPr>
+        <p:spPr/>
+        <p:txBody>
+          <a:bodyPr/>
+          <a:lstStyle/>
+          <a:p>
+            <a:endParaRPr lang="pt-BR" dirty="0"/>
+          </a:p>
+        </p:txBody>
+      </p:sp>
+      <p:sp>
+        <p:nvSpPr>
+          <p:cNvPr id="4" name="Espaço Reservado para Número de Slide 3">
+            <a:extLst>
+              <a:ext uri="{FF2B5EF4-FFF2-40B4-BE49-F238E27FC236}">
+                <a16:creationId xmlns:a16="http://schemas.microsoft.com/office/drawing/2014/main" id="{425067D6-7E20-A82E-200E-04EB972E67AA}"/>
+              </a:ext>
+            </a:extLst>
+          </p:cNvPr>
+          <p:cNvSpPr>
+            <a:spLocks noGrp="1"/>
+          </p:cNvSpPr>
+          <p:nvPr>
+            <p:ph type="sldNum" sz="quarter" idx="5"/>
+          </p:nvPr>
+        </p:nvSpPr>
+        <p:spPr/>
+        <p:txBody>
+          <a:bodyPr/>
+          <a:lstStyle/>
+          <a:p>
+            <a:fld id="{F6E6C5EE-E295-41E1-861F-1326D83B485B}" type="slidenum">
+              <a:rPr lang="pt-BR" smtClean="0"/>
+              <a:t>18</a:t>
+            </a:fld>
+            <a:endParaRPr lang="pt-BR"/>
+          </a:p>
+        </p:txBody>
+      </p:sp>
+    </p:spTree>
+    <p:extLst>
+      <p:ext uri="{BB962C8B-B14F-4D97-AF65-F5344CB8AC3E}">
+        <p14:creationId xmlns:p14="http://schemas.microsoft.com/office/powerpoint/2010/main" val="1546638858"/>
+      </p:ext>
+    </p:extLst>
+  </p:cSld>
+  <p:clrMapOvr>
+    <a:masterClrMapping/>
+  </p:clrMapOvr>
+</p:notes>
+</file>
+
+<file path=ppt/notesSlides/notesSlide15.xml><?xml version="1.0" encoding="utf-8"?>
+<p:notes xmlns:a="http://schemas.openxmlformats.org/drawingml/2006/main" xmlns:r="http://schemas.openxmlformats.org/officeDocument/2006/relationships" xmlns:p="http://schemas.openxmlformats.org/presentationml/2006/main">
+  <p:cSld>
+    <p:spTree>
+      <p:nvGrpSpPr>
+        <p:cNvPr id="1" name=""/>
+        <p:cNvGrpSpPr/>
+        <p:nvPr/>
+      </p:nvGrpSpPr>
+      <p:grpSpPr>
+        <a:xfrm>
+          <a:off x="0" y="0"/>
+          <a:ext cx="0" cy="0"/>
+          <a:chOff x="0" y="0"/>
+          <a:chExt cx="0" cy="0"/>
+        </a:xfrm>
+      </p:grpSpPr>
+      <p:sp>
+        <p:nvSpPr>
+          <p:cNvPr id="2" name="Espaço Reservado para Imagem de Slide 1"/>
+          <p:cNvSpPr>
+            <a:spLocks noGrp="1" noRot="1" noChangeAspect="1"/>
+          </p:cNvSpPr>
+          <p:nvPr>
+            <p:ph type="sldImg"/>
+          </p:nvPr>
+        </p:nvSpPr>
+        <p:spPr/>
+      </p:sp>
+      <p:sp>
+        <p:nvSpPr>
+          <p:cNvPr id="3" name="Espaço Reservado para Anotações 2"/>
+          <p:cNvSpPr>
+            <a:spLocks noGrp="1"/>
+          </p:cNvSpPr>
+          <p:nvPr>
+            <p:ph type="body" idx="1"/>
+          </p:nvPr>
+        </p:nvSpPr>
+        <p:spPr/>
+        <p:txBody>
+          <a:bodyPr/>
+          <a:lstStyle/>
+          <a:p>
+            <a:endParaRPr lang="pt-BR" dirty="0"/>
+          </a:p>
+        </p:txBody>
+      </p:sp>
+      <p:sp>
+        <p:nvSpPr>
+          <p:cNvPr id="4" name="Espaço Reservado para Número de Slide 3"/>
+          <p:cNvSpPr>
+            <a:spLocks noGrp="1"/>
+          </p:cNvSpPr>
+          <p:nvPr>
+            <p:ph type="sldNum" sz="quarter" idx="5"/>
+          </p:nvPr>
+        </p:nvSpPr>
+        <p:spPr/>
+        <p:txBody>
+          <a:bodyPr/>
+          <a:lstStyle/>
+          <a:p>
+            <a:fld id="{F6E6C5EE-E295-41E1-861F-1326D83B485B}" type="slidenum">
+              <a:rPr lang="pt-BR" smtClean="0"/>
+              <a:t>19</a:t>
+            </a:fld>
+            <a:endParaRPr lang="pt-BR"/>
+          </a:p>
+        </p:txBody>
+      </p:sp>
+    </p:spTree>
+    <p:extLst>
+      <p:ext uri="{BB962C8B-B14F-4D97-AF65-F5344CB8AC3E}">
+        <p14:creationId xmlns:p14="http://schemas.microsoft.com/office/powerpoint/2010/main" val="2433476844"/>
+      </p:ext>
+    </p:extLst>
+  </p:cSld>
+  <p:clrMapOvr>
+    <a:masterClrMapping/>
+  </p:clrMapOvr>
+</p:notes>
+</file>
+
+<file path=ppt/notesSlides/notesSlide2.xml><?xml version="1.0" encoding="utf-8"?>
+<p:notes xmlns:a="http://schemas.openxmlformats.org/drawingml/2006/main" xmlns:r="http://schemas.openxmlformats.org/officeDocument/2006/relationships" xmlns:p="http://schemas.openxmlformats.org/presentationml/2006/main">
+  <p:cSld>
+    <p:spTree>
+      <p:nvGrpSpPr>
+        <p:cNvPr id="1" name=""/>
+        <p:cNvGrpSpPr/>
+        <p:nvPr/>
+      </p:nvGrpSpPr>
+      <p:grpSpPr>
+        <a:xfrm>
+          <a:off x="0" y="0"/>
+          <a:ext cx="0" cy="0"/>
+          <a:chOff x="0" y="0"/>
+          <a:chExt cx="0" cy="0"/>
+        </a:xfrm>
+      </p:grpSpPr>
+      <p:sp>
+        <p:nvSpPr>
+          <p:cNvPr id="2" name="Espaço Reservado para Imagem de Slide 1"/>
+          <p:cNvSpPr>
+            <a:spLocks noGrp="1" noRot="1" noChangeAspect="1"/>
+          </p:cNvSpPr>
+          <p:nvPr>
+            <p:ph type="sldImg"/>
+          </p:nvPr>
+        </p:nvSpPr>
+        <p:spPr/>
+      </p:sp>
+      <p:sp>
+        <p:nvSpPr>
+          <p:cNvPr id="3" name="Espaço Reservado para Anotações 2"/>
+          <p:cNvSpPr>
+            <a:spLocks noGrp="1"/>
+          </p:cNvSpPr>
+          <p:nvPr>
+            <p:ph type="body" idx="1"/>
+          </p:nvPr>
+        </p:nvSpPr>
+        <p:spPr/>
+        <p:txBody>
+          <a:bodyPr/>
+          <a:lstStyle/>
+          <a:p>
+            <a:endParaRPr lang="pt-BR" dirty="0"/>
+          </a:p>
+        </p:txBody>
+      </p:sp>
+      <p:sp>
+        <p:nvSpPr>
+          <p:cNvPr id="4" name="Espaço Reservado para Número de Slide 3"/>
+          <p:cNvSpPr>
+            <a:spLocks noGrp="1"/>
+          </p:cNvSpPr>
+          <p:nvPr>
+            <p:ph type="sldNum" sz="quarter" idx="5"/>
+          </p:nvPr>
+        </p:nvSpPr>
+        <p:spPr/>
+        <p:txBody>
+          <a:bodyPr/>
+          <a:lstStyle/>
+          <a:p>
+            <a:fld id="{F6E6C5EE-E295-41E1-861F-1326D83B485B}" type="slidenum">
+              <a:rPr lang="pt-BR" smtClean="0"/>
+              <a:t>4</a:t>
+            </a:fld>
+            <a:endParaRPr lang="pt-BR"/>
+          </a:p>
+        </p:txBody>
+      </p:sp>
+    </p:spTree>
+    <p:extLst>
+      <p:ext uri="{BB962C8B-B14F-4D97-AF65-F5344CB8AC3E}">
+        <p14:creationId xmlns:p14="http://schemas.microsoft.com/office/powerpoint/2010/main" val="322954010"/>
+      </p:ext>
+    </p:extLst>
+  </p:cSld>
+  <p:clrMapOvr>
+    <a:masterClrMapping/>
+  </p:clrMapOvr>
+</p:notes>
+</file>
+
+<file path=ppt/notesSlides/notesSlide3.xml><?xml version="1.0" encoding="utf-8"?>
+<p:notes xmlns:a="http://schemas.openxmlformats.org/drawingml/2006/main" xmlns:r="http://schemas.openxmlformats.org/officeDocument/2006/relationships" xmlns:p="http://schemas.openxmlformats.org/presentationml/2006/main">
+  <p:cSld>
+    <p:spTree>
+      <p:nvGrpSpPr>
+        <p:cNvPr id="1" name=""/>
+        <p:cNvGrpSpPr/>
+        <p:nvPr/>
+      </p:nvGrpSpPr>
+      <p:grpSpPr>
+        <a:xfrm>
+          <a:off x="0" y="0"/>
+          <a:ext cx="0" cy="0"/>
+          <a:chOff x="0" y="0"/>
+          <a:chExt cx="0" cy="0"/>
+        </a:xfrm>
+      </p:grpSpPr>
+      <p:sp>
+        <p:nvSpPr>
+          <p:cNvPr id="2" name="Espaço Reservado para Imagem de Slide 1"/>
+          <p:cNvSpPr>
+            <a:spLocks noGrp="1" noRot="1" noChangeAspect="1"/>
+          </p:cNvSpPr>
+          <p:nvPr>
+            <p:ph type="sldImg"/>
+          </p:nvPr>
+        </p:nvSpPr>
+        <p:spPr/>
+      </p:sp>
+      <p:sp>
+        <p:nvSpPr>
+          <p:cNvPr id="3" name="Espaço Reservado para Anotações 2"/>
+          <p:cNvSpPr>
+            <a:spLocks noGrp="1"/>
+          </p:cNvSpPr>
+          <p:nvPr>
+            <p:ph type="body" idx="1"/>
+          </p:nvPr>
+        </p:nvSpPr>
+        <p:spPr/>
+        <p:txBody>
+          <a:bodyPr/>
+          <a:lstStyle/>
+          <a:p>
+            <a:endParaRPr lang="pt-BR" dirty="0"/>
+          </a:p>
+        </p:txBody>
+      </p:sp>
+      <p:sp>
+        <p:nvSpPr>
+          <p:cNvPr id="4" name="Espaço Reservado para Número de Slide 3"/>
+          <p:cNvSpPr>
+            <a:spLocks noGrp="1"/>
+          </p:cNvSpPr>
+          <p:nvPr>
+            <p:ph type="sldNum" sz="quarter" idx="5"/>
+          </p:nvPr>
+        </p:nvSpPr>
+        <p:spPr/>
+        <p:txBody>
+          <a:bodyPr/>
+          <a:lstStyle/>
+          <a:p>
+            <a:fld id="{F6E6C5EE-E295-41E1-861F-1326D83B485B}" type="slidenum">
+              <a:rPr lang="pt-BR" smtClean="0"/>
+              <a:t>6</a:t>
+            </a:fld>
+            <a:endParaRPr lang="pt-BR"/>
+          </a:p>
+        </p:txBody>
+      </p:sp>
+    </p:spTree>
+    <p:extLst>
+      <p:ext uri="{BB962C8B-B14F-4D97-AF65-F5344CB8AC3E}">
+        <p14:creationId xmlns:p14="http://schemas.microsoft.com/office/powerpoint/2010/main" val="1651064614"/>
+      </p:ext>
+    </p:extLst>
+  </p:cSld>
+  <p:clrMapOvr>
+    <a:masterClrMapping/>
+  </p:clrMapOvr>
+</p:notes>
+</file>
+
+<file path=ppt/notesSlides/notesSlide4.xml><?xml version="1.0" encoding="utf-8"?>
+<p:notes xmlns:a="http://schemas.openxmlformats.org/drawingml/2006/main" xmlns:r="http://schemas.openxmlformats.org/officeDocument/2006/relationships" xmlns:p="http://schemas.openxmlformats.org/presentationml/2006/main">
+  <p:cSld>
+    <p:spTree>
+      <p:nvGrpSpPr>
+        <p:cNvPr id="1" name="">
+          <a:extLst>
+            <a:ext uri="{FF2B5EF4-FFF2-40B4-BE49-F238E27FC236}">
+              <a16:creationId xmlns:a16="http://schemas.microsoft.com/office/drawing/2014/main" id="{D9B46DD0-C97A-9EC3-1105-74F4893081E8}"/>
+            </a:ext>
+          </a:extLst>
+        </p:cNvPr>
+        <p:cNvGrpSpPr/>
+        <p:nvPr/>
+      </p:nvGrpSpPr>
+      <p:grpSpPr>
+        <a:xfrm>
+          <a:off x="0" y="0"/>
+          <a:ext cx="0" cy="0"/>
+          <a:chOff x="0" y="0"/>
+          <a:chExt cx="0" cy="0"/>
+        </a:xfrm>
+      </p:grpSpPr>
+      <p:sp>
+        <p:nvSpPr>
+          <p:cNvPr id="2" name="Espaço Reservado para Imagem de Slide 1">
+            <a:extLst>
+              <a:ext uri="{FF2B5EF4-FFF2-40B4-BE49-F238E27FC236}">
+                <a16:creationId xmlns:a16="http://schemas.microsoft.com/office/drawing/2014/main" id="{71EF6E2E-DCFA-39B0-73DE-D643402D9565}"/>
+              </a:ext>
+            </a:extLst>
+          </p:cNvPr>
+          <p:cNvSpPr>
+            <a:spLocks noGrp="1" noRot="1" noChangeAspect="1"/>
+          </p:cNvSpPr>
+          <p:nvPr>
+            <p:ph type="sldImg"/>
+          </p:nvPr>
+        </p:nvSpPr>
+        <p:spPr/>
+      </p:sp>
+      <p:sp>
+        <p:nvSpPr>
+          <p:cNvPr id="3" name="Espaço Reservado para Anotações 2">
+            <a:extLst>
+              <a:ext uri="{FF2B5EF4-FFF2-40B4-BE49-F238E27FC236}">
+                <a16:creationId xmlns:a16="http://schemas.microsoft.com/office/drawing/2014/main" id="{5E91407C-F31D-23F1-AB99-F51F6227AE7E}"/>
+              </a:ext>
+            </a:extLst>
+          </p:cNvPr>
+          <p:cNvSpPr>
+            <a:spLocks noGrp="1"/>
+          </p:cNvSpPr>
+          <p:nvPr>
+            <p:ph type="body" idx="1"/>
+          </p:nvPr>
+        </p:nvSpPr>
+        <p:spPr/>
+        <p:txBody>
+          <a:bodyPr/>
+          <a:lstStyle/>
+          <a:p>
+            <a:endParaRPr lang="pt-BR" dirty="0"/>
+          </a:p>
+        </p:txBody>
+      </p:sp>
+      <p:sp>
+        <p:nvSpPr>
+          <p:cNvPr id="4" name="Espaço Reservado para Número de Slide 3">
+            <a:extLst>
+              <a:ext uri="{FF2B5EF4-FFF2-40B4-BE49-F238E27FC236}">
+                <a16:creationId xmlns:a16="http://schemas.microsoft.com/office/drawing/2014/main" id="{14DDF6D8-156D-5104-D396-3D4AAAB0B588}"/>
+              </a:ext>
+            </a:extLst>
+          </p:cNvPr>
+          <p:cNvSpPr>
+            <a:spLocks noGrp="1"/>
+          </p:cNvSpPr>
+          <p:nvPr>
+            <p:ph type="sldNum" sz="quarter" idx="5"/>
+          </p:nvPr>
+        </p:nvSpPr>
+        <p:spPr/>
+        <p:txBody>
+          <a:bodyPr/>
+          <a:lstStyle/>
+          <a:p>
+            <a:fld id="{F6E6C5EE-E295-41E1-861F-1326D83B485B}" type="slidenum">
+              <a:rPr lang="pt-BR" smtClean="0"/>
+              <a:t>7</a:t>
+            </a:fld>
+            <a:endParaRPr lang="pt-BR"/>
+          </a:p>
+        </p:txBody>
+      </p:sp>
+    </p:spTree>
+    <p:extLst>
+      <p:ext uri="{BB962C8B-B14F-4D97-AF65-F5344CB8AC3E}">
+        <p14:creationId xmlns:p14="http://schemas.microsoft.com/office/powerpoint/2010/main" val="2929987600"/>
+      </p:ext>
+    </p:extLst>
+  </p:cSld>
+  <p:clrMapOvr>
+    <a:masterClrMapping/>
+  </p:clrMapOvr>
+</p:notes>
+</file>
+
+<file path=ppt/notesSlides/notesSlide5.xml><?xml version="1.0" encoding="utf-8"?>
+<p:notes xmlns:a="http://schemas.openxmlformats.org/drawingml/2006/main" xmlns:r="http://schemas.openxmlformats.org/officeDocument/2006/relationships" xmlns:p="http://schemas.openxmlformats.org/presentationml/2006/main">
+  <p:cSld>
+    <p:spTree>
+      <p:nvGrpSpPr>
+        <p:cNvPr id="1" name="">
+          <a:extLst>
+            <a:ext uri="{FF2B5EF4-FFF2-40B4-BE49-F238E27FC236}">
+              <a16:creationId xmlns:a16="http://schemas.microsoft.com/office/drawing/2014/main" id="{2CBBBF31-1BB4-7E1C-0672-FFE53096B757}"/>
+            </a:ext>
+          </a:extLst>
+        </p:cNvPr>
+        <p:cNvGrpSpPr/>
+        <p:nvPr/>
+      </p:nvGrpSpPr>
+      <p:grpSpPr>
+        <a:xfrm>
+          <a:off x="0" y="0"/>
+          <a:ext cx="0" cy="0"/>
+          <a:chOff x="0" y="0"/>
+          <a:chExt cx="0" cy="0"/>
+        </a:xfrm>
+      </p:grpSpPr>
+      <p:sp>
+        <p:nvSpPr>
+          <p:cNvPr id="2" name="Espaço Reservado para Imagem de Slide 1">
+            <a:extLst>
+              <a:ext uri="{FF2B5EF4-FFF2-40B4-BE49-F238E27FC236}">
+                <a16:creationId xmlns:a16="http://schemas.microsoft.com/office/drawing/2014/main" id="{A19CAB58-A5A2-68C6-D8D5-6018D6BE81B6}"/>
+              </a:ext>
+            </a:extLst>
+          </p:cNvPr>
+          <p:cNvSpPr>
+            <a:spLocks noGrp="1" noRot="1" noChangeAspect="1"/>
+          </p:cNvSpPr>
+          <p:nvPr>
+            <p:ph type="sldImg"/>
+          </p:nvPr>
+        </p:nvSpPr>
+        <p:spPr/>
+      </p:sp>
+      <p:sp>
+        <p:nvSpPr>
+          <p:cNvPr id="3" name="Espaço Reservado para Anotações 2">
+            <a:extLst>
+              <a:ext uri="{FF2B5EF4-FFF2-40B4-BE49-F238E27FC236}">
+                <a16:creationId xmlns:a16="http://schemas.microsoft.com/office/drawing/2014/main" id="{A05E95AB-72AE-101C-39C3-832A76EA9EA5}"/>
+              </a:ext>
+            </a:extLst>
+          </p:cNvPr>
+          <p:cNvSpPr>
+            <a:spLocks noGrp="1"/>
+          </p:cNvSpPr>
+          <p:nvPr>
+            <p:ph type="body" idx="1"/>
+          </p:nvPr>
+        </p:nvSpPr>
+        <p:spPr/>
+        <p:txBody>
+          <a:bodyPr/>
+          <a:lstStyle/>
+          <a:p>
+            <a:endParaRPr lang="pt-BR" dirty="0"/>
+          </a:p>
+        </p:txBody>
+      </p:sp>
+      <p:sp>
+        <p:nvSpPr>
+          <p:cNvPr id="4" name="Espaço Reservado para Número de Slide 3">
+            <a:extLst>
+              <a:ext uri="{FF2B5EF4-FFF2-40B4-BE49-F238E27FC236}">
+                <a16:creationId xmlns:a16="http://schemas.microsoft.com/office/drawing/2014/main" id="{3C1488CC-C4E9-7C37-3384-A93058916AAC}"/>
+              </a:ext>
+            </a:extLst>
+          </p:cNvPr>
+          <p:cNvSpPr>
+            <a:spLocks noGrp="1"/>
+          </p:cNvSpPr>
+          <p:nvPr>
+            <p:ph type="sldNum" sz="quarter" idx="5"/>
+          </p:nvPr>
+        </p:nvSpPr>
+        <p:spPr/>
+        <p:txBody>
+          <a:bodyPr/>
+          <a:lstStyle/>
+          <a:p>
+            <a:fld id="{F6E6C5EE-E295-41E1-861F-1326D83B485B}" type="slidenum">
+              <a:rPr lang="pt-BR" smtClean="0"/>
+              <a:t>8</a:t>
+            </a:fld>
+            <a:endParaRPr lang="pt-BR"/>
+          </a:p>
+        </p:txBody>
+      </p:sp>
+    </p:spTree>
+    <p:extLst>
+      <p:ext uri="{BB962C8B-B14F-4D97-AF65-F5344CB8AC3E}">
+        <p14:creationId xmlns:p14="http://schemas.microsoft.com/office/powerpoint/2010/main" val="2177747452"/>
+      </p:ext>
+    </p:extLst>
+  </p:cSld>
+  <p:clrMapOvr>
+    <a:masterClrMapping/>
+  </p:clrMapOvr>
+</p:notes>
+</file>
+
+<file path=ppt/notesSlides/notesSlide6.xml><?xml version="1.0" encoding="utf-8"?>
+<p:notes xmlns:a="http://schemas.openxmlformats.org/drawingml/2006/main" xmlns:r="http://schemas.openxmlformats.org/officeDocument/2006/relationships" xmlns:p="http://schemas.openxmlformats.org/presentationml/2006/main">
+  <p:cSld>
+    <p:spTree>
+      <p:nvGrpSpPr>
+        <p:cNvPr id="1" name="">
+          <a:extLst>
+            <a:ext uri="{FF2B5EF4-FFF2-40B4-BE49-F238E27FC236}">
+              <a16:creationId xmlns:a16="http://schemas.microsoft.com/office/drawing/2014/main" id="{546F698B-BB45-6CBF-4240-48BBC1935431}"/>
+            </a:ext>
+          </a:extLst>
+        </p:cNvPr>
+        <p:cNvGrpSpPr/>
+        <p:nvPr/>
+      </p:nvGrpSpPr>
+      <p:grpSpPr>
+        <a:xfrm>
+          <a:off x="0" y="0"/>
+          <a:ext cx="0" cy="0"/>
+          <a:chOff x="0" y="0"/>
+          <a:chExt cx="0" cy="0"/>
+        </a:xfrm>
+      </p:grpSpPr>
+      <p:sp>
+        <p:nvSpPr>
+          <p:cNvPr id="2" name="Espaço Reservado para Imagem de Slide 1">
+            <a:extLst>
+              <a:ext uri="{FF2B5EF4-FFF2-40B4-BE49-F238E27FC236}">
+                <a16:creationId xmlns:a16="http://schemas.microsoft.com/office/drawing/2014/main" id="{6C3DA324-E56A-3AB4-34A8-F3FA879E9936}"/>
+              </a:ext>
+            </a:extLst>
+          </p:cNvPr>
+          <p:cNvSpPr>
+            <a:spLocks noGrp="1" noRot="1" noChangeAspect="1"/>
+          </p:cNvSpPr>
+          <p:nvPr>
+            <p:ph type="sldImg"/>
+          </p:nvPr>
+        </p:nvSpPr>
+        <p:spPr/>
+      </p:sp>
+      <p:sp>
+        <p:nvSpPr>
+          <p:cNvPr id="3" name="Espaço Reservado para Anotações 2">
+            <a:extLst>
+              <a:ext uri="{FF2B5EF4-FFF2-40B4-BE49-F238E27FC236}">
+                <a16:creationId xmlns:a16="http://schemas.microsoft.com/office/drawing/2014/main" id="{D50DE2B6-AF35-38F0-9BD9-250936C70BC0}"/>
+              </a:ext>
+            </a:extLst>
+          </p:cNvPr>
+          <p:cNvSpPr>
+            <a:spLocks noGrp="1"/>
+          </p:cNvSpPr>
+          <p:nvPr>
+            <p:ph type="body" idx="1"/>
+          </p:nvPr>
+        </p:nvSpPr>
+        <p:spPr/>
+        <p:txBody>
+          <a:bodyPr/>
+          <a:lstStyle/>
+          <a:p>
+            <a:endParaRPr lang="pt-BR" dirty="0"/>
+          </a:p>
+        </p:txBody>
+      </p:sp>
+      <p:sp>
+        <p:nvSpPr>
+          <p:cNvPr id="4" name="Espaço Reservado para Número de Slide 3">
+            <a:extLst>
+              <a:ext uri="{FF2B5EF4-FFF2-40B4-BE49-F238E27FC236}">
+                <a16:creationId xmlns:a16="http://schemas.microsoft.com/office/drawing/2014/main" id="{FC093E7D-40E4-9791-6951-B0A9B49DEA1B}"/>
+              </a:ext>
+            </a:extLst>
+          </p:cNvPr>
+          <p:cNvSpPr>
+            <a:spLocks noGrp="1"/>
+          </p:cNvSpPr>
+          <p:nvPr>
+            <p:ph type="sldNum" sz="quarter" idx="5"/>
+          </p:nvPr>
+        </p:nvSpPr>
+        <p:spPr/>
+        <p:txBody>
+          <a:bodyPr/>
+          <a:lstStyle/>
+          <a:p>
+            <a:fld id="{F6E6C5EE-E295-41E1-861F-1326D83B485B}" type="slidenum">
+              <a:rPr lang="pt-BR" smtClean="0"/>
+              <a:t>9</a:t>
+            </a:fld>
+            <a:endParaRPr lang="pt-BR"/>
+          </a:p>
+        </p:txBody>
+      </p:sp>
+    </p:spTree>
+    <p:extLst>
+      <p:ext uri="{BB962C8B-B14F-4D97-AF65-F5344CB8AC3E}">
+        <p14:creationId xmlns:p14="http://schemas.microsoft.com/office/powerpoint/2010/main" val="2531402880"/>
+      </p:ext>
+    </p:extLst>
+  </p:cSld>
+  <p:clrMapOvr>
+    <a:masterClrMapping/>
+  </p:clrMapOvr>
+</p:notes>
+</file>
+
+<file path=ppt/notesSlides/notesSlide7.xml><?xml version="1.0" encoding="utf-8"?>
+<p:notes xmlns:a="http://schemas.openxmlformats.org/drawingml/2006/main" xmlns:r="http://schemas.openxmlformats.org/officeDocument/2006/relationships" xmlns:p="http://schemas.openxmlformats.org/presentationml/2006/main">
+  <p:cSld>
+    <p:spTree>
+      <p:nvGrpSpPr>
+        <p:cNvPr id="1" name="">
+          <a:extLst>
+            <a:ext uri="{FF2B5EF4-FFF2-40B4-BE49-F238E27FC236}">
+              <a16:creationId xmlns:a16="http://schemas.microsoft.com/office/drawing/2014/main" id="{07C44981-84B1-5E99-FBB9-0A478D22ED40}"/>
+            </a:ext>
+          </a:extLst>
+        </p:cNvPr>
+        <p:cNvGrpSpPr/>
+        <p:nvPr/>
+      </p:nvGrpSpPr>
+      <p:grpSpPr>
+        <a:xfrm>
+          <a:off x="0" y="0"/>
+          <a:ext cx="0" cy="0"/>
+          <a:chOff x="0" y="0"/>
+          <a:chExt cx="0" cy="0"/>
+        </a:xfrm>
+      </p:grpSpPr>
+      <p:sp>
+        <p:nvSpPr>
+          <p:cNvPr id="2" name="Espaço Reservado para Imagem de Slide 1">
+            <a:extLst>
+              <a:ext uri="{FF2B5EF4-FFF2-40B4-BE49-F238E27FC236}">
+                <a16:creationId xmlns:a16="http://schemas.microsoft.com/office/drawing/2014/main" id="{E3A8DFD8-E47A-C6B9-523D-08701EAC43D7}"/>
+              </a:ext>
+            </a:extLst>
+          </p:cNvPr>
+          <p:cNvSpPr>
+            <a:spLocks noGrp="1" noRot="1" noChangeAspect="1"/>
+          </p:cNvSpPr>
+          <p:nvPr>
+            <p:ph type="sldImg"/>
+          </p:nvPr>
+        </p:nvSpPr>
+        <p:spPr/>
+      </p:sp>
+      <p:sp>
+        <p:nvSpPr>
+          <p:cNvPr id="3" name="Espaço Reservado para Anotações 2">
+            <a:extLst>
+              <a:ext uri="{FF2B5EF4-FFF2-40B4-BE49-F238E27FC236}">
+                <a16:creationId xmlns:a16="http://schemas.microsoft.com/office/drawing/2014/main" id="{A3AEA2D0-02EA-4BB8-DB1A-6A393D70BB1E}"/>
+              </a:ext>
+            </a:extLst>
+          </p:cNvPr>
+          <p:cNvSpPr>
+            <a:spLocks noGrp="1"/>
+          </p:cNvSpPr>
+          <p:nvPr>
+            <p:ph type="body" idx="1"/>
+          </p:nvPr>
+        </p:nvSpPr>
+        <p:spPr/>
+        <p:txBody>
+          <a:bodyPr/>
+          <a:lstStyle/>
+          <a:p>
+            <a:endParaRPr lang="pt-BR" dirty="0"/>
+          </a:p>
+        </p:txBody>
+      </p:sp>
+      <p:sp>
+        <p:nvSpPr>
+          <p:cNvPr id="4" name="Espaço Reservado para Número de Slide 3">
+            <a:extLst>
+              <a:ext uri="{FF2B5EF4-FFF2-40B4-BE49-F238E27FC236}">
+                <a16:creationId xmlns:a16="http://schemas.microsoft.com/office/drawing/2014/main" id="{D3851F95-2430-6725-5B64-9C4005C1D7E5}"/>
+              </a:ext>
+            </a:extLst>
+          </p:cNvPr>
+          <p:cNvSpPr>
+            <a:spLocks noGrp="1"/>
+          </p:cNvSpPr>
+          <p:nvPr>
+            <p:ph type="sldNum" sz="quarter" idx="5"/>
+          </p:nvPr>
+        </p:nvSpPr>
+        <p:spPr/>
+        <p:txBody>
+          <a:bodyPr/>
+          <a:lstStyle/>
+          <a:p>
+            <a:fld id="{F6E6C5EE-E295-41E1-861F-1326D83B485B}" type="slidenum">
+              <a:rPr lang="pt-BR" smtClean="0"/>
+              <a:t>10</a:t>
+            </a:fld>
+            <a:endParaRPr lang="pt-BR"/>
+          </a:p>
+        </p:txBody>
+      </p:sp>
+    </p:spTree>
+    <p:extLst>
+      <p:ext uri="{BB962C8B-B14F-4D97-AF65-F5344CB8AC3E}">
+        <p14:creationId xmlns:p14="http://schemas.microsoft.com/office/powerpoint/2010/main" val="2717492241"/>
+      </p:ext>
+    </p:extLst>
+  </p:cSld>
+  <p:clrMapOvr>
+    <a:masterClrMapping/>
+  </p:clrMapOvr>
+</p:notes>
+</file>
+
+<file path=ppt/notesSlides/notesSlide8.xml><?xml version="1.0" encoding="utf-8"?>
+<p:notes xmlns:a="http://schemas.openxmlformats.org/drawingml/2006/main" xmlns:r="http://schemas.openxmlformats.org/officeDocument/2006/relationships" xmlns:p="http://schemas.openxmlformats.org/presentationml/2006/main">
+  <p:cSld>
+    <p:spTree>
+      <p:nvGrpSpPr>
+        <p:cNvPr id="1" name="">
+          <a:extLst>
+            <a:ext uri="{FF2B5EF4-FFF2-40B4-BE49-F238E27FC236}">
+              <a16:creationId xmlns:a16="http://schemas.microsoft.com/office/drawing/2014/main" id="{4C091F81-E279-CB16-D56C-72DCBE41D537}"/>
+            </a:ext>
+          </a:extLst>
+        </p:cNvPr>
+        <p:cNvGrpSpPr/>
+        <p:nvPr/>
+      </p:nvGrpSpPr>
+      <p:grpSpPr>
+        <a:xfrm>
+          <a:off x="0" y="0"/>
+          <a:ext cx="0" cy="0"/>
+          <a:chOff x="0" y="0"/>
+          <a:chExt cx="0" cy="0"/>
+        </a:xfrm>
+      </p:grpSpPr>
+      <p:sp>
+        <p:nvSpPr>
+          <p:cNvPr id="2" name="Espaço Reservado para Imagem de Slide 1">
+            <a:extLst>
+              <a:ext uri="{FF2B5EF4-FFF2-40B4-BE49-F238E27FC236}">
+                <a16:creationId xmlns:a16="http://schemas.microsoft.com/office/drawing/2014/main" id="{C654A126-EDE1-6EAB-0177-30190EB582FF}"/>
+              </a:ext>
+            </a:extLst>
+          </p:cNvPr>
+          <p:cNvSpPr>
+            <a:spLocks noGrp="1" noRot="1" noChangeAspect="1"/>
+          </p:cNvSpPr>
+          <p:nvPr>
+            <p:ph type="sldImg"/>
+          </p:nvPr>
+        </p:nvSpPr>
+        <p:spPr/>
+      </p:sp>
+      <p:sp>
+        <p:nvSpPr>
+          <p:cNvPr id="3" name="Espaço Reservado para Anotações 2">
+            <a:extLst>
+              <a:ext uri="{FF2B5EF4-FFF2-40B4-BE49-F238E27FC236}">
+                <a16:creationId xmlns:a16="http://schemas.microsoft.com/office/drawing/2014/main" id="{3AE208B8-4F13-EAF6-21D3-277B38B54860}"/>
+              </a:ext>
+            </a:extLst>
+          </p:cNvPr>
+          <p:cNvSpPr>
+            <a:spLocks noGrp="1"/>
+          </p:cNvSpPr>
+          <p:nvPr>
+            <p:ph type="body" idx="1"/>
+          </p:nvPr>
+        </p:nvSpPr>
+        <p:spPr/>
+        <p:txBody>
+          <a:bodyPr/>
+          <a:lstStyle/>
+          <a:p>
+            <a:endParaRPr lang="pt-BR" dirty="0"/>
+          </a:p>
+        </p:txBody>
+      </p:sp>
+      <p:sp>
+        <p:nvSpPr>
+          <p:cNvPr id="4" name="Espaço Reservado para Número de Slide 3">
+            <a:extLst>
+              <a:ext uri="{FF2B5EF4-FFF2-40B4-BE49-F238E27FC236}">
+                <a16:creationId xmlns:a16="http://schemas.microsoft.com/office/drawing/2014/main" id="{8CD696B6-C83F-BF18-E922-2AD478ABAFE2}"/>
+              </a:ext>
+            </a:extLst>
+          </p:cNvPr>
+          <p:cNvSpPr>
+            <a:spLocks noGrp="1"/>
+          </p:cNvSpPr>
+          <p:nvPr>
+            <p:ph type="sldNum" sz="quarter" idx="5"/>
+          </p:nvPr>
+        </p:nvSpPr>
+        <p:spPr/>
+        <p:txBody>
+          <a:bodyPr/>
+          <a:lstStyle/>
+          <a:p>
+            <a:fld id="{F6E6C5EE-E295-41E1-861F-1326D83B485B}" type="slidenum">
+              <a:rPr lang="pt-BR" smtClean="0"/>
+              <a:t>11</a:t>
+            </a:fld>
+            <a:endParaRPr lang="pt-BR"/>
+          </a:p>
+        </p:txBody>
+      </p:sp>
+    </p:spTree>
+    <p:extLst>
+      <p:ext uri="{BB962C8B-B14F-4D97-AF65-F5344CB8AC3E}">
+        <p14:creationId xmlns:p14="http://schemas.microsoft.com/office/powerpoint/2010/main" val="2323373967"/>
+      </p:ext>
+    </p:extLst>
+  </p:cSld>
+  <p:clrMapOvr>
+    <a:masterClrMapping/>
+  </p:clrMapOvr>
+</p:notes>
+</file>
+
+<file path=ppt/notesSlides/notesSlide9.xml><?xml version="1.0" encoding="utf-8"?>
+<p:notes xmlns:a="http://schemas.openxmlformats.org/drawingml/2006/main" xmlns:r="http://schemas.openxmlformats.org/officeDocument/2006/relationships" xmlns:p="http://schemas.openxmlformats.org/presentationml/2006/main">
+  <p:cSld>
+    <p:spTree>
+      <p:nvGrpSpPr>
+        <p:cNvPr id="1" name="">
+          <a:extLst>
+            <a:ext uri="{FF2B5EF4-FFF2-40B4-BE49-F238E27FC236}">
+              <a16:creationId xmlns:a16="http://schemas.microsoft.com/office/drawing/2014/main" id="{5302D51F-0893-C9C4-2196-E63D9E526E36}"/>
+            </a:ext>
+          </a:extLst>
+        </p:cNvPr>
+        <p:cNvGrpSpPr/>
+        <p:nvPr/>
+      </p:nvGrpSpPr>
+      <p:grpSpPr>
+        <a:xfrm>
+          <a:off x="0" y="0"/>
+          <a:ext cx="0" cy="0"/>
+          <a:chOff x="0" y="0"/>
+          <a:chExt cx="0" cy="0"/>
+        </a:xfrm>
+      </p:grpSpPr>
+      <p:sp>
+        <p:nvSpPr>
+          <p:cNvPr id="2" name="Espaço Reservado para Imagem de Slide 1">
+            <a:extLst>
+              <a:ext uri="{FF2B5EF4-FFF2-40B4-BE49-F238E27FC236}">
+                <a16:creationId xmlns:a16="http://schemas.microsoft.com/office/drawing/2014/main" id="{E660DFBD-902F-356F-24D6-E4EE43841104}"/>
+              </a:ext>
+            </a:extLst>
+          </p:cNvPr>
+          <p:cNvSpPr>
+            <a:spLocks noGrp="1" noRot="1" noChangeAspect="1"/>
+          </p:cNvSpPr>
+          <p:nvPr>
+            <p:ph type="sldImg"/>
+          </p:nvPr>
+        </p:nvSpPr>
+        <p:spPr/>
+      </p:sp>
+      <p:sp>
+        <p:nvSpPr>
+          <p:cNvPr id="3" name="Espaço Reservado para Anotações 2">
+            <a:extLst>
+              <a:ext uri="{FF2B5EF4-FFF2-40B4-BE49-F238E27FC236}">
+                <a16:creationId xmlns:a16="http://schemas.microsoft.com/office/drawing/2014/main" id="{17F972EF-E451-952E-2C39-CD9D2AA985DA}"/>
+              </a:ext>
+            </a:extLst>
+          </p:cNvPr>
+          <p:cNvSpPr>
+            <a:spLocks noGrp="1"/>
+          </p:cNvSpPr>
+          <p:nvPr>
+            <p:ph type="body" idx="1"/>
+          </p:nvPr>
+        </p:nvSpPr>
+        <p:spPr/>
+        <p:txBody>
+          <a:bodyPr/>
+          <a:lstStyle/>
+          <a:p>
+            <a:endParaRPr lang="pt-BR" dirty="0"/>
+          </a:p>
+        </p:txBody>
+      </p:sp>
+      <p:sp>
+        <p:nvSpPr>
+          <p:cNvPr id="4" name="Espaço Reservado para Número de Slide 3">
+            <a:extLst>
+              <a:ext uri="{FF2B5EF4-FFF2-40B4-BE49-F238E27FC236}">
+                <a16:creationId xmlns:a16="http://schemas.microsoft.com/office/drawing/2014/main" id="{4AAAF97D-1DEA-B462-D651-780E9D5908B5}"/>
+              </a:ext>
+            </a:extLst>
+          </p:cNvPr>
+          <p:cNvSpPr>
+            <a:spLocks noGrp="1"/>
+          </p:cNvSpPr>
+          <p:nvPr>
+            <p:ph type="sldNum" sz="quarter" idx="5"/>
+          </p:nvPr>
+        </p:nvSpPr>
+        <p:spPr/>
+        <p:txBody>
+          <a:bodyPr/>
+          <a:lstStyle/>
+          <a:p>
+            <a:fld id="{F6E6C5EE-E295-41E1-861F-1326D83B485B}" type="slidenum">
+              <a:rPr lang="pt-BR" smtClean="0"/>
+              <a:t>13</a:t>
+            </a:fld>
+            <a:endParaRPr lang="pt-BR"/>
+          </a:p>
+        </p:txBody>
+      </p:sp>
+    </p:spTree>
+    <p:extLst>
+      <p:ext uri="{BB962C8B-B14F-4D97-AF65-F5344CB8AC3E}">
+        <p14:creationId xmlns:p14="http://schemas.microsoft.com/office/powerpoint/2010/main" val="3575700204"/>
+      </p:ext>
+    </p:extLst>
+  </p:cSld>
+  <p:clrMapOvr>
+    <a:masterClrMapping/>
+  </p:clrMapOvr>
+</p:notes>
 </file>
 
 <file path=ppt/slideLayouts/slideLayout1.xml><?xml version="1.0" encoding="utf-8"?>
@@ -260,7 +2200,7 @@
           <a:p>
             <a:fld id="{86600D93-CCBF-4286-9ED3-221FC39D03F2}" type="datetimeFigureOut">
               <a:rPr lang="pt-BR" smtClean="0"/>
-              <a:t>28/08/2025</a:t>
+              <a:t>22/10/2025</a:t>
             </a:fld>
             <a:endParaRPr lang="pt-BR"/>
           </a:p>
@@ -458,7 +2398,7 @@
           <a:p>
             <a:fld id="{86600D93-CCBF-4286-9ED3-221FC39D03F2}" type="datetimeFigureOut">
               <a:rPr lang="pt-BR" smtClean="0"/>
-              <a:t>28/08/2025</a:t>
+              <a:t>22/10/2025</a:t>
             </a:fld>
             <a:endParaRPr lang="pt-BR"/>
           </a:p>
@@ -666,7 +2606,7 @@
           <a:p>
             <a:fld id="{86600D93-CCBF-4286-9ED3-221FC39D03F2}" type="datetimeFigureOut">
               <a:rPr lang="pt-BR" smtClean="0"/>
-              <a:t>28/08/2025</a:t>
+              <a:t>22/10/2025</a:t>
             </a:fld>
             <a:endParaRPr lang="pt-BR"/>
           </a:p>
@@ -864,7 +2804,7 @@
           <a:p>
             <a:fld id="{86600D93-CCBF-4286-9ED3-221FC39D03F2}" type="datetimeFigureOut">
               <a:rPr lang="pt-BR" smtClean="0"/>
-              <a:t>28/08/2025</a:t>
+              <a:t>22/10/2025</a:t>
             </a:fld>
             <a:endParaRPr lang="pt-BR"/>
           </a:p>
@@ -1139,7 +3079,7 @@
           <a:p>
             <a:fld id="{86600D93-CCBF-4286-9ED3-221FC39D03F2}" type="datetimeFigureOut">
               <a:rPr lang="pt-BR" smtClean="0"/>
-              <a:t>28/08/2025</a:t>
+              <a:t>22/10/2025</a:t>
             </a:fld>
             <a:endParaRPr lang="pt-BR"/>
           </a:p>
@@ -1404,7 +3344,7 @@
           <a:p>
             <a:fld id="{86600D93-CCBF-4286-9ED3-221FC39D03F2}" type="datetimeFigureOut">
               <a:rPr lang="pt-BR" smtClean="0"/>
-              <a:t>28/08/2025</a:t>
+              <a:t>22/10/2025</a:t>
             </a:fld>
             <a:endParaRPr lang="pt-BR"/>
           </a:p>
@@ -1816,7 +3756,7 @@
           <a:p>
             <a:fld id="{86600D93-CCBF-4286-9ED3-221FC39D03F2}" type="datetimeFigureOut">
               <a:rPr lang="pt-BR" smtClean="0"/>
-              <a:t>28/08/2025</a:t>
+              <a:t>22/10/2025</a:t>
             </a:fld>
             <a:endParaRPr lang="pt-BR"/>
           </a:p>
@@ -1957,7 +3897,7 @@
           <a:p>
             <a:fld id="{86600D93-CCBF-4286-9ED3-221FC39D03F2}" type="datetimeFigureOut">
               <a:rPr lang="pt-BR" smtClean="0"/>
-              <a:t>28/08/2025</a:t>
+              <a:t>22/10/2025</a:t>
             </a:fld>
             <a:endParaRPr lang="pt-BR"/>
           </a:p>
@@ -2070,7 +4010,7 @@
           <a:p>
             <a:fld id="{86600D93-CCBF-4286-9ED3-221FC39D03F2}" type="datetimeFigureOut">
               <a:rPr lang="pt-BR" smtClean="0"/>
-              <a:t>28/08/2025</a:t>
+              <a:t>22/10/2025</a:t>
             </a:fld>
             <a:endParaRPr lang="pt-BR"/>
           </a:p>
@@ -2381,7 +4321,7 @@
           <a:p>
             <a:fld id="{86600D93-CCBF-4286-9ED3-221FC39D03F2}" type="datetimeFigureOut">
               <a:rPr lang="pt-BR" smtClean="0"/>
-              <a:t>28/08/2025</a:t>
+              <a:t>22/10/2025</a:t>
             </a:fld>
             <a:endParaRPr lang="pt-BR"/>
           </a:p>
@@ -2669,7 +4609,7 @@
           <a:p>
             <a:fld id="{86600D93-CCBF-4286-9ED3-221FC39D03F2}" type="datetimeFigureOut">
               <a:rPr lang="pt-BR" smtClean="0"/>
-              <a:t>28/08/2025</a:t>
+              <a:t>22/10/2025</a:t>
             </a:fld>
             <a:endParaRPr lang="pt-BR"/>
           </a:p>
@@ -2910,7 +4850,7 @@
           <a:p>
             <a:fld id="{86600D93-CCBF-4286-9ED3-221FC39D03F2}" type="datetimeFigureOut">
               <a:rPr lang="pt-BR" smtClean="0"/>
-              <a:t>28/08/2025</a:t>
+              <a:t>22/10/2025</a:t>
             </a:fld>
             <a:endParaRPr lang="pt-BR"/>
           </a:p>
@@ -3329,6 +5269,68 @@
       </p:grpSpPr>
       <p:sp>
         <p:nvSpPr>
+          <p:cNvPr id="7" name="Forma em L 6">
+            <a:extLst>
+              <a:ext uri="{FF2B5EF4-FFF2-40B4-BE49-F238E27FC236}">
+                <a16:creationId xmlns:a16="http://schemas.microsoft.com/office/drawing/2014/main" id="{828A871C-70E4-4334-87F9-51FEF9D9D113}"/>
+              </a:ext>
+            </a:extLst>
+          </p:cNvPr>
+          <p:cNvSpPr/>
+          <p:nvPr/>
+        </p:nvSpPr>
+        <p:spPr>
+          <a:xfrm rot="16200000" flipH="1" flipV="1">
+            <a:off x="582808" y="500758"/>
+            <a:ext cx="2144019" cy="2097578"/>
+          </a:xfrm>
+          <a:prstGeom prst="corner">
+            <a:avLst>
+              <a:gd name="adj1" fmla="val 17348"/>
+              <a:gd name="adj2" fmla="val 17199"/>
+            </a:avLst>
+          </a:prstGeom>
+          <a:solidFill>
+            <a:srgbClr val="37475C"/>
+          </a:solidFill>
+          <a:ln>
+            <a:noFill/>
+          </a:ln>
+          <a:effectLst>
+            <a:outerShdw blurRad="50800" dist="38100" dir="2700000" algn="tl" rotWithShape="0">
+              <a:prstClr val="black">
+                <a:alpha val="40000"/>
+              </a:prstClr>
+            </a:outerShdw>
+          </a:effectLst>
+        </p:spPr>
+        <p:style>
+          <a:lnRef idx="2">
+            <a:schemeClr val="accent1">
+              <a:shade val="50000"/>
+            </a:schemeClr>
+          </a:lnRef>
+          <a:fillRef idx="1">
+            <a:schemeClr val="accent1"/>
+          </a:fillRef>
+          <a:effectRef idx="0">
+            <a:schemeClr val="accent1"/>
+          </a:effectRef>
+          <a:fontRef idx="minor">
+            <a:schemeClr val="lt1"/>
+          </a:fontRef>
+        </p:style>
+        <p:txBody>
+          <a:bodyPr rtlCol="0" anchor="ctr"/>
+          <a:lstStyle/>
+          <a:p>
+            <a:pPr algn="ctr"/>
+            <a:endParaRPr lang="pt-BR"/>
+          </a:p>
+        </p:txBody>
+      </p:sp>
+      <p:sp>
+        <p:nvSpPr>
           <p:cNvPr id="4" name="CaixaDeTexto 3">
             <a:extLst>
               <a:ext uri="{FF2B5EF4-FFF2-40B4-BE49-F238E27FC236}">
@@ -3342,7 +5344,7 @@
         <p:spPr>
           <a:xfrm>
             <a:off x="2439454" y="2721114"/>
-            <a:ext cx="7313092" cy="707886"/>
+            <a:ext cx="7147213" cy="707886"/>
           </a:xfrm>
           <a:prstGeom prst="rect">
             <a:avLst/>
@@ -3356,8 +5358,20 @@
           <a:lstStyle/>
           <a:p>
             <a:r>
-              <a:rPr lang="pt-BR" sz="4000" dirty="0"/>
-              <a:t>Projeto Integrador (Web) - Senac</a:t>
+              <a:rPr lang="pt-BR" sz="4000" b="1" dirty="0">
+                <a:solidFill>
+                  <a:srgbClr val="37475C"/>
+                </a:solidFill>
+              </a:rPr>
+              <a:t>Projeto Integrador (Web)</a:t>
+            </a:r>
+            <a:r>
+              <a:rPr lang="pt-BR" sz="4000" b="1" dirty="0">
+                <a:solidFill>
+                  <a:srgbClr val="0568E6"/>
+                </a:solidFill>
+              </a:rPr>
+              <a:t> - Senac</a:t>
             </a:r>
           </a:p>
         </p:txBody>
@@ -3376,8 +5390,8 @@
         </p:nvSpPr>
         <p:spPr>
           <a:xfrm>
-            <a:off x="0" y="6396335"/>
-            <a:ext cx="4329455" cy="461665"/>
+            <a:off x="79131" y="6368918"/>
+            <a:ext cx="4184159" cy="461665"/>
           </a:xfrm>
           <a:prstGeom prst="rect">
             <a:avLst/>
@@ -3391,8 +5405,20 @@
           <a:lstStyle/>
           <a:p>
             <a:r>
-              <a:rPr lang="pt-BR" sz="2400" dirty="0"/>
-              <a:t>Integrantes: Kauê Vinícius Gatti</a:t>
+              <a:rPr lang="pt-BR" sz="2400" b="1" dirty="0">
+                <a:solidFill>
+                  <a:srgbClr val="37475C"/>
+                </a:solidFill>
+              </a:rPr>
+              <a:t>Integrantes: </a:t>
+            </a:r>
+            <a:r>
+              <a:rPr lang="pt-BR" sz="2400" b="1" dirty="0">
+                <a:solidFill>
+                  <a:srgbClr val="0568E6"/>
+                </a:solidFill>
+              </a:rPr>
+              <a:t>Kauê Vinícius Gatti</a:t>
             </a:r>
           </a:p>
         </p:txBody>
@@ -3411,8 +5437,8 @@
         </p:nvSpPr>
         <p:spPr>
           <a:xfrm>
-            <a:off x="4854794" y="3429000"/>
-            <a:ext cx="2482411" cy="707886"/>
+            <a:off x="4633836" y="3429000"/>
+            <a:ext cx="2924327" cy="707886"/>
           </a:xfrm>
           <a:prstGeom prst="rect">
             <a:avLst/>
@@ -3426,9 +5452,211 @@
           <a:lstStyle/>
           <a:p>
             <a:r>
-              <a:rPr lang="pt-BR" sz="4000" dirty="0"/>
-              <a:t>Workether</a:t>
-            </a:r>
+              <a:rPr lang="pt-BR" sz="4000" b="1" dirty="0">
+                <a:solidFill>
+                  <a:srgbClr val="37475C"/>
+                </a:solidFill>
+              </a:rPr>
+              <a:t>WORK</a:t>
+            </a:r>
+            <a:r>
+              <a:rPr lang="pt-BR" sz="4000" b="1" dirty="0">
+                <a:solidFill>
+                  <a:srgbClr val="0568E6"/>
+                </a:solidFill>
+              </a:rPr>
+              <a:t>ETHER</a:t>
+            </a:r>
+          </a:p>
+        </p:txBody>
+      </p:sp>
+      <p:sp>
+        <p:nvSpPr>
+          <p:cNvPr id="8" name="Forma em L 7">
+            <a:extLst>
+              <a:ext uri="{FF2B5EF4-FFF2-40B4-BE49-F238E27FC236}">
+                <a16:creationId xmlns:a16="http://schemas.microsoft.com/office/drawing/2014/main" id="{D18C8E7F-0B4C-4FA1-8AAB-DC7A669EDE54}"/>
+              </a:ext>
+            </a:extLst>
+          </p:cNvPr>
+          <p:cNvSpPr>
+            <a:spLocks/>
+          </p:cNvSpPr>
+          <p:nvPr/>
+        </p:nvSpPr>
+        <p:spPr>
+          <a:xfrm rot="5400000">
+            <a:off x="-23091" y="23091"/>
+            <a:ext cx="3232726" cy="3186546"/>
+          </a:xfrm>
+          <a:prstGeom prst="corner">
+            <a:avLst>
+              <a:gd name="adj1" fmla="val 19258"/>
+              <a:gd name="adj2" fmla="val 16923"/>
+            </a:avLst>
+          </a:prstGeom>
+          <a:solidFill>
+            <a:srgbClr val="0568E6"/>
+          </a:solidFill>
+          <a:ln>
+            <a:noFill/>
+          </a:ln>
+          <a:effectLst>
+            <a:outerShdw blurRad="50800" dist="38100" dir="2700000" algn="tl" rotWithShape="0">
+              <a:prstClr val="black">
+                <a:alpha val="40000"/>
+              </a:prstClr>
+            </a:outerShdw>
+          </a:effectLst>
+        </p:spPr>
+        <p:style>
+          <a:lnRef idx="2">
+            <a:schemeClr val="accent1">
+              <a:shade val="50000"/>
+            </a:schemeClr>
+          </a:lnRef>
+          <a:fillRef idx="1">
+            <a:schemeClr val="accent1"/>
+          </a:fillRef>
+          <a:effectRef idx="0">
+            <a:schemeClr val="accent1"/>
+          </a:effectRef>
+          <a:fontRef idx="minor">
+            <a:schemeClr val="lt1"/>
+          </a:fontRef>
+        </p:style>
+        <p:txBody>
+          <a:bodyPr rtlCol="0" anchor="ctr"/>
+          <a:lstStyle/>
+          <a:p>
+            <a:pPr algn="ctr"/>
+            <a:endParaRPr lang="pt-BR" dirty="0"/>
+          </a:p>
+        </p:txBody>
+      </p:sp>
+      <p:sp>
+        <p:nvSpPr>
+          <p:cNvPr id="10" name="Forma em L 9">
+            <a:extLst>
+              <a:ext uri="{FF2B5EF4-FFF2-40B4-BE49-F238E27FC236}">
+                <a16:creationId xmlns:a16="http://schemas.microsoft.com/office/drawing/2014/main" id="{08ECD41F-A18F-4B77-8025-FB17B5930D1A}"/>
+              </a:ext>
+            </a:extLst>
+          </p:cNvPr>
+          <p:cNvSpPr/>
+          <p:nvPr/>
+        </p:nvSpPr>
+        <p:spPr>
+          <a:xfrm rot="10800000" flipV="1">
+            <a:off x="9586667" y="4136886"/>
+            <a:ext cx="2144019" cy="2097578"/>
+          </a:xfrm>
+          <a:prstGeom prst="corner">
+            <a:avLst>
+              <a:gd name="adj1" fmla="val 17348"/>
+              <a:gd name="adj2" fmla="val 17199"/>
+            </a:avLst>
+          </a:prstGeom>
+          <a:solidFill>
+            <a:srgbClr val="0568E6"/>
+          </a:solidFill>
+          <a:ln>
+            <a:noFill/>
+          </a:ln>
+          <a:effectLst>
+            <a:outerShdw blurRad="50800" dist="38100" dir="13500000" algn="br" rotWithShape="0">
+              <a:prstClr val="black">
+                <a:alpha val="40000"/>
+              </a:prstClr>
+            </a:outerShdw>
+          </a:effectLst>
+        </p:spPr>
+        <p:style>
+          <a:lnRef idx="2">
+            <a:schemeClr val="accent1">
+              <a:shade val="50000"/>
+            </a:schemeClr>
+          </a:lnRef>
+          <a:fillRef idx="1">
+            <a:schemeClr val="accent1"/>
+          </a:fillRef>
+          <a:effectRef idx="0">
+            <a:schemeClr val="accent1"/>
+          </a:effectRef>
+          <a:fontRef idx="minor">
+            <a:schemeClr val="lt1"/>
+          </a:fontRef>
+        </p:style>
+        <p:txBody>
+          <a:bodyPr rtlCol="0" anchor="ctr"/>
+          <a:lstStyle/>
+          <a:p>
+            <a:pPr algn="ctr"/>
+            <a:endParaRPr lang="pt-BR"/>
+          </a:p>
+        </p:txBody>
+      </p:sp>
+      <p:sp>
+        <p:nvSpPr>
+          <p:cNvPr id="11" name="Forma em L 10">
+            <a:extLst>
+              <a:ext uri="{FF2B5EF4-FFF2-40B4-BE49-F238E27FC236}">
+                <a16:creationId xmlns:a16="http://schemas.microsoft.com/office/drawing/2014/main" id="{2EEFC903-A640-4A01-B741-5923AE4D48A8}"/>
+              </a:ext>
+            </a:extLst>
+          </p:cNvPr>
+          <p:cNvSpPr>
+            <a:spLocks/>
+          </p:cNvSpPr>
+          <p:nvPr/>
+        </p:nvSpPr>
+        <p:spPr>
+          <a:xfrm flipH="1">
+            <a:off x="8959274" y="3671454"/>
+            <a:ext cx="3232726" cy="3186546"/>
+          </a:xfrm>
+          <a:prstGeom prst="corner">
+            <a:avLst>
+              <a:gd name="adj1" fmla="val 19258"/>
+              <a:gd name="adj2" fmla="val 16923"/>
+            </a:avLst>
+          </a:prstGeom>
+          <a:solidFill>
+            <a:srgbClr val="37475C"/>
+          </a:solidFill>
+          <a:ln>
+            <a:noFill/>
+          </a:ln>
+          <a:effectLst>
+            <a:outerShdw blurRad="50800" dist="38100" dir="13500000" algn="br" rotWithShape="0">
+              <a:prstClr val="black">
+                <a:alpha val="40000"/>
+              </a:prstClr>
+            </a:outerShdw>
+          </a:effectLst>
+        </p:spPr>
+        <p:style>
+          <a:lnRef idx="2">
+            <a:schemeClr val="accent1">
+              <a:shade val="50000"/>
+            </a:schemeClr>
+          </a:lnRef>
+          <a:fillRef idx="1">
+            <a:schemeClr val="accent1"/>
+          </a:fillRef>
+          <a:effectRef idx="0">
+            <a:schemeClr val="accent1"/>
+          </a:effectRef>
+          <a:fontRef idx="minor">
+            <a:schemeClr val="lt1"/>
+          </a:fontRef>
+        </p:style>
+        <p:txBody>
+          <a:bodyPr rtlCol="0" anchor="ctr"/>
+          <a:lstStyle/>
+          <a:p>
+            <a:pPr algn="ctr"/>
+            <a:endParaRPr lang="pt-BR" dirty="0"/>
           </a:p>
         </p:txBody>
       </p:sp>
@@ -3436,6 +5664,2539 @@
     <p:extLst>
       <p:ext uri="{BB962C8B-B14F-4D97-AF65-F5344CB8AC3E}">
         <p14:creationId xmlns:p14="http://schemas.microsoft.com/office/powerpoint/2010/main" val="2740461127"/>
+      </p:ext>
+    </p:extLst>
+  </p:cSld>
+  <p:clrMapOvr>
+    <a:masterClrMapping/>
+  </p:clrMapOvr>
+</p:sld>
+</file>
+
+<file path=ppt/slides/slide10.xml><?xml version="1.0" encoding="utf-8"?>
+<p:sld xmlns:a="http://schemas.openxmlformats.org/drawingml/2006/main" xmlns:r="http://schemas.openxmlformats.org/officeDocument/2006/relationships" xmlns:p="http://schemas.openxmlformats.org/presentationml/2006/main">
+  <p:cSld>
+    <p:spTree>
+      <p:nvGrpSpPr>
+        <p:cNvPr id="1" name="">
+          <a:extLst>
+            <a:ext uri="{FF2B5EF4-FFF2-40B4-BE49-F238E27FC236}">
+              <a16:creationId xmlns:a16="http://schemas.microsoft.com/office/drawing/2014/main" id="{F9157E7D-9233-D10E-0E19-94AB6CA9758D}"/>
+            </a:ext>
+          </a:extLst>
+        </p:cNvPr>
+        <p:cNvGrpSpPr/>
+        <p:nvPr/>
+      </p:nvGrpSpPr>
+      <p:grpSpPr>
+        <a:xfrm>
+          <a:off x="0" y="0"/>
+          <a:ext cx="0" cy="0"/>
+          <a:chOff x="0" y="0"/>
+          <a:chExt cx="0" cy="0"/>
+        </a:xfrm>
+      </p:grpSpPr>
+      <p:sp>
+        <p:nvSpPr>
+          <p:cNvPr id="4" name="Título 1">
+            <a:extLst>
+              <a:ext uri="{FF2B5EF4-FFF2-40B4-BE49-F238E27FC236}">
+                <a16:creationId xmlns:a16="http://schemas.microsoft.com/office/drawing/2014/main" id="{B1387EB5-00AB-F7AD-A11A-4B336FA43E70}"/>
+              </a:ext>
+            </a:extLst>
+          </p:cNvPr>
+          <p:cNvSpPr>
+            <a:spLocks noGrp="1"/>
+          </p:cNvSpPr>
+          <p:nvPr>
+            <p:ph type="title"/>
+          </p:nvPr>
+        </p:nvSpPr>
+        <p:spPr>
+          <a:xfrm>
+            <a:off x="2891028" y="67000"/>
+            <a:ext cx="6409944" cy="704723"/>
+          </a:xfrm>
+        </p:spPr>
+        <p:txBody>
+          <a:bodyPr>
+            <a:normAutofit fontScale="90000"/>
+          </a:bodyPr>
+          <a:lstStyle/>
+          <a:p>
+            <a:r>
+              <a:rPr lang="pt-BR" dirty="0">
+                <a:solidFill>
+                  <a:srgbClr val="1678FA"/>
+                </a:solidFill>
+              </a:rPr>
+              <a:t>Wireframe de Baixa Fidelidade</a:t>
+            </a:r>
+          </a:p>
+        </p:txBody>
+      </p:sp>
+      <p:sp>
+        <p:nvSpPr>
+          <p:cNvPr id="11" name="Título 1">
+            <a:extLst>
+              <a:ext uri="{FF2B5EF4-FFF2-40B4-BE49-F238E27FC236}">
+                <a16:creationId xmlns:a16="http://schemas.microsoft.com/office/drawing/2014/main" id="{F292DB65-89E7-831E-EA67-911243349B96}"/>
+              </a:ext>
+            </a:extLst>
+          </p:cNvPr>
+          <p:cNvSpPr txBox="1">
+            <a:spLocks/>
+          </p:cNvSpPr>
+          <p:nvPr/>
+        </p:nvSpPr>
+        <p:spPr>
+          <a:xfrm>
+            <a:off x="1589532" y="771722"/>
+            <a:ext cx="9012936" cy="535869"/>
+          </a:xfrm>
+          <a:prstGeom prst="rect">
+            <a:avLst/>
+          </a:prstGeom>
+          <a:solidFill>
+            <a:srgbClr val="1678FA"/>
+          </a:solidFill>
+        </p:spPr>
+        <p:txBody>
+          <a:bodyPr vert="horz" lIns="91440" tIns="45720" rIns="91440" bIns="45720" rtlCol="0" anchor="ctr">
+            <a:normAutofit fontScale="97500"/>
+          </a:bodyPr>
+          <a:lstStyle>
+            <a:lvl1pPr algn="l" defTabSz="914400" rtl="0" eaLnBrk="1" latinLnBrk="0" hangingPunct="1">
+              <a:lnSpc>
+                <a:spcPct val="90000"/>
+              </a:lnSpc>
+              <a:spcBef>
+                <a:spcPct val="0"/>
+              </a:spcBef>
+              <a:buNone/>
+              <a:defRPr sz="4400" kern="1200">
+                <a:solidFill>
+                  <a:schemeClr val="tx1"/>
+                </a:solidFill>
+                <a:latin typeface="+mj-lt"/>
+                <a:ea typeface="+mj-ea"/>
+                <a:cs typeface="+mj-cs"/>
+              </a:defRPr>
+            </a:lvl1pPr>
+          </a:lstStyle>
+          <a:p>
+            <a:pPr algn="ctr"/>
+            <a:r>
+              <a:rPr lang="pt-BR" sz="3000" dirty="0">
+                <a:solidFill>
+                  <a:schemeClr val="bg1"/>
+                </a:solidFill>
+              </a:rPr>
+              <a:t>Adicionar amigo</a:t>
+            </a:r>
+          </a:p>
+        </p:txBody>
+      </p:sp>
+      <p:pic>
+        <p:nvPicPr>
+          <p:cNvPr id="5" name="Imagem 4">
+            <a:extLst>
+              <a:ext uri="{FF2B5EF4-FFF2-40B4-BE49-F238E27FC236}">
+                <a16:creationId xmlns:a16="http://schemas.microsoft.com/office/drawing/2014/main" id="{B740040E-63CE-7B9D-E02A-83FB1197C7AD}"/>
+              </a:ext>
+            </a:extLst>
+          </p:cNvPr>
+          <p:cNvPicPr>
+            <a:picLocks noChangeAspect="1"/>
+          </p:cNvPicPr>
+          <p:nvPr/>
+        </p:nvPicPr>
+        <p:blipFill>
+          <a:blip r:embed="rId3"/>
+          <a:stretch>
+            <a:fillRect/>
+          </a:stretch>
+        </p:blipFill>
+        <p:spPr>
+          <a:xfrm>
+            <a:off x="1589532" y="1471271"/>
+            <a:ext cx="9012936" cy="5075342"/>
+          </a:xfrm>
+          <a:prstGeom prst="rect">
+            <a:avLst/>
+          </a:prstGeom>
+        </p:spPr>
+      </p:pic>
+    </p:spTree>
+    <p:extLst>
+      <p:ext uri="{BB962C8B-B14F-4D97-AF65-F5344CB8AC3E}">
+        <p14:creationId xmlns:p14="http://schemas.microsoft.com/office/powerpoint/2010/main" val="3270652007"/>
+      </p:ext>
+    </p:extLst>
+  </p:cSld>
+  <p:clrMapOvr>
+    <a:masterClrMapping/>
+  </p:clrMapOvr>
+</p:sld>
+</file>
+
+<file path=ppt/slides/slide11.xml><?xml version="1.0" encoding="utf-8"?>
+<p:sld xmlns:a="http://schemas.openxmlformats.org/drawingml/2006/main" xmlns:r="http://schemas.openxmlformats.org/officeDocument/2006/relationships" xmlns:p="http://schemas.openxmlformats.org/presentationml/2006/main">
+  <p:cSld>
+    <p:spTree>
+      <p:nvGrpSpPr>
+        <p:cNvPr id="1" name="">
+          <a:extLst>
+            <a:ext uri="{FF2B5EF4-FFF2-40B4-BE49-F238E27FC236}">
+              <a16:creationId xmlns:a16="http://schemas.microsoft.com/office/drawing/2014/main" id="{DBE0F830-2A55-4D19-EC1D-B92BF3DA0EA7}"/>
+            </a:ext>
+          </a:extLst>
+        </p:cNvPr>
+        <p:cNvGrpSpPr/>
+        <p:nvPr/>
+      </p:nvGrpSpPr>
+      <p:grpSpPr>
+        <a:xfrm>
+          <a:off x="0" y="0"/>
+          <a:ext cx="0" cy="0"/>
+          <a:chOff x="0" y="0"/>
+          <a:chExt cx="0" cy="0"/>
+        </a:xfrm>
+      </p:grpSpPr>
+      <p:sp>
+        <p:nvSpPr>
+          <p:cNvPr id="4" name="Título 1">
+            <a:extLst>
+              <a:ext uri="{FF2B5EF4-FFF2-40B4-BE49-F238E27FC236}">
+                <a16:creationId xmlns:a16="http://schemas.microsoft.com/office/drawing/2014/main" id="{A243883D-CD29-E3FC-8252-7CDE422325EE}"/>
+              </a:ext>
+            </a:extLst>
+          </p:cNvPr>
+          <p:cNvSpPr>
+            <a:spLocks noGrp="1"/>
+          </p:cNvSpPr>
+          <p:nvPr>
+            <p:ph type="title"/>
+          </p:nvPr>
+        </p:nvSpPr>
+        <p:spPr>
+          <a:xfrm>
+            <a:off x="2891028" y="67000"/>
+            <a:ext cx="6409944" cy="704723"/>
+          </a:xfrm>
+        </p:spPr>
+        <p:txBody>
+          <a:bodyPr>
+            <a:normAutofit fontScale="90000"/>
+          </a:bodyPr>
+          <a:lstStyle/>
+          <a:p>
+            <a:r>
+              <a:rPr lang="pt-BR" dirty="0">
+                <a:solidFill>
+                  <a:srgbClr val="1678FA"/>
+                </a:solidFill>
+              </a:rPr>
+              <a:t>Wireframe de Baixa Fidelidade</a:t>
+            </a:r>
+          </a:p>
+        </p:txBody>
+      </p:sp>
+      <p:sp>
+        <p:nvSpPr>
+          <p:cNvPr id="11" name="Título 1">
+            <a:extLst>
+              <a:ext uri="{FF2B5EF4-FFF2-40B4-BE49-F238E27FC236}">
+                <a16:creationId xmlns:a16="http://schemas.microsoft.com/office/drawing/2014/main" id="{5F4639B7-66F5-DA65-8960-8E4D242242B4}"/>
+              </a:ext>
+            </a:extLst>
+          </p:cNvPr>
+          <p:cNvSpPr txBox="1">
+            <a:spLocks/>
+          </p:cNvSpPr>
+          <p:nvPr/>
+        </p:nvSpPr>
+        <p:spPr>
+          <a:xfrm>
+            <a:off x="1589532" y="771722"/>
+            <a:ext cx="9012936" cy="535869"/>
+          </a:xfrm>
+          <a:prstGeom prst="rect">
+            <a:avLst/>
+          </a:prstGeom>
+          <a:solidFill>
+            <a:srgbClr val="1678FA"/>
+          </a:solidFill>
+        </p:spPr>
+        <p:txBody>
+          <a:bodyPr vert="horz" lIns="91440" tIns="45720" rIns="91440" bIns="45720" rtlCol="0" anchor="ctr">
+            <a:normAutofit fontScale="97500"/>
+          </a:bodyPr>
+          <a:lstStyle>
+            <a:lvl1pPr algn="l" defTabSz="914400" rtl="0" eaLnBrk="1" latinLnBrk="0" hangingPunct="1">
+              <a:lnSpc>
+                <a:spcPct val="90000"/>
+              </a:lnSpc>
+              <a:spcBef>
+                <a:spcPct val="0"/>
+              </a:spcBef>
+              <a:buNone/>
+              <a:defRPr sz="4400" kern="1200">
+                <a:solidFill>
+                  <a:schemeClr val="tx1"/>
+                </a:solidFill>
+                <a:latin typeface="+mj-lt"/>
+                <a:ea typeface="+mj-ea"/>
+                <a:cs typeface="+mj-cs"/>
+              </a:defRPr>
+            </a:lvl1pPr>
+          </a:lstStyle>
+          <a:p>
+            <a:pPr algn="ctr"/>
+            <a:r>
+              <a:rPr lang="pt-BR" sz="3000" dirty="0">
+                <a:solidFill>
+                  <a:schemeClr val="bg1"/>
+                </a:solidFill>
+              </a:rPr>
+              <a:t>Perfil</a:t>
+            </a:r>
+          </a:p>
+        </p:txBody>
+      </p:sp>
+      <p:pic>
+        <p:nvPicPr>
+          <p:cNvPr id="5" name="Imagem 4">
+            <a:extLst>
+              <a:ext uri="{FF2B5EF4-FFF2-40B4-BE49-F238E27FC236}">
+                <a16:creationId xmlns:a16="http://schemas.microsoft.com/office/drawing/2014/main" id="{2C155B1F-61D2-258F-C511-89A91C9665DA}"/>
+              </a:ext>
+            </a:extLst>
+          </p:cNvPr>
+          <p:cNvPicPr>
+            <a:picLocks noChangeAspect="1"/>
+          </p:cNvPicPr>
+          <p:nvPr/>
+        </p:nvPicPr>
+        <p:blipFill>
+          <a:blip r:embed="rId3"/>
+          <a:stretch>
+            <a:fillRect/>
+          </a:stretch>
+        </p:blipFill>
+        <p:spPr>
+          <a:xfrm>
+            <a:off x="1589531" y="1437929"/>
+            <a:ext cx="9012935" cy="5077710"/>
+          </a:xfrm>
+          <a:prstGeom prst="rect">
+            <a:avLst/>
+          </a:prstGeom>
+        </p:spPr>
+      </p:pic>
+    </p:spTree>
+    <p:extLst>
+      <p:ext uri="{BB962C8B-B14F-4D97-AF65-F5344CB8AC3E}">
+        <p14:creationId xmlns:p14="http://schemas.microsoft.com/office/powerpoint/2010/main" val="3404590001"/>
+      </p:ext>
+    </p:extLst>
+  </p:cSld>
+  <p:clrMapOvr>
+    <a:masterClrMapping/>
+  </p:clrMapOvr>
+</p:sld>
+</file>
+
+<file path=ppt/slides/slide12.xml><?xml version="1.0" encoding="utf-8"?>
+<p:sld xmlns:a="http://schemas.openxmlformats.org/drawingml/2006/main" xmlns:r="http://schemas.openxmlformats.org/officeDocument/2006/relationships" xmlns:p="http://schemas.openxmlformats.org/presentationml/2006/main">
+  <p:cSld>
+    <p:spTree>
+      <p:nvGrpSpPr>
+        <p:cNvPr id="1" name="">
+          <a:extLst>
+            <a:ext uri="{FF2B5EF4-FFF2-40B4-BE49-F238E27FC236}">
+              <a16:creationId xmlns:a16="http://schemas.microsoft.com/office/drawing/2014/main" id="{43E4036C-254C-5993-0D52-6B260A5AEA86}"/>
+            </a:ext>
+          </a:extLst>
+        </p:cNvPr>
+        <p:cNvGrpSpPr/>
+        <p:nvPr/>
+      </p:nvGrpSpPr>
+      <p:grpSpPr>
+        <a:xfrm>
+          <a:off x="0" y="0"/>
+          <a:ext cx="0" cy="0"/>
+          <a:chOff x="0" y="0"/>
+          <a:chExt cx="0" cy="0"/>
+        </a:xfrm>
+      </p:grpSpPr>
+      <p:sp>
+        <p:nvSpPr>
+          <p:cNvPr id="4" name="Título 1">
+            <a:extLst>
+              <a:ext uri="{FF2B5EF4-FFF2-40B4-BE49-F238E27FC236}">
+                <a16:creationId xmlns:a16="http://schemas.microsoft.com/office/drawing/2014/main" id="{8D40BB16-10CE-1836-8FAC-EE32F067FCE4}"/>
+              </a:ext>
+            </a:extLst>
+          </p:cNvPr>
+          <p:cNvSpPr>
+            <a:spLocks noGrp="1"/>
+          </p:cNvSpPr>
+          <p:nvPr>
+            <p:ph type="title"/>
+          </p:nvPr>
+        </p:nvSpPr>
+        <p:spPr>
+          <a:xfrm>
+            <a:off x="2891028" y="67000"/>
+            <a:ext cx="6409944" cy="704723"/>
+          </a:xfrm>
+        </p:spPr>
+        <p:txBody>
+          <a:bodyPr>
+            <a:normAutofit fontScale="90000"/>
+          </a:bodyPr>
+          <a:lstStyle/>
+          <a:p>
+            <a:r>
+              <a:rPr lang="pt-BR" dirty="0">
+                <a:solidFill>
+                  <a:srgbClr val="1678FA"/>
+                </a:solidFill>
+              </a:rPr>
+              <a:t>Wireframe de Alta Fidelidade</a:t>
+            </a:r>
+          </a:p>
+        </p:txBody>
+      </p:sp>
+      <p:sp>
+        <p:nvSpPr>
+          <p:cNvPr id="11" name="Título 1">
+            <a:extLst>
+              <a:ext uri="{FF2B5EF4-FFF2-40B4-BE49-F238E27FC236}">
+                <a16:creationId xmlns:a16="http://schemas.microsoft.com/office/drawing/2014/main" id="{B040F41D-74CB-6518-AB2D-63D3F2418B7F}"/>
+              </a:ext>
+            </a:extLst>
+          </p:cNvPr>
+          <p:cNvSpPr txBox="1">
+            <a:spLocks/>
+          </p:cNvSpPr>
+          <p:nvPr/>
+        </p:nvSpPr>
+        <p:spPr>
+          <a:xfrm>
+            <a:off x="1589532" y="771722"/>
+            <a:ext cx="9012936" cy="535869"/>
+          </a:xfrm>
+          <a:prstGeom prst="rect">
+            <a:avLst/>
+          </a:prstGeom>
+          <a:solidFill>
+            <a:srgbClr val="1678FA"/>
+          </a:solidFill>
+        </p:spPr>
+        <p:txBody>
+          <a:bodyPr vert="horz" lIns="91440" tIns="45720" rIns="91440" bIns="45720" rtlCol="0" anchor="ctr">
+            <a:normAutofit fontScale="97500"/>
+          </a:bodyPr>
+          <a:lstStyle>
+            <a:lvl1pPr algn="l" defTabSz="914400" rtl="0" eaLnBrk="1" latinLnBrk="0" hangingPunct="1">
+              <a:lnSpc>
+                <a:spcPct val="90000"/>
+              </a:lnSpc>
+              <a:spcBef>
+                <a:spcPct val="0"/>
+              </a:spcBef>
+              <a:buNone/>
+              <a:defRPr sz="4400" kern="1200">
+                <a:solidFill>
+                  <a:schemeClr val="tx1"/>
+                </a:solidFill>
+                <a:latin typeface="+mj-lt"/>
+                <a:ea typeface="+mj-ea"/>
+                <a:cs typeface="+mj-cs"/>
+              </a:defRPr>
+            </a:lvl1pPr>
+          </a:lstStyle>
+          <a:p>
+            <a:pPr algn="ctr"/>
+            <a:r>
+              <a:rPr lang="pt-BR" sz="3000" dirty="0">
+                <a:solidFill>
+                  <a:schemeClr val="bg1"/>
+                </a:solidFill>
+              </a:rPr>
+              <a:t>Página Inicial</a:t>
+            </a:r>
+          </a:p>
+        </p:txBody>
+      </p:sp>
+      <p:pic>
+        <p:nvPicPr>
+          <p:cNvPr id="3" name="Imagem 2">
+            <a:extLst>
+              <a:ext uri="{FF2B5EF4-FFF2-40B4-BE49-F238E27FC236}">
+                <a16:creationId xmlns:a16="http://schemas.microsoft.com/office/drawing/2014/main" id="{7FD41411-BEE9-2EE9-2C2C-93EDEED15204}"/>
+              </a:ext>
+            </a:extLst>
+          </p:cNvPr>
+          <p:cNvPicPr>
+            <a:picLocks noChangeAspect="1"/>
+          </p:cNvPicPr>
+          <p:nvPr/>
+        </p:nvPicPr>
+        <p:blipFill>
+          <a:blip r:embed="rId2"/>
+          <a:stretch>
+            <a:fillRect/>
+          </a:stretch>
+        </p:blipFill>
+        <p:spPr>
+          <a:xfrm>
+            <a:off x="1589532" y="1428779"/>
+            <a:ext cx="9012936" cy="5046824"/>
+          </a:xfrm>
+          <a:prstGeom prst="rect">
+            <a:avLst/>
+          </a:prstGeom>
+        </p:spPr>
+      </p:pic>
+    </p:spTree>
+    <p:extLst>
+      <p:ext uri="{BB962C8B-B14F-4D97-AF65-F5344CB8AC3E}">
+        <p14:creationId xmlns:p14="http://schemas.microsoft.com/office/powerpoint/2010/main" val="1810486416"/>
+      </p:ext>
+    </p:extLst>
+  </p:cSld>
+  <p:clrMapOvr>
+    <a:masterClrMapping/>
+  </p:clrMapOvr>
+</p:sld>
+</file>
+
+<file path=ppt/slides/slide13.xml><?xml version="1.0" encoding="utf-8"?>
+<p:sld xmlns:a="http://schemas.openxmlformats.org/drawingml/2006/main" xmlns:r="http://schemas.openxmlformats.org/officeDocument/2006/relationships" xmlns:p="http://schemas.openxmlformats.org/presentationml/2006/main">
+  <p:cSld>
+    <p:spTree>
+      <p:nvGrpSpPr>
+        <p:cNvPr id="1" name="">
+          <a:extLst>
+            <a:ext uri="{FF2B5EF4-FFF2-40B4-BE49-F238E27FC236}">
+              <a16:creationId xmlns:a16="http://schemas.microsoft.com/office/drawing/2014/main" id="{DF424C75-DC73-DDB5-B2DA-E43EE75164F2}"/>
+            </a:ext>
+          </a:extLst>
+        </p:cNvPr>
+        <p:cNvGrpSpPr/>
+        <p:nvPr/>
+      </p:nvGrpSpPr>
+      <p:grpSpPr>
+        <a:xfrm>
+          <a:off x="0" y="0"/>
+          <a:ext cx="0" cy="0"/>
+          <a:chOff x="0" y="0"/>
+          <a:chExt cx="0" cy="0"/>
+        </a:xfrm>
+      </p:grpSpPr>
+      <p:sp>
+        <p:nvSpPr>
+          <p:cNvPr id="4" name="Título 1">
+            <a:extLst>
+              <a:ext uri="{FF2B5EF4-FFF2-40B4-BE49-F238E27FC236}">
+                <a16:creationId xmlns:a16="http://schemas.microsoft.com/office/drawing/2014/main" id="{AFCDF455-B12F-D841-A0C8-33552B85ACBA}"/>
+              </a:ext>
+            </a:extLst>
+          </p:cNvPr>
+          <p:cNvSpPr>
+            <a:spLocks noGrp="1"/>
+          </p:cNvSpPr>
+          <p:nvPr>
+            <p:ph type="title"/>
+          </p:nvPr>
+        </p:nvSpPr>
+        <p:spPr>
+          <a:xfrm>
+            <a:off x="2891028" y="67000"/>
+            <a:ext cx="6409944" cy="704723"/>
+          </a:xfrm>
+        </p:spPr>
+        <p:txBody>
+          <a:bodyPr>
+            <a:normAutofit fontScale="90000"/>
+          </a:bodyPr>
+          <a:lstStyle/>
+          <a:p>
+            <a:r>
+              <a:rPr lang="pt-BR" dirty="0">
+                <a:solidFill>
+                  <a:srgbClr val="1678FA"/>
+                </a:solidFill>
+              </a:rPr>
+              <a:t>Wireframe de Alta Fidelidade</a:t>
+            </a:r>
+          </a:p>
+        </p:txBody>
+      </p:sp>
+      <p:sp>
+        <p:nvSpPr>
+          <p:cNvPr id="11" name="Título 1">
+            <a:extLst>
+              <a:ext uri="{FF2B5EF4-FFF2-40B4-BE49-F238E27FC236}">
+                <a16:creationId xmlns:a16="http://schemas.microsoft.com/office/drawing/2014/main" id="{F991D392-58C8-3271-A1DA-EBCA05DA7C61}"/>
+              </a:ext>
+            </a:extLst>
+          </p:cNvPr>
+          <p:cNvSpPr txBox="1">
+            <a:spLocks/>
+          </p:cNvSpPr>
+          <p:nvPr/>
+        </p:nvSpPr>
+        <p:spPr>
+          <a:xfrm>
+            <a:off x="1589532" y="771722"/>
+            <a:ext cx="9012936" cy="535869"/>
+          </a:xfrm>
+          <a:prstGeom prst="rect">
+            <a:avLst/>
+          </a:prstGeom>
+          <a:solidFill>
+            <a:srgbClr val="1678FA"/>
+          </a:solidFill>
+        </p:spPr>
+        <p:txBody>
+          <a:bodyPr vert="horz" lIns="91440" tIns="45720" rIns="91440" bIns="45720" rtlCol="0" anchor="ctr">
+            <a:normAutofit fontScale="97500"/>
+          </a:bodyPr>
+          <a:lstStyle>
+            <a:lvl1pPr algn="l" defTabSz="914400" rtl="0" eaLnBrk="1" latinLnBrk="0" hangingPunct="1">
+              <a:lnSpc>
+                <a:spcPct val="90000"/>
+              </a:lnSpc>
+              <a:spcBef>
+                <a:spcPct val="0"/>
+              </a:spcBef>
+              <a:buNone/>
+              <a:defRPr sz="4400" kern="1200">
+                <a:solidFill>
+                  <a:schemeClr val="tx1"/>
+                </a:solidFill>
+                <a:latin typeface="+mj-lt"/>
+                <a:ea typeface="+mj-ea"/>
+                <a:cs typeface="+mj-cs"/>
+              </a:defRPr>
+            </a:lvl1pPr>
+          </a:lstStyle>
+          <a:p>
+            <a:pPr algn="ctr"/>
+            <a:r>
+              <a:rPr lang="pt-BR" sz="3000" dirty="0">
+                <a:solidFill>
+                  <a:schemeClr val="bg1"/>
+                </a:solidFill>
+              </a:rPr>
+              <a:t>Projetos</a:t>
+            </a:r>
+          </a:p>
+        </p:txBody>
+      </p:sp>
+      <p:pic>
+        <p:nvPicPr>
+          <p:cNvPr id="3" name="Imagem 2">
+            <a:extLst>
+              <a:ext uri="{FF2B5EF4-FFF2-40B4-BE49-F238E27FC236}">
+                <a16:creationId xmlns:a16="http://schemas.microsoft.com/office/drawing/2014/main" id="{E94A779B-BD54-E6AB-892C-7D12F5EB205A}"/>
+              </a:ext>
+            </a:extLst>
+          </p:cNvPr>
+          <p:cNvPicPr>
+            <a:picLocks noChangeAspect="1"/>
+          </p:cNvPicPr>
+          <p:nvPr/>
+        </p:nvPicPr>
+        <p:blipFill>
+          <a:blip r:embed="rId3"/>
+          <a:stretch>
+            <a:fillRect/>
+          </a:stretch>
+        </p:blipFill>
+        <p:spPr>
+          <a:xfrm>
+            <a:off x="1589532" y="1427903"/>
+            <a:ext cx="9012936" cy="5095174"/>
+          </a:xfrm>
+          <a:prstGeom prst="rect">
+            <a:avLst/>
+          </a:prstGeom>
+        </p:spPr>
+      </p:pic>
+    </p:spTree>
+    <p:extLst>
+      <p:ext uri="{BB962C8B-B14F-4D97-AF65-F5344CB8AC3E}">
+        <p14:creationId xmlns:p14="http://schemas.microsoft.com/office/powerpoint/2010/main" val="3944840227"/>
+      </p:ext>
+    </p:extLst>
+  </p:cSld>
+  <p:clrMapOvr>
+    <a:masterClrMapping/>
+  </p:clrMapOvr>
+</p:sld>
+</file>
+
+<file path=ppt/slides/slide14.xml><?xml version="1.0" encoding="utf-8"?>
+<p:sld xmlns:a="http://schemas.openxmlformats.org/drawingml/2006/main" xmlns:r="http://schemas.openxmlformats.org/officeDocument/2006/relationships" xmlns:p="http://schemas.openxmlformats.org/presentationml/2006/main">
+  <p:cSld>
+    <p:spTree>
+      <p:nvGrpSpPr>
+        <p:cNvPr id="1" name="">
+          <a:extLst>
+            <a:ext uri="{FF2B5EF4-FFF2-40B4-BE49-F238E27FC236}">
+              <a16:creationId xmlns:a16="http://schemas.microsoft.com/office/drawing/2014/main" id="{0E7A0DD5-6A50-8F53-579B-B9797638530D}"/>
+            </a:ext>
+          </a:extLst>
+        </p:cNvPr>
+        <p:cNvGrpSpPr/>
+        <p:nvPr/>
+      </p:nvGrpSpPr>
+      <p:grpSpPr>
+        <a:xfrm>
+          <a:off x="0" y="0"/>
+          <a:ext cx="0" cy="0"/>
+          <a:chOff x="0" y="0"/>
+          <a:chExt cx="0" cy="0"/>
+        </a:xfrm>
+      </p:grpSpPr>
+      <p:sp>
+        <p:nvSpPr>
+          <p:cNvPr id="4" name="Título 1">
+            <a:extLst>
+              <a:ext uri="{FF2B5EF4-FFF2-40B4-BE49-F238E27FC236}">
+                <a16:creationId xmlns:a16="http://schemas.microsoft.com/office/drawing/2014/main" id="{4D75D6E3-D282-3F77-E8F1-E035C038E573}"/>
+              </a:ext>
+            </a:extLst>
+          </p:cNvPr>
+          <p:cNvSpPr>
+            <a:spLocks noGrp="1"/>
+          </p:cNvSpPr>
+          <p:nvPr>
+            <p:ph type="title"/>
+          </p:nvPr>
+        </p:nvSpPr>
+        <p:spPr>
+          <a:xfrm>
+            <a:off x="2891028" y="67000"/>
+            <a:ext cx="6409944" cy="704723"/>
+          </a:xfrm>
+        </p:spPr>
+        <p:txBody>
+          <a:bodyPr>
+            <a:normAutofit fontScale="90000"/>
+          </a:bodyPr>
+          <a:lstStyle/>
+          <a:p>
+            <a:r>
+              <a:rPr lang="pt-BR" dirty="0">
+                <a:solidFill>
+                  <a:srgbClr val="1678FA"/>
+                </a:solidFill>
+              </a:rPr>
+              <a:t>Wireframe de Baixa Fidelidade</a:t>
+            </a:r>
+          </a:p>
+        </p:txBody>
+      </p:sp>
+      <p:sp>
+        <p:nvSpPr>
+          <p:cNvPr id="11" name="Título 1">
+            <a:extLst>
+              <a:ext uri="{FF2B5EF4-FFF2-40B4-BE49-F238E27FC236}">
+                <a16:creationId xmlns:a16="http://schemas.microsoft.com/office/drawing/2014/main" id="{2A539918-2183-2D03-421E-4A130DBCECFE}"/>
+              </a:ext>
+            </a:extLst>
+          </p:cNvPr>
+          <p:cNvSpPr txBox="1">
+            <a:spLocks/>
+          </p:cNvSpPr>
+          <p:nvPr/>
+        </p:nvSpPr>
+        <p:spPr>
+          <a:xfrm>
+            <a:off x="1589532" y="771722"/>
+            <a:ext cx="9012936" cy="535869"/>
+          </a:xfrm>
+          <a:prstGeom prst="rect">
+            <a:avLst/>
+          </a:prstGeom>
+          <a:solidFill>
+            <a:srgbClr val="1678FA"/>
+          </a:solidFill>
+        </p:spPr>
+        <p:txBody>
+          <a:bodyPr vert="horz" lIns="91440" tIns="45720" rIns="91440" bIns="45720" rtlCol="0" anchor="ctr">
+            <a:normAutofit fontScale="97500"/>
+          </a:bodyPr>
+          <a:lstStyle>
+            <a:lvl1pPr algn="l" defTabSz="914400" rtl="0" eaLnBrk="1" latinLnBrk="0" hangingPunct="1">
+              <a:lnSpc>
+                <a:spcPct val="90000"/>
+              </a:lnSpc>
+              <a:spcBef>
+                <a:spcPct val="0"/>
+              </a:spcBef>
+              <a:buNone/>
+              <a:defRPr sz="4400" kern="1200">
+                <a:solidFill>
+                  <a:schemeClr val="tx1"/>
+                </a:solidFill>
+                <a:latin typeface="+mj-lt"/>
+                <a:ea typeface="+mj-ea"/>
+                <a:cs typeface="+mj-cs"/>
+              </a:defRPr>
+            </a:lvl1pPr>
+          </a:lstStyle>
+          <a:p>
+            <a:pPr algn="ctr"/>
+            <a:r>
+              <a:rPr lang="pt-BR" sz="3000" dirty="0">
+                <a:solidFill>
+                  <a:schemeClr val="bg1"/>
+                </a:solidFill>
+              </a:rPr>
+              <a:t>Tarefas</a:t>
+            </a:r>
+          </a:p>
+        </p:txBody>
+      </p:sp>
+      <p:pic>
+        <p:nvPicPr>
+          <p:cNvPr id="5" name="Imagem 4">
+            <a:extLst>
+              <a:ext uri="{FF2B5EF4-FFF2-40B4-BE49-F238E27FC236}">
+                <a16:creationId xmlns:a16="http://schemas.microsoft.com/office/drawing/2014/main" id="{38B1ABE6-892F-5FE5-12AA-9C190E84BEE2}"/>
+              </a:ext>
+            </a:extLst>
+          </p:cNvPr>
+          <p:cNvPicPr>
+            <a:picLocks noChangeAspect="1"/>
+          </p:cNvPicPr>
+          <p:nvPr/>
+        </p:nvPicPr>
+        <p:blipFill>
+          <a:blip r:embed="rId3"/>
+          <a:stretch>
+            <a:fillRect/>
+          </a:stretch>
+        </p:blipFill>
+        <p:spPr>
+          <a:xfrm>
+            <a:off x="1589532" y="1414723"/>
+            <a:ext cx="9012936" cy="5097480"/>
+          </a:xfrm>
+          <a:prstGeom prst="rect">
+            <a:avLst/>
+          </a:prstGeom>
+        </p:spPr>
+      </p:pic>
+    </p:spTree>
+    <p:extLst>
+      <p:ext uri="{BB962C8B-B14F-4D97-AF65-F5344CB8AC3E}">
+        <p14:creationId xmlns:p14="http://schemas.microsoft.com/office/powerpoint/2010/main" val="3574902731"/>
+      </p:ext>
+    </p:extLst>
+  </p:cSld>
+  <p:clrMapOvr>
+    <a:masterClrMapping/>
+  </p:clrMapOvr>
+</p:sld>
+</file>
+
+<file path=ppt/slides/slide15.xml><?xml version="1.0" encoding="utf-8"?>
+<p:sld xmlns:a="http://schemas.openxmlformats.org/drawingml/2006/main" xmlns:r="http://schemas.openxmlformats.org/officeDocument/2006/relationships" xmlns:p="http://schemas.openxmlformats.org/presentationml/2006/main">
+  <p:cSld>
+    <p:spTree>
+      <p:nvGrpSpPr>
+        <p:cNvPr id="1" name="">
+          <a:extLst>
+            <a:ext uri="{FF2B5EF4-FFF2-40B4-BE49-F238E27FC236}">
+              <a16:creationId xmlns:a16="http://schemas.microsoft.com/office/drawing/2014/main" id="{52F1DCB9-3DD4-67F9-2181-E587AEB79F46}"/>
+            </a:ext>
+          </a:extLst>
+        </p:cNvPr>
+        <p:cNvGrpSpPr/>
+        <p:nvPr/>
+      </p:nvGrpSpPr>
+      <p:grpSpPr>
+        <a:xfrm>
+          <a:off x="0" y="0"/>
+          <a:ext cx="0" cy="0"/>
+          <a:chOff x="0" y="0"/>
+          <a:chExt cx="0" cy="0"/>
+        </a:xfrm>
+      </p:grpSpPr>
+      <p:sp>
+        <p:nvSpPr>
+          <p:cNvPr id="4" name="Título 1">
+            <a:extLst>
+              <a:ext uri="{FF2B5EF4-FFF2-40B4-BE49-F238E27FC236}">
+                <a16:creationId xmlns:a16="http://schemas.microsoft.com/office/drawing/2014/main" id="{16B0C83F-6238-1ACA-4307-E39977EFCCBC}"/>
+              </a:ext>
+            </a:extLst>
+          </p:cNvPr>
+          <p:cNvSpPr>
+            <a:spLocks noGrp="1"/>
+          </p:cNvSpPr>
+          <p:nvPr>
+            <p:ph type="title"/>
+          </p:nvPr>
+        </p:nvSpPr>
+        <p:spPr>
+          <a:xfrm>
+            <a:off x="2891028" y="67000"/>
+            <a:ext cx="6409944" cy="704723"/>
+          </a:xfrm>
+        </p:spPr>
+        <p:txBody>
+          <a:bodyPr>
+            <a:normAutofit fontScale="90000"/>
+          </a:bodyPr>
+          <a:lstStyle/>
+          <a:p>
+            <a:r>
+              <a:rPr lang="pt-BR" dirty="0">
+                <a:solidFill>
+                  <a:srgbClr val="1678FA"/>
+                </a:solidFill>
+              </a:rPr>
+              <a:t>Wireframe de Alta Fidelidade</a:t>
+            </a:r>
+          </a:p>
+        </p:txBody>
+      </p:sp>
+      <p:sp>
+        <p:nvSpPr>
+          <p:cNvPr id="11" name="Título 1">
+            <a:extLst>
+              <a:ext uri="{FF2B5EF4-FFF2-40B4-BE49-F238E27FC236}">
+                <a16:creationId xmlns:a16="http://schemas.microsoft.com/office/drawing/2014/main" id="{5095C76B-3632-2026-01BD-CD4C8641F1EC}"/>
+              </a:ext>
+            </a:extLst>
+          </p:cNvPr>
+          <p:cNvSpPr txBox="1">
+            <a:spLocks/>
+          </p:cNvSpPr>
+          <p:nvPr/>
+        </p:nvSpPr>
+        <p:spPr>
+          <a:xfrm>
+            <a:off x="1589532" y="771722"/>
+            <a:ext cx="9012936" cy="535869"/>
+          </a:xfrm>
+          <a:prstGeom prst="rect">
+            <a:avLst/>
+          </a:prstGeom>
+          <a:solidFill>
+            <a:srgbClr val="1678FA"/>
+          </a:solidFill>
+        </p:spPr>
+        <p:txBody>
+          <a:bodyPr vert="horz" lIns="91440" tIns="45720" rIns="91440" bIns="45720" rtlCol="0" anchor="ctr">
+            <a:normAutofit fontScale="97500"/>
+          </a:bodyPr>
+          <a:lstStyle>
+            <a:lvl1pPr algn="l" defTabSz="914400" rtl="0" eaLnBrk="1" latinLnBrk="0" hangingPunct="1">
+              <a:lnSpc>
+                <a:spcPct val="90000"/>
+              </a:lnSpc>
+              <a:spcBef>
+                <a:spcPct val="0"/>
+              </a:spcBef>
+              <a:buNone/>
+              <a:defRPr sz="4400" kern="1200">
+                <a:solidFill>
+                  <a:schemeClr val="tx1"/>
+                </a:solidFill>
+                <a:latin typeface="+mj-lt"/>
+                <a:ea typeface="+mj-ea"/>
+                <a:cs typeface="+mj-cs"/>
+              </a:defRPr>
+            </a:lvl1pPr>
+          </a:lstStyle>
+          <a:p>
+            <a:pPr algn="ctr"/>
+            <a:r>
+              <a:rPr lang="pt-BR" sz="3000" dirty="0">
+                <a:solidFill>
+                  <a:schemeClr val="bg1"/>
+                </a:solidFill>
+              </a:rPr>
+              <a:t>Conversas</a:t>
+            </a:r>
+          </a:p>
+        </p:txBody>
+      </p:sp>
+      <p:pic>
+        <p:nvPicPr>
+          <p:cNvPr id="3" name="Imagem 2">
+            <a:extLst>
+              <a:ext uri="{FF2B5EF4-FFF2-40B4-BE49-F238E27FC236}">
+                <a16:creationId xmlns:a16="http://schemas.microsoft.com/office/drawing/2014/main" id="{42CAC73B-12C4-4BC0-7C6F-2D04FDB2D387}"/>
+              </a:ext>
+            </a:extLst>
+          </p:cNvPr>
+          <p:cNvPicPr>
+            <a:picLocks noChangeAspect="1"/>
+          </p:cNvPicPr>
+          <p:nvPr/>
+        </p:nvPicPr>
+        <p:blipFill>
+          <a:blip r:embed="rId3"/>
+          <a:stretch>
+            <a:fillRect/>
+          </a:stretch>
+        </p:blipFill>
+        <p:spPr>
+          <a:xfrm>
+            <a:off x="1589532" y="1428798"/>
+            <a:ext cx="9012936" cy="5067132"/>
+          </a:xfrm>
+          <a:prstGeom prst="rect">
+            <a:avLst/>
+          </a:prstGeom>
+        </p:spPr>
+      </p:pic>
+    </p:spTree>
+    <p:extLst>
+      <p:ext uri="{BB962C8B-B14F-4D97-AF65-F5344CB8AC3E}">
+        <p14:creationId xmlns:p14="http://schemas.microsoft.com/office/powerpoint/2010/main" val="139889206"/>
+      </p:ext>
+    </p:extLst>
+  </p:cSld>
+  <p:clrMapOvr>
+    <a:masterClrMapping/>
+  </p:clrMapOvr>
+</p:sld>
+</file>
+
+<file path=ppt/slides/slide16.xml><?xml version="1.0" encoding="utf-8"?>
+<p:sld xmlns:a="http://schemas.openxmlformats.org/drawingml/2006/main" xmlns:r="http://schemas.openxmlformats.org/officeDocument/2006/relationships" xmlns:p="http://schemas.openxmlformats.org/presentationml/2006/main">
+  <p:cSld>
+    <p:spTree>
+      <p:nvGrpSpPr>
+        <p:cNvPr id="1" name="">
+          <a:extLst>
+            <a:ext uri="{FF2B5EF4-FFF2-40B4-BE49-F238E27FC236}">
+              <a16:creationId xmlns:a16="http://schemas.microsoft.com/office/drawing/2014/main" id="{E8AA4FDB-E2E0-39BA-75D2-EBB9B55D1BA9}"/>
+            </a:ext>
+          </a:extLst>
+        </p:cNvPr>
+        <p:cNvGrpSpPr/>
+        <p:nvPr/>
+      </p:nvGrpSpPr>
+      <p:grpSpPr>
+        <a:xfrm>
+          <a:off x="0" y="0"/>
+          <a:ext cx="0" cy="0"/>
+          <a:chOff x="0" y="0"/>
+          <a:chExt cx="0" cy="0"/>
+        </a:xfrm>
+      </p:grpSpPr>
+      <p:sp>
+        <p:nvSpPr>
+          <p:cNvPr id="4" name="Título 1">
+            <a:extLst>
+              <a:ext uri="{FF2B5EF4-FFF2-40B4-BE49-F238E27FC236}">
+                <a16:creationId xmlns:a16="http://schemas.microsoft.com/office/drawing/2014/main" id="{D2855F0A-860D-5DAD-A7E7-5DA67ECC0CBC}"/>
+              </a:ext>
+            </a:extLst>
+          </p:cNvPr>
+          <p:cNvSpPr>
+            <a:spLocks noGrp="1"/>
+          </p:cNvSpPr>
+          <p:nvPr>
+            <p:ph type="title"/>
+          </p:nvPr>
+        </p:nvSpPr>
+        <p:spPr>
+          <a:xfrm>
+            <a:off x="2891028" y="67000"/>
+            <a:ext cx="6409944" cy="704723"/>
+          </a:xfrm>
+        </p:spPr>
+        <p:txBody>
+          <a:bodyPr>
+            <a:normAutofit fontScale="90000"/>
+          </a:bodyPr>
+          <a:lstStyle/>
+          <a:p>
+            <a:r>
+              <a:rPr lang="pt-BR" dirty="0">
+                <a:solidFill>
+                  <a:srgbClr val="1678FA"/>
+                </a:solidFill>
+              </a:rPr>
+              <a:t>Wireframe de Alta Fidelidade</a:t>
+            </a:r>
+          </a:p>
+        </p:txBody>
+      </p:sp>
+      <p:sp>
+        <p:nvSpPr>
+          <p:cNvPr id="11" name="Título 1">
+            <a:extLst>
+              <a:ext uri="{FF2B5EF4-FFF2-40B4-BE49-F238E27FC236}">
+                <a16:creationId xmlns:a16="http://schemas.microsoft.com/office/drawing/2014/main" id="{BFA335BA-3692-EBD2-815E-235B0DB7A694}"/>
+              </a:ext>
+            </a:extLst>
+          </p:cNvPr>
+          <p:cNvSpPr txBox="1">
+            <a:spLocks/>
+          </p:cNvSpPr>
+          <p:nvPr/>
+        </p:nvSpPr>
+        <p:spPr>
+          <a:xfrm>
+            <a:off x="1589532" y="771722"/>
+            <a:ext cx="9012936" cy="535869"/>
+          </a:xfrm>
+          <a:prstGeom prst="rect">
+            <a:avLst/>
+          </a:prstGeom>
+          <a:solidFill>
+            <a:srgbClr val="1678FA"/>
+          </a:solidFill>
+        </p:spPr>
+        <p:txBody>
+          <a:bodyPr vert="horz" lIns="91440" tIns="45720" rIns="91440" bIns="45720" rtlCol="0" anchor="ctr">
+            <a:normAutofit fontScale="97500"/>
+          </a:bodyPr>
+          <a:lstStyle>
+            <a:lvl1pPr algn="l" defTabSz="914400" rtl="0" eaLnBrk="1" latinLnBrk="0" hangingPunct="1">
+              <a:lnSpc>
+                <a:spcPct val="90000"/>
+              </a:lnSpc>
+              <a:spcBef>
+                <a:spcPct val="0"/>
+              </a:spcBef>
+              <a:buNone/>
+              <a:defRPr sz="4400" kern="1200">
+                <a:solidFill>
+                  <a:schemeClr val="tx1"/>
+                </a:solidFill>
+                <a:latin typeface="+mj-lt"/>
+                <a:ea typeface="+mj-ea"/>
+                <a:cs typeface="+mj-cs"/>
+              </a:defRPr>
+            </a:lvl1pPr>
+          </a:lstStyle>
+          <a:p>
+            <a:pPr algn="ctr"/>
+            <a:r>
+              <a:rPr lang="pt-BR" sz="3000" dirty="0">
+                <a:solidFill>
+                  <a:schemeClr val="bg1"/>
+                </a:solidFill>
+              </a:rPr>
+              <a:t>Amigos</a:t>
+            </a:r>
+          </a:p>
+        </p:txBody>
+      </p:sp>
+      <p:pic>
+        <p:nvPicPr>
+          <p:cNvPr id="5" name="Imagem 4">
+            <a:extLst>
+              <a:ext uri="{FF2B5EF4-FFF2-40B4-BE49-F238E27FC236}">
+                <a16:creationId xmlns:a16="http://schemas.microsoft.com/office/drawing/2014/main" id="{AC7DA10F-255A-36F0-62BB-AC2874397214}"/>
+              </a:ext>
+            </a:extLst>
+          </p:cNvPr>
+          <p:cNvPicPr>
+            <a:picLocks noChangeAspect="1"/>
+          </p:cNvPicPr>
+          <p:nvPr/>
+        </p:nvPicPr>
+        <p:blipFill>
+          <a:blip r:embed="rId3"/>
+          <a:stretch>
+            <a:fillRect/>
+          </a:stretch>
+        </p:blipFill>
+        <p:spPr>
+          <a:xfrm>
+            <a:off x="1589532" y="1407657"/>
+            <a:ext cx="9012936" cy="5024817"/>
+          </a:xfrm>
+          <a:prstGeom prst="rect">
+            <a:avLst/>
+          </a:prstGeom>
+        </p:spPr>
+      </p:pic>
+    </p:spTree>
+    <p:extLst>
+      <p:ext uri="{BB962C8B-B14F-4D97-AF65-F5344CB8AC3E}">
+        <p14:creationId xmlns:p14="http://schemas.microsoft.com/office/powerpoint/2010/main" val="2006853300"/>
+      </p:ext>
+    </p:extLst>
+  </p:cSld>
+  <p:clrMapOvr>
+    <a:masterClrMapping/>
+  </p:clrMapOvr>
+</p:sld>
+</file>
+
+<file path=ppt/slides/slide17.xml><?xml version="1.0" encoding="utf-8"?>
+<p:sld xmlns:a="http://schemas.openxmlformats.org/drawingml/2006/main" xmlns:r="http://schemas.openxmlformats.org/officeDocument/2006/relationships" xmlns:p="http://schemas.openxmlformats.org/presentationml/2006/main">
+  <p:cSld>
+    <p:spTree>
+      <p:nvGrpSpPr>
+        <p:cNvPr id="1" name="">
+          <a:extLst>
+            <a:ext uri="{FF2B5EF4-FFF2-40B4-BE49-F238E27FC236}">
+              <a16:creationId xmlns:a16="http://schemas.microsoft.com/office/drawing/2014/main" id="{BC98E41E-07BB-4B5D-A876-97795432F342}"/>
+            </a:ext>
+          </a:extLst>
+        </p:cNvPr>
+        <p:cNvGrpSpPr/>
+        <p:nvPr/>
+      </p:nvGrpSpPr>
+      <p:grpSpPr>
+        <a:xfrm>
+          <a:off x="0" y="0"/>
+          <a:ext cx="0" cy="0"/>
+          <a:chOff x="0" y="0"/>
+          <a:chExt cx="0" cy="0"/>
+        </a:xfrm>
+      </p:grpSpPr>
+      <p:sp>
+        <p:nvSpPr>
+          <p:cNvPr id="4" name="Título 1">
+            <a:extLst>
+              <a:ext uri="{FF2B5EF4-FFF2-40B4-BE49-F238E27FC236}">
+                <a16:creationId xmlns:a16="http://schemas.microsoft.com/office/drawing/2014/main" id="{893617BF-8CAA-54DF-DA42-6A30C41A16B1}"/>
+              </a:ext>
+            </a:extLst>
+          </p:cNvPr>
+          <p:cNvSpPr>
+            <a:spLocks noGrp="1"/>
+          </p:cNvSpPr>
+          <p:nvPr>
+            <p:ph type="title"/>
+          </p:nvPr>
+        </p:nvSpPr>
+        <p:spPr>
+          <a:xfrm>
+            <a:off x="2891028" y="67000"/>
+            <a:ext cx="6409944" cy="704723"/>
+          </a:xfrm>
+        </p:spPr>
+        <p:txBody>
+          <a:bodyPr>
+            <a:normAutofit fontScale="90000"/>
+          </a:bodyPr>
+          <a:lstStyle/>
+          <a:p>
+            <a:r>
+              <a:rPr lang="pt-BR" dirty="0">
+                <a:solidFill>
+                  <a:srgbClr val="1678FA"/>
+                </a:solidFill>
+              </a:rPr>
+              <a:t>Wireframe de Alta Fidelidade</a:t>
+            </a:r>
+          </a:p>
+        </p:txBody>
+      </p:sp>
+      <p:sp>
+        <p:nvSpPr>
+          <p:cNvPr id="11" name="Título 1">
+            <a:extLst>
+              <a:ext uri="{FF2B5EF4-FFF2-40B4-BE49-F238E27FC236}">
+                <a16:creationId xmlns:a16="http://schemas.microsoft.com/office/drawing/2014/main" id="{7A764483-D0E8-AED3-D39A-C0FDAF318A05}"/>
+              </a:ext>
+            </a:extLst>
+          </p:cNvPr>
+          <p:cNvSpPr txBox="1">
+            <a:spLocks/>
+          </p:cNvSpPr>
+          <p:nvPr/>
+        </p:nvSpPr>
+        <p:spPr>
+          <a:xfrm>
+            <a:off x="1589532" y="771722"/>
+            <a:ext cx="9012936" cy="535869"/>
+          </a:xfrm>
+          <a:prstGeom prst="rect">
+            <a:avLst/>
+          </a:prstGeom>
+          <a:solidFill>
+            <a:srgbClr val="1678FA"/>
+          </a:solidFill>
+        </p:spPr>
+        <p:txBody>
+          <a:bodyPr vert="horz" lIns="91440" tIns="45720" rIns="91440" bIns="45720" rtlCol="0" anchor="ctr">
+            <a:normAutofit fontScale="97500"/>
+          </a:bodyPr>
+          <a:lstStyle>
+            <a:lvl1pPr algn="l" defTabSz="914400" rtl="0" eaLnBrk="1" latinLnBrk="0" hangingPunct="1">
+              <a:lnSpc>
+                <a:spcPct val="90000"/>
+              </a:lnSpc>
+              <a:spcBef>
+                <a:spcPct val="0"/>
+              </a:spcBef>
+              <a:buNone/>
+              <a:defRPr sz="4400" kern="1200">
+                <a:solidFill>
+                  <a:schemeClr val="tx1"/>
+                </a:solidFill>
+                <a:latin typeface="+mj-lt"/>
+                <a:ea typeface="+mj-ea"/>
+                <a:cs typeface="+mj-cs"/>
+              </a:defRPr>
+            </a:lvl1pPr>
+          </a:lstStyle>
+          <a:p>
+            <a:pPr algn="ctr"/>
+            <a:r>
+              <a:rPr lang="pt-BR" sz="3000" dirty="0">
+                <a:solidFill>
+                  <a:schemeClr val="bg1"/>
+                </a:solidFill>
+              </a:rPr>
+              <a:t>Adicionar amigo</a:t>
+            </a:r>
+          </a:p>
+        </p:txBody>
+      </p:sp>
+      <p:pic>
+        <p:nvPicPr>
+          <p:cNvPr id="3" name="Imagem 2">
+            <a:extLst>
+              <a:ext uri="{FF2B5EF4-FFF2-40B4-BE49-F238E27FC236}">
+                <a16:creationId xmlns:a16="http://schemas.microsoft.com/office/drawing/2014/main" id="{AC75BED7-E9FA-9173-D205-602C31B287C4}"/>
+              </a:ext>
+            </a:extLst>
+          </p:cNvPr>
+          <p:cNvPicPr>
+            <a:picLocks noChangeAspect="1"/>
+          </p:cNvPicPr>
+          <p:nvPr/>
+        </p:nvPicPr>
+        <p:blipFill>
+          <a:blip r:embed="rId3"/>
+          <a:stretch>
+            <a:fillRect/>
+          </a:stretch>
+        </p:blipFill>
+        <p:spPr>
+          <a:xfrm>
+            <a:off x="1589532" y="1412634"/>
+            <a:ext cx="9012936" cy="5061192"/>
+          </a:xfrm>
+          <a:prstGeom prst="rect">
+            <a:avLst/>
+          </a:prstGeom>
+        </p:spPr>
+      </p:pic>
+    </p:spTree>
+    <p:extLst>
+      <p:ext uri="{BB962C8B-B14F-4D97-AF65-F5344CB8AC3E}">
+        <p14:creationId xmlns:p14="http://schemas.microsoft.com/office/powerpoint/2010/main" val="3412127343"/>
+      </p:ext>
+    </p:extLst>
+  </p:cSld>
+  <p:clrMapOvr>
+    <a:masterClrMapping/>
+  </p:clrMapOvr>
+</p:sld>
+</file>
+
+<file path=ppt/slides/slide18.xml><?xml version="1.0" encoding="utf-8"?>
+<p:sld xmlns:a="http://schemas.openxmlformats.org/drawingml/2006/main" xmlns:r="http://schemas.openxmlformats.org/officeDocument/2006/relationships" xmlns:p="http://schemas.openxmlformats.org/presentationml/2006/main">
+  <p:cSld>
+    <p:spTree>
+      <p:nvGrpSpPr>
+        <p:cNvPr id="1" name="">
+          <a:extLst>
+            <a:ext uri="{FF2B5EF4-FFF2-40B4-BE49-F238E27FC236}">
+              <a16:creationId xmlns:a16="http://schemas.microsoft.com/office/drawing/2014/main" id="{C6E25830-2825-31FD-2182-9B282961C93C}"/>
+            </a:ext>
+          </a:extLst>
+        </p:cNvPr>
+        <p:cNvGrpSpPr/>
+        <p:nvPr/>
+      </p:nvGrpSpPr>
+      <p:grpSpPr>
+        <a:xfrm>
+          <a:off x="0" y="0"/>
+          <a:ext cx="0" cy="0"/>
+          <a:chOff x="0" y="0"/>
+          <a:chExt cx="0" cy="0"/>
+        </a:xfrm>
+      </p:grpSpPr>
+      <p:sp>
+        <p:nvSpPr>
+          <p:cNvPr id="4" name="Título 1">
+            <a:extLst>
+              <a:ext uri="{FF2B5EF4-FFF2-40B4-BE49-F238E27FC236}">
+                <a16:creationId xmlns:a16="http://schemas.microsoft.com/office/drawing/2014/main" id="{4ACD7184-A83D-DA33-69E1-80290BC15867}"/>
+              </a:ext>
+            </a:extLst>
+          </p:cNvPr>
+          <p:cNvSpPr>
+            <a:spLocks noGrp="1"/>
+          </p:cNvSpPr>
+          <p:nvPr>
+            <p:ph type="title"/>
+          </p:nvPr>
+        </p:nvSpPr>
+        <p:spPr>
+          <a:xfrm>
+            <a:off x="2891028" y="67000"/>
+            <a:ext cx="6409944" cy="704723"/>
+          </a:xfrm>
+        </p:spPr>
+        <p:txBody>
+          <a:bodyPr>
+            <a:normAutofit fontScale="90000"/>
+          </a:bodyPr>
+          <a:lstStyle/>
+          <a:p>
+            <a:r>
+              <a:rPr lang="pt-BR" dirty="0">
+                <a:solidFill>
+                  <a:srgbClr val="1678FA"/>
+                </a:solidFill>
+              </a:rPr>
+              <a:t>Wireframe de Baixa Fidelidade</a:t>
+            </a:r>
+          </a:p>
+        </p:txBody>
+      </p:sp>
+      <p:sp>
+        <p:nvSpPr>
+          <p:cNvPr id="11" name="Título 1">
+            <a:extLst>
+              <a:ext uri="{FF2B5EF4-FFF2-40B4-BE49-F238E27FC236}">
+                <a16:creationId xmlns:a16="http://schemas.microsoft.com/office/drawing/2014/main" id="{5D2D1824-B70F-BCE1-83A9-84341805DCBA}"/>
+              </a:ext>
+            </a:extLst>
+          </p:cNvPr>
+          <p:cNvSpPr txBox="1">
+            <a:spLocks/>
+          </p:cNvSpPr>
+          <p:nvPr/>
+        </p:nvSpPr>
+        <p:spPr>
+          <a:xfrm>
+            <a:off x="1589532" y="771722"/>
+            <a:ext cx="9012936" cy="535869"/>
+          </a:xfrm>
+          <a:prstGeom prst="rect">
+            <a:avLst/>
+          </a:prstGeom>
+          <a:solidFill>
+            <a:srgbClr val="1678FA"/>
+          </a:solidFill>
+        </p:spPr>
+        <p:txBody>
+          <a:bodyPr vert="horz" lIns="91440" tIns="45720" rIns="91440" bIns="45720" rtlCol="0" anchor="ctr">
+            <a:normAutofit fontScale="97500"/>
+          </a:bodyPr>
+          <a:lstStyle>
+            <a:lvl1pPr algn="l" defTabSz="914400" rtl="0" eaLnBrk="1" latinLnBrk="0" hangingPunct="1">
+              <a:lnSpc>
+                <a:spcPct val="90000"/>
+              </a:lnSpc>
+              <a:spcBef>
+                <a:spcPct val="0"/>
+              </a:spcBef>
+              <a:buNone/>
+              <a:defRPr sz="4400" kern="1200">
+                <a:solidFill>
+                  <a:schemeClr val="tx1"/>
+                </a:solidFill>
+                <a:latin typeface="+mj-lt"/>
+                <a:ea typeface="+mj-ea"/>
+                <a:cs typeface="+mj-cs"/>
+              </a:defRPr>
+            </a:lvl1pPr>
+          </a:lstStyle>
+          <a:p>
+            <a:pPr algn="ctr"/>
+            <a:r>
+              <a:rPr lang="pt-BR" sz="3000" dirty="0">
+                <a:solidFill>
+                  <a:schemeClr val="bg1"/>
+                </a:solidFill>
+              </a:rPr>
+              <a:t>Perfil</a:t>
+            </a:r>
+          </a:p>
+        </p:txBody>
+      </p:sp>
+      <p:pic>
+        <p:nvPicPr>
+          <p:cNvPr id="3" name="Imagem 2">
+            <a:extLst>
+              <a:ext uri="{FF2B5EF4-FFF2-40B4-BE49-F238E27FC236}">
+                <a16:creationId xmlns:a16="http://schemas.microsoft.com/office/drawing/2014/main" id="{EFF07ACF-F5CE-F25E-4386-8255E0BFA9D8}"/>
+              </a:ext>
+            </a:extLst>
+          </p:cNvPr>
+          <p:cNvPicPr>
+            <a:picLocks noChangeAspect="1"/>
+          </p:cNvPicPr>
+          <p:nvPr/>
+        </p:nvPicPr>
+        <p:blipFill>
+          <a:blip r:embed="rId3"/>
+          <a:stretch>
+            <a:fillRect/>
+          </a:stretch>
+        </p:blipFill>
+        <p:spPr>
+          <a:xfrm>
+            <a:off x="1589532" y="1418123"/>
+            <a:ext cx="9012936" cy="5043454"/>
+          </a:xfrm>
+          <a:prstGeom prst="rect">
+            <a:avLst/>
+          </a:prstGeom>
+        </p:spPr>
+      </p:pic>
+    </p:spTree>
+    <p:extLst>
+      <p:ext uri="{BB962C8B-B14F-4D97-AF65-F5344CB8AC3E}">
+        <p14:creationId xmlns:p14="http://schemas.microsoft.com/office/powerpoint/2010/main" val="1375603297"/>
+      </p:ext>
+    </p:extLst>
+  </p:cSld>
+  <p:clrMapOvr>
+    <a:masterClrMapping/>
+  </p:clrMapOvr>
+</p:sld>
+</file>
+
+<file path=ppt/slides/slide19.xml><?xml version="1.0" encoding="utf-8"?>
+<p:sld xmlns:a="http://schemas.openxmlformats.org/drawingml/2006/main" xmlns:r="http://schemas.openxmlformats.org/officeDocument/2006/relationships" xmlns:p="http://schemas.openxmlformats.org/presentationml/2006/main">
+  <p:cSld>
+    <p:spTree>
+      <p:nvGrpSpPr>
+        <p:cNvPr id="1" name=""/>
+        <p:cNvGrpSpPr/>
+        <p:nvPr/>
+      </p:nvGrpSpPr>
+      <p:grpSpPr>
+        <a:xfrm>
+          <a:off x="0" y="0"/>
+          <a:ext cx="0" cy="0"/>
+          <a:chOff x="0" y="0"/>
+          <a:chExt cx="0" cy="0"/>
+        </a:xfrm>
+      </p:grpSpPr>
+      <p:sp>
+        <p:nvSpPr>
+          <p:cNvPr id="4" name="Título 1">
+            <a:extLst>
+              <a:ext uri="{FF2B5EF4-FFF2-40B4-BE49-F238E27FC236}">
+                <a16:creationId xmlns:a16="http://schemas.microsoft.com/office/drawing/2014/main" id="{3E82842B-C6D3-5D28-3FAE-3CFB5F1B9866}"/>
+              </a:ext>
+            </a:extLst>
+          </p:cNvPr>
+          <p:cNvSpPr>
+            <a:spLocks noGrp="1"/>
+          </p:cNvSpPr>
+          <p:nvPr>
+            <p:ph type="title"/>
+          </p:nvPr>
+        </p:nvSpPr>
+        <p:spPr>
+          <a:xfrm>
+            <a:off x="2217420" y="355981"/>
+            <a:ext cx="7757160" cy="704723"/>
+          </a:xfrm>
+        </p:spPr>
+        <p:txBody>
+          <a:bodyPr>
+            <a:normAutofit fontScale="90000"/>
+          </a:bodyPr>
+          <a:lstStyle/>
+          <a:p>
+            <a:r>
+              <a:rPr lang="pt-BR" dirty="0">
+                <a:solidFill>
+                  <a:srgbClr val="1678FA"/>
+                </a:solidFill>
+              </a:rPr>
+              <a:t>Tecnologias, Frameworks e Recursos</a:t>
+            </a:r>
+          </a:p>
+        </p:txBody>
+      </p:sp>
+      <p:sp>
+        <p:nvSpPr>
+          <p:cNvPr id="2" name="Retângulo 1">
+            <a:extLst>
+              <a:ext uri="{FF2B5EF4-FFF2-40B4-BE49-F238E27FC236}">
+                <a16:creationId xmlns:a16="http://schemas.microsoft.com/office/drawing/2014/main" id="{999348B7-12AB-70BD-9F91-5CE9FADADEED}"/>
+              </a:ext>
+            </a:extLst>
+          </p:cNvPr>
+          <p:cNvSpPr/>
+          <p:nvPr/>
+        </p:nvSpPr>
+        <p:spPr>
+          <a:xfrm>
+            <a:off x="2217420" y="1028700"/>
+            <a:ext cx="7757160" cy="105156"/>
+          </a:xfrm>
+          <a:prstGeom prst="rect">
+            <a:avLst/>
+          </a:prstGeom>
+          <a:solidFill>
+            <a:srgbClr val="1678FA"/>
+          </a:solidFill>
+          <a:ln>
+            <a:noFill/>
+          </a:ln>
+        </p:spPr>
+        <p:style>
+          <a:lnRef idx="2">
+            <a:schemeClr val="accent1">
+              <a:shade val="15000"/>
+            </a:schemeClr>
+          </a:lnRef>
+          <a:fillRef idx="1">
+            <a:schemeClr val="accent1"/>
+          </a:fillRef>
+          <a:effectRef idx="0">
+            <a:schemeClr val="accent1"/>
+          </a:effectRef>
+          <a:fontRef idx="minor">
+            <a:schemeClr val="lt1"/>
+          </a:fontRef>
+        </p:style>
+        <p:txBody>
+          <a:bodyPr rtlCol="0" anchor="ctr"/>
+          <a:lstStyle/>
+          <a:p>
+            <a:pPr algn="ctr"/>
+            <a:endParaRPr lang="pt-BR"/>
+          </a:p>
+        </p:txBody>
+      </p:sp>
+      <p:pic>
+        <p:nvPicPr>
+          <p:cNvPr id="1026" name="Picture 2" descr="HTML5 – Wikipédia, a enciclopédia livre">
+            <a:extLst>
+              <a:ext uri="{FF2B5EF4-FFF2-40B4-BE49-F238E27FC236}">
+                <a16:creationId xmlns:a16="http://schemas.microsoft.com/office/drawing/2014/main" id="{967A0DA9-FBA8-CC0D-5BC2-B2FB4C855E1A}"/>
+              </a:ext>
+            </a:extLst>
+          </p:cNvPr>
+          <p:cNvPicPr>
+            <a:picLocks noChangeAspect="1" noChangeArrowheads="1"/>
+          </p:cNvPicPr>
+          <p:nvPr/>
+        </p:nvPicPr>
+        <p:blipFill rotWithShape="1">
+          <a:blip r:embed="rId3">
+            <a:extLst>
+              <a:ext uri="{28A0092B-C50C-407E-A947-70E740481C1C}">
+                <a14:useLocalDpi xmlns:a14="http://schemas.microsoft.com/office/drawing/2010/main" val="0"/>
+              </a:ext>
+            </a:extLst>
+          </a:blip>
+          <a:srcRect t="18723"/>
+          <a:stretch>
+            <a:fillRect/>
+          </a:stretch>
+        </p:blipFill>
+        <p:spPr bwMode="auto">
+          <a:xfrm>
+            <a:off x="1673762" y="1806575"/>
+            <a:ext cx="1603419" cy="1303210"/>
+          </a:xfrm>
+          <a:prstGeom prst="rect">
+            <a:avLst/>
+          </a:prstGeom>
+          <a:noFill/>
+          <a:extLst>
+            <a:ext uri="{909E8E84-426E-40DD-AFC4-6F175D3DCCD1}">
+              <a14:hiddenFill xmlns:a14="http://schemas.microsoft.com/office/drawing/2010/main">
+                <a:solidFill>
+                  <a:srgbClr val="FFFFFF"/>
+                </a:solidFill>
+              </a14:hiddenFill>
+            </a:ext>
+          </a:extLst>
+        </p:spPr>
+      </p:pic>
+      <p:pic>
+        <p:nvPicPr>
+          <p:cNvPr id="1028" name="Picture 4">
+            <a:extLst>
+              <a:ext uri="{FF2B5EF4-FFF2-40B4-BE49-F238E27FC236}">
+                <a16:creationId xmlns:a16="http://schemas.microsoft.com/office/drawing/2014/main" id="{2E1DE81B-7C6B-0D9D-57FB-4D7C4A18C59A}"/>
+              </a:ext>
+            </a:extLst>
+          </p:cNvPr>
+          <p:cNvPicPr>
+            <a:picLocks noChangeAspect="1" noChangeArrowheads="1"/>
+          </p:cNvPicPr>
+          <p:nvPr/>
+        </p:nvPicPr>
+        <p:blipFill rotWithShape="1">
+          <a:blip r:embed="rId4">
+            <a:extLst>
+              <a:ext uri="{28A0092B-C50C-407E-A947-70E740481C1C}">
+                <a14:useLocalDpi xmlns:a14="http://schemas.microsoft.com/office/drawing/2010/main" val="0"/>
+              </a:ext>
+            </a:extLst>
+          </a:blip>
+          <a:srcRect t="18513"/>
+          <a:stretch>
+            <a:fillRect/>
+          </a:stretch>
+        </p:blipFill>
+        <p:spPr bwMode="auto">
+          <a:xfrm>
+            <a:off x="4060542" y="1808956"/>
+            <a:ext cx="1132082" cy="1303210"/>
+          </a:xfrm>
+          <a:prstGeom prst="rect">
+            <a:avLst/>
+          </a:prstGeom>
+          <a:noFill/>
+          <a:extLst>
+            <a:ext uri="{909E8E84-426E-40DD-AFC4-6F175D3DCCD1}">
+              <a14:hiddenFill xmlns:a14="http://schemas.microsoft.com/office/drawing/2010/main">
+                <a:solidFill>
+                  <a:srgbClr val="FFFFFF"/>
+                </a:solidFill>
+              </a14:hiddenFill>
+            </a:ext>
+          </a:extLst>
+        </p:spPr>
+      </p:pic>
+      <p:pic>
+        <p:nvPicPr>
+          <p:cNvPr id="1030" name="Picture 6" descr="JavaScript – Wikipédia, a enciclopédia livre">
+            <a:extLst>
+              <a:ext uri="{FF2B5EF4-FFF2-40B4-BE49-F238E27FC236}">
+                <a16:creationId xmlns:a16="http://schemas.microsoft.com/office/drawing/2014/main" id="{A4BCAEC9-5B9D-164E-DB49-10327E0CBDF6}"/>
+              </a:ext>
+            </a:extLst>
+          </p:cNvPr>
+          <p:cNvPicPr>
+            <a:picLocks noChangeAspect="1" noChangeArrowheads="1"/>
+          </p:cNvPicPr>
+          <p:nvPr/>
+        </p:nvPicPr>
+        <p:blipFill>
+          <a:blip r:embed="rId5">
+            <a:extLst>
+              <a:ext uri="{28A0092B-C50C-407E-A947-70E740481C1C}">
+                <a14:useLocalDpi xmlns:a14="http://schemas.microsoft.com/office/drawing/2010/main" val="0"/>
+              </a:ext>
+            </a:extLst>
+          </a:blip>
+          <a:srcRect/>
+          <a:stretch>
+            <a:fillRect/>
+          </a:stretch>
+        </p:blipFill>
+        <p:spPr bwMode="auto">
+          <a:xfrm>
+            <a:off x="6410626" y="1871836"/>
+            <a:ext cx="1237949" cy="1237949"/>
+          </a:xfrm>
+          <a:prstGeom prst="rect">
+            <a:avLst/>
+          </a:prstGeom>
+          <a:noFill/>
+          <a:extLst>
+            <a:ext uri="{909E8E84-426E-40DD-AFC4-6F175D3DCCD1}">
+              <a14:hiddenFill xmlns:a14="http://schemas.microsoft.com/office/drawing/2010/main">
+                <a:solidFill>
+                  <a:srgbClr val="FFFFFF"/>
+                </a:solidFill>
+              </a14:hiddenFill>
+            </a:ext>
+          </a:extLst>
+        </p:spPr>
+      </p:pic>
+      <p:sp>
+        <p:nvSpPr>
+          <p:cNvPr id="9" name="Título 1">
+            <a:extLst>
+              <a:ext uri="{FF2B5EF4-FFF2-40B4-BE49-F238E27FC236}">
+                <a16:creationId xmlns:a16="http://schemas.microsoft.com/office/drawing/2014/main" id="{3DB8BC24-54A0-00CE-3644-B119A0BD7D27}"/>
+              </a:ext>
+            </a:extLst>
+          </p:cNvPr>
+          <p:cNvSpPr txBox="1">
+            <a:spLocks/>
+          </p:cNvSpPr>
+          <p:nvPr/>
+        </p:nvSpPr>
+        <p:spPr>
+          <a:xfrm>
+            <a:off x="6045078" y="3237016"/>
+            <a:ext cx="2327529" cy="447074"/>
+          </a:xfrm>
+          <a:prstGeom prst="rect">
+            <a:avLst/>
+          </a:prstGeom>
+        </p:spPr>
+        <p:txBody>
+          <a:bodyPr vert="horz" lIns="91440" tIns="45720" rIns="91440" bIns="45720" rtlCol="0" anchor="ctr">
+            <a:normAutofit fontScale="67500" lnSpcReduction="20000"/>
+          </a:bodyPr>
+          <a:lstStyle>
+            <a:lvl1pPr algn="l" defTabSz="914400" rtl="0" eaLnBrk="1" latinLnBrk="0" hangingPunct="1">
+              <a:lnSpc>
+                <a:spcPct val="90000"/>
+              </a:lnSpc>
+              <a:spcBef>
+                <a:spcPct val="0"/>
+              </a:spcBef>
+              <a:buNone/>
+              <a:defRPr sz="4400" kern="1200">
+                <a:solidFill>
+                  <a:schemeClr val="tx1"/>
+                </a:solidFill>
+                <a:latin typeface="+mj-lt"/>
+                <a:ea typeface="+mj-ea"/>
+                <a:cs typeface="+mj-cs"/>
+              </a:defRPr>
+            </a:lvl1pPr>
+          </a:lstStyle>
+          <a:p>
+            <a:r>
+              <a:rPr lang="pt-BR" b="1" spc="300" dirty="0"/>
+              <a:t>Javascript</a:t>
+            </a:r>
+          </a:p>
+        </p:txBody>
+      </p:sp>
+      <p:sp>
+        <p:nvSpPr>
+          <p:cNvPr id="10" name="Título 1">
+            <a:extLst>
+              <a:ext uri="{FF2B5EF4-FFF2-40B4-BE49-F238E27FC236}">
+                <a16:creationId xmlns:a16="http://schemas.microsoft.com/office/drawing/2014/main" id="{622511D9-7A5B-A96E-0B9B-8A41C8C78A9F}"/>
+              </a:ext>
+            </a:extLst>
+          </p:cNvPr>
+          <p:cNvSpPr txBox="1">
+            <a:spLocks/>
+          </p:cNvSpPr>
+          <p:nvPr/>
+        </p:nvSpPr>
+        <p:spPr>
+          <a:xfrm>
+            <a:off x="4129635" y="3255775"/>
+            <a:ext cx="1062989" cy="447074"/>
+          </a:xfrm>
+          <a:prstGeom prst="rect">
+            <a:avLst/>
+          </a:prstGeom>
+        </p:spPr>
+        <p:txBody>
+          <a:bodyPr vert="horz" lIns="91440" tIns="45720" rIns="91440" bIns="45720" rtlCol="0" anchor="ctr">
+            <a:normAutofit fontScale="90000" lnSpcReduction="20000"/>
+          </a:bodyPr>
+          <a:lstStyle>
+            <a:lvl1pPr algn="l" defTabSz="914400" rtl="0" eaLnBrk="1" latinLnBrk="0" hangingPunct="1">
+              <a:lnSpc>
+                <a:spcPct val="90000"/>
+              </a:lnSpc>
+              <a:spcBef>
+                <a:spcPct val="0"/>
+              </a:spcBef>
+              <a:buNone/>
+              <a:defRPr sz="4400" kern="1200">
+                <a:solidFill>
+                  <a:schemeClr val="tx1"/>
+                </a:solidFill>
+                <a:latin typeface="+mj-lt"/>
+                <a:ea typeface="+mj-ea"/>
+                <a:cs typeface="+mj-cs"/>
+              </a:defRPr>
+            </a:lvl1pPr>
+          </a:lstStyle>
+          <a:p>
+            <a:r>
+              <a:rPr lang="pt-BR" sz="3300" b="1" spc="300" dirty="0"/>
+              <a:t>CSS</a:t>
+            </a:r>
+          </a:p>
+        </p:txBody>
+      </p:sp>
+      <p:sp>
+        <p:nvSpPr>
+          <p:cNvPr id="11" name="Título 1">
+            <a:extLst>
+              <a:ext uri="{FF2B5EF4-FFF2-40B4-BE49-F238E27FC236}">
+                <a16:creationId xmlns:a16="http://schemas.microsoft.com/office/drawing/2014/main" id="{D2B590E8-2A33-5834-E672-73A31A23F4BE}"/>
+              </a:ext>
+            </a:extLst>
+          </p:cNvPr>
+          <p:cNvSpPr txBox="1">
+            <a:spLocks/>
+          </p:cNvSpPr>
+          <p:nvPr/>
+        </p:nvSpPr>
+        <p:spPr>
+          <a:xfrm>
+            <a:off x="1837358" y="3255775"/>
+            <a:ext cx="1439823" cy="447074"/>
+          </a:xfrm>
+          <a:prstGeom prst="rect">
+            <a:avLst/>
+          </a:prstGeom>
+        </p:spPr>
+        <p:txBody>
+          <a:bodyPr vert="horz" lIns="91440" tIns="45720" rIns="91440" bIns="45720" rtlCol="0" anchor="ctr">
+            <a:normAutofit fontScale="90000" lnSpcReduction="20000"/>
+          </a:bodyPr>
+          <a:lstStyle>
+            <a:lvl1pPr algn="l" defTabSz="914400" rtl="0" eaLnBrk="1" latinLnBrk="0" hangingPunct="1">
+              <a:lnSpc>
+                <a:spcPct val="90000"/>
+              </a:lnSpc>
+              <a:spcBef>
+                <a:spcPct val="0"/>
+              </a:spcBef>
+              <a:buNone/>
+              <a:defRPr sz="4400" kern="1200">
+                <a:solidFill>
+                  <a:schemeClr val="tx1"/>
+                </a:solidFill>
+                <a:latin typeface="+mj-lt"/>
+                <a:ea typeface="+mj-ea"/>
+                <a:cs typeface="+mj-cs"/>
+              </a:defRPr>
+            </a:lvl1pPr>
+          </a:lstStyle>
+          <a:p>
+            <a:r>
+              <a:rPr lang="pt-BR" sz="3300" b="1" spc="300" dirty="0"/>
+              <a:t>HTML</a:t>
+            </a:r>
+          </a:p>
+        </p:txBody>
+      </p:sp>
+      <p:pic>
+        <p:nvPicPr>
+          <p:cNvPr id="1032" name="Picture 8" descr="Gmail API | Google for Developers">
+            <a:extLst>
+              <a:ext uri="{FF2B5EF4-FFF2-40B4-BE49-F238E27FC236}">
+                <a16:creationId xmlns:a16="http://schemas.microsoft.com/office/drawing/2014/main" id="{0FBFED4B-B829-50E4-BF26-BA29F9815879}"/>
+              </a:ext>
+            </a:extLst>
+          </p:cNvPr>
+          <p:cNvPicPr>
+            <a:picLocks noChangeAspect="1" noChangeArrowheads="1"/>
+          </p:cNvPicPr>
+          <p:nvPr/>
+        </p:nvPicPr>
+        <p:blipFill>
+          <a:blip r:embed="rId6">
+            <a:extLst>
+              <a:ext uri="{28A0092B-C50C-407E-A947-70E740481C1C}">
+                <a14:useLocalDpi xmlns:a14="http://schemas.microsoft.com/office/drawing/2010/main" val="0"/>
+              </a:ext>
+            </a:extLst>
+          </a:blip>
+          <a:srcRect/>
+          <a:stretch>
+            <a:fillRect/>
+          </a:stretch>
+        </p:blipFill>
+        <p:spPr bwMode="auto">
+          <a:xfrm>
+            <a:off x="9068017" y="1944673"/>
+            <a:ext cx="1237949" cy="1237950"/>
+          </a:xfrm>
+          <a:prstGeom prst="rect">
+            <a:avLst/>
+          </a:prstGeom>
+          <a:noFill/>
+          <a:extLst>
+            <a:ext uri="{909E8E84-426E-40DD-AFC4-6F175D3DCCD1}">
+              <a14:hiddenFill xmlns:a14="http://schemas.microsoft.com/office/drawing/2010/main">
+                <a:solidFill>
+                  <a:srgbClr val="FFFFFF"/>
+                </a:solidFill>
+              </a14:hiddenFill>
+            </a:ext>
+          </a:extLst>
+        </p:spPr>
+      </p:pic>
+      <p:sp>
+        <p:nvSpPr>
+          <p:cNvPr id="12" name="Título 1">
+            <a:extLst>
+              <a:ext uri="{FF2B5EF4-FFF2-40B4-BE49-F238E27FC236}">
+                <a16:creationId xmlns:a16="http://schemas.microsoft.com/office/drawing/2014/main" id="{544AD1AA-759A-E8D2-D227-EA3A1F668DB9}"/>
+              </a:ext>
+            </a:extLst>
+          </p:cNvPr>
+          <p:cNvSpPr txBox="1">
+            <a:spLocks/>
+          </p:cNvSpPr>
+          <p:nvPr/>
+        </p:nvSpPr>
+        <p:spPr>
+          <a:xfrm>
+            <a:off x="8608827" y="3255775"/>
+            <a:ext cx="2156328" cy="447074"/>
+          </a:xfrm>
+          <a:prstGeom prst="rect">
+            <a:avLst/>
+          </a:prstGeom>
+        </p:spPr>
+        <p:txBody>
+          <a:bodyPr vert="horz" lIns="91440" tIns="45720" rIns="91440" bIns="45720" rtlCol="0" anchor="ctr">
+            <a:normAutofit fontScale="67500" lnSpcReduction="20000"/>
+          </a:bodyPr>
+          <a:lstStyle>
+            <a:lvl1pPr algn="l" defTabSz="914400" rtl="0" eaLnBrk="1" latinLnBrk="0" hangingPunct="1">
+              <a:lnSpc>
+                <a:spcPct val="90000"/>
+              </a:lnSpc>
+              <a:spcBef>
+                <a:spcPct val="0"/>
+              </a:spcBef>
+              <a:buNone/>
+              <a:defRPr sz="4400" kern="1200">
+                <a:solidFill>
+                  <a:schemeClr val="tx1"/>
+                </a:solidFill>
+                <a:latin typeface="+mj-lt"/>
+                <a:ea typeface="+mj-ea"/>
+                <a:cs typeface="+mj-cs"/>
+              </a:defRPr>
+            </a:lvl1pPr>
+          </a:lstStyle>
+          <a:p>
+            <a:r>
+              <a:rPr lang="pt-BR" b="1" spc="300" dirty="0"/>
+              <a:t>Gmail API</a:t>
+            </a:r>
+          </a:p>
+        </p:txBody>
+      </p:sp>
+      <p:pic>
+        <p:nvPicPr>
+          <p:cNvPr id="1034" name="Picture 10" descr="PHP">
+            <a:extLst>
+              <a:ext uri="{FF2B5EF4-FFF2-40B4-BE49-F238E27FC236}">
+                <a16:creationId xmlns:a16="http://schemas.microsoft.com/office/drawing/2014/main" id="{FD72117E-ECCB-A0B8-A1F1-0148EC91B67D}"/>
+              </a:ext>
+            </a:extLst>
+          </p:cNvPr>
+          <p:cNvPicPr>
+            <a:picLocks noChangeAspect="1" noChangeArrowheads="1"/>
+          </p:cNvPicPr>
+          <p:nvPr/>
+        </p:nvPicPr>
+        <p:blipFill>
+          <a:blip r:embed="rId7">
+            <a:extLst>
+              <a:ext uri="{28A0092B-C50C-407E-A947-70E740481C1C}">
+                <a14:useLocalDpi xmlns:a14="http://schemas.microsoft.com/office/drawing/2010/main" val="0"/>
+              </a:ext>
+            </a:extLst>
+          </a:blip>
+          <a:srcRect/>
+          <a:stretch>
+            <a:fillRect/>
+          </a:stretch>
+        </p:blipFill>
+        <p:spPr bwMode="auto">
+          <a:xfrm>
+            <a:off x="706024" y="4221363"/>
+            <a:ext cx="1201030" cy="1201030"/>
+          </a:xfrm>
+          <a:prstGeom prst="rect">
+            <a:avLst/>
+          </a:prstGeom>
+          <a:noFill/>
+          <a:extLst>
+            <a:ext uri="{909E8E84-426E-40DD-AFC4-6F175D3DCCD1}">
+              <a14:hiddenFill xmlns:a14="http://schemas.microsoft.com/office/drawing/2010/main">
+                <a:solidFill>
+                  <a:srgbClr val="FFFFFF"/>
+                </a:solidFill>
+              </a14:hiddenFill>
+            </a:ext>
+          </a:extLst>
+        </p:spPr>
+      </p:pic>
+      <p:sp>
+        <p:nvSpPr>
+          <p:cNvPr id="13" name="Título 1">
+            <a:extLst>
+              <a:ext uri="{FF2B5EF4-FFF2-40B4-BE49-F238E27FC236}">
+                <a16:creationId xmlns:a16="http://schemas.microsoft.com/office/drawing/2014/main" id="{28AE520F-A57C-BE0A-7EF4-0728B5B798CE}"/>
+              </a:ext>
+            </a:extLst>
+          </p:cNvPr>
+          <p:cNvSpPr txBox="1">
+            <a:spLocks/>
+          </p:cNvSpPr>
+          <p:nvPr/>
+        </p:nvSpPr>
+        <p:spPr>
+          <a:xfrm>
+            <a:off x="814377" y="5609189"/>
+            <a:ext cx="1094758" cy="458117"/>
+          </a:xfrm>
+          <a:prstGeom prst="rect">
+            <a:avLst/>
+          </a:prstGeom>
+        </p:spPr>
+        <p:txBody>
+          <a:bodyPr vert="horz" lIns="91440" tIns="45720" rIns="91440" bIns="45720" rtlCol="0" anchor="ctr">
+            <a:normAutofit fontScale="67500" lnSpcReduction="20000"/>
+          </a:bodyPr>
+          <a:lstStyle>
+            <a:lvl1pPr algn="l" defTabSz="914400" rtl="0" eaLnBrk="1" latinLnBrk="0" hangingPunct="1">
+              <a:lnSpc>
+                <a:spcPct val="90000"/>
+              </a:lnSpc>
+              <a:spcBef>
+                <a:spcPct val="0"/>
+              </a:spcBef>
+              <a:buNone/>
+              <a:defRPr sz="4400" kern="1200">
+                <a:solidFill>
+                  <a:schemeClr val="tx1"/>
+                </a:solidFill>
+                <a:latin typeface="+mj-lt"/>
+                <a:ea typeface="+mj-ea"/>
+                <a:cs typeface="+mj-cs"/>
+              </a:defRPr>
+            </a:lvl1pPr>
+          </a:lstStyle>
+          <a:p>
+            <a:r>
+              <a:rPr lang="pt-BR" b="1" spc="300" dirty="0"/>
+              <a:t>PHP</a:t>
+            </a:r>
+          </a:p>
+        </p:txBody>
+      </p:sp>
+      <p:pic>
+        <p:nvPicPr>
+          <p:cNvPr id="1036" name="Picture 12" descr="12 weeks with Figma: A review from a developer">
+            <a:extLst>
+              <a:ext uri="{FF2B5EF4-FFF2-40B4-BE49-F238E27FC236}">
+                <a16:creationId xmlns:a16="http://schemas.microsoft.com/office/drawing/2014/main" id="{D780A79E-55FE-1A9E-2D7A-10FC194D2A2C}"/>
+              </a:ext>
+            </a:extLst>
+          </p:cNvPr>
+          <p:cNvPicPr>
+            <a:picLocks noChangeAspect="1" noChangeArrowheads="1"/>
+          </p:cNvPicPr>
+          <p:nvPr/>
+        </p:nvPicPr>
+        <p:blipFill>
+          <a:blip r:embed="rId8">
+            <a:extLst>
+              <a:ext uri="{28A0092B-C50C-407E-A947-70E740481C1C}">
+                <a14:useLocalDpi xmlns:a14="http://schemas.microsoft.com/office/drawing/2010/main" val="0"/>
+              </a:ext>
+            </a:extLst>
+          </a:blip>
+          <a:srcRect/>
+          <a:stretch>
+            <a:fillRect/>
+          </a:stretch>
+        </p:blipFill>
+        <p:spPr bwMode="auto">
+          <a:xfrm>
+            <a:off x="2787757" y="4208940"/>
+            <a:ext cx="1341878" cy="1341878"/>
+          </a:xfrm>
+          <a:prstGeom prst="rect">
+            <a:avLst/>
+          </a:prstGeom>
+          <a:noFill/>
+          <a:extLst>
+            <a:ext uri="{909E8E84-426E-40DD-AFC4-6F175D3DCCD1}">
+              <a14:hiddenFill xmlns:a14="http://schemas.microsoft.com/office/drawing/2010/main">
+                <a:solidFill>
+                  <a:srgbClr val="FFFFFF"/>
+                </a:solidFill>
+              </a14:hiddenFill>
+            </a:ext>
+          </a:extLst>
+        </p:spPr>
+      </p:pic>
+      <p:sp>
+        <p:nvSpPr>
+          <p:cNvPr id="14" name="Título 1">
+            <a:extLst>
+              <a:ext uri="{FF2B5EF4-FFF2-40B4-BE49-F238E27FC236}">
+                <a16:creationId xmlns:a16="http://schemas.microsoft.com/office/drawing/2014/main" id="{F92D754F-7EE7-A395-95E4-0C6ACC5405A2}"/>
+              </a:ext>
+            </a:extLst>
+          </p:cNvPr>
+          <p:cNvSpPr txBox="1">
+            <a:spLocks/>
+          </p:cNvSpPr>
+          <p:nvPr/>
+        </p:nvSpPr>
+        <p:spPr>
+          <a:xfrm>
+            <a:off x="2799830" y="5605763"/>
+            <a:ext cx="1384733" cy="447074"/>
+          </a:xfrm>
+          <a:prstGeom prst="rect">
+            <a:avLst/>
+          </a:prstGeom>
+        </p:spPr>
+        <p:txBody>
+          <a:bodyPr vert="horz" lIns="91440" tIns="45720" rIns="91440" bIns="45720" rtlCol="0" anchor="ctr">
+            <a:noAutofit/>
+          </a:bodyPr>
+          <a:lstStyle>
+            <a:lvl1pPr algn="l" defTabSz="914400" rtl="0" eaLnBrk="1" latinLnBrk="0" hangingPunct="1">
+              <a:lnSpc>
+                <a:spcPct val="90000"/>
+              </a:lnSpc>
+              <a:spcBef>
+                <a:spcPct val="0"/>
+              </a:spcBef>
+              <a:buNone/>
+              <a:defRPr sz="4400" kern="1200">
+                <a:solidFill>
+                  <a:schemeClr val="tx1"/>
+                </a:solidFill>
+                <a:latin typeface="+mj-lt"/>
+                <a:ea typeface="+mj-ea"/>
+                <a:cs typeface="+mj-cs"/>
+              </a:defRPr>
+            </a:lvl1pPr>
+          </a:lstStyle>
+          <a:p>
+            <a:r>
+              <a:rPr lang="pt-BR" sz="3000" b="1" spc="300" dirty="0"/>
+              <a:t>Figma</a:t>
+            </a:r>
+          </a:p>
+        </p:txBody>
+      </p:sp>
+      <p:pic>
+        <p:nvPicPr>
+          <p:cNvPr id="1038" name="Picture 14" descr="PhpStorm | OSB Software - Parceiro Oficial no Brasil">
+            <a:extLst>
+              <a:ext uri="{FF2B5EF4-FFF2-40B4-BE49-F238E27FC236}">
+                <a16:creationId xmlns:a16="http://schemas.microsoft.com/office/drawing/2014/main" id="{3D1447FE-3E0A-A8A7-D5DB-81FBA6565B1D}"/>
+              </a:ext>
+            </a:extLst>
+          </p:cNvPr>
+          <p:cNvPicPr>
+            <a:picLocks noChangeAspect="1" noChangeArrowheads="1"/>
+          </p:cNvPicPr>
+          <p:nvPr/>
+        </p:nvPicPr>
+        <p:blipFill>
+          <a:blip r:embed="rId9">
+            <a:extLst>
+              <a:ext uri="{28A0092B-C50C-407E-A947-70E740481C1C}">
+                <a14:useLocalDpi xmlns:a14="http://schemas.microsoft.com/office/drawing/2010/main" val="0"/>
+              </a:ext>
+            </a:extLst>
+          </a:blip>
+          <a:srcRect/>
+          <a:stretch>
+            <a:fillRect/>
+          </a:stretch>
+        </p:blipFill>
+        <p:spPr bwMode="auto">
+          <a:xfrm>
+            <a:off x="5189728" y="4150938"/>
+            <a:ext cx="1341879" cy="1341879"/>
+          </a:xfrm>
+          <a:prstGeom prst="rect">
+            <a:avLst/>
+          </a:prstGeom>
+          <a:noFill/>
+          <a:extLst>
+            <a:ext uri="{909E8E84-426E-40DD-AFC4-6F175D3DCCD1}">
+              <a14:hiddenFill xmlns:a14="http://schemas.microsoft.com/office/drawing/2010/main">
+                <a:solidFill>
+                  <a:srgbClr val="FFFFFF"/>
+                </a:solidFill>
+              </a14:hiddenFill>
+            </a:ext>
+          </a:extLst>
+        </p:spPr>
+      </p:pic>
+      <p:sp>
+        <p:nvSpPr>
+          <p:cNvPr id="15" name="Título 1">
+            <a:extLst>
+              <a:ext uri="{FF2B5EF4-FFF2-40B4-BE49-F238E27FC236}">
+                <a16:creationId xmlns:a16="http://schemas.microsoft.com/office/drawing/2014/main" id="{48D8975E-F838-3878-3F87-0828D90BFF6D}"/>
+              </a:ext>
+            </a:extLst>
+          </p:cNvPr>
+          <p:cNvSpPr txBox="1">
+            <a:spLocks/>
+          </p:cNvSpPr>
+          <p:nvPr/>
+        </p:nvSpPr>
+        <p:spPr>
+          <a:xfrm>
+            <a:off x="4920319" y="5583677"/>
+            <a:ext cx="2316455" cy="469160"/>
+          </a:xfrm>
+          <a:prstGeom prst="rect">
+            <a:avLst/>
+          </a:prstGeom>
+        </p:spPr>
+        <p:txBody>
+          <a:bodyPr vert="horz" lIns="91440" tIns="45720" rIns="91440" bIns="45720" rtlCol="0" anchor="ctr">
+            <a:noAutofit/>
+          </a:bodyPr>
+          <a:lstStyle>
+            <a:lvl1pPr algn="l" defTabSz="914400" rtl="0" eaLnBrk="1" latinLnBrk="0" hangingPunct="1">
+              <a:lnSpc>
+                <a:spcPct val="90000"/>
+              </a:lnSpc>
+              <a:spcBef>
+                <a:spcPct val="0"/>
+              </a:spcBef>
+              <a:buNone/>
+              <a:defRPr sz="4400" kern="1200">
+                <a:solidFill>
+                  <a:schemeClr val="tx1"/>
+                </a:solidFill>
+                <a:latin typeface="+mj-lt"/>
+                <a:ea typeface="+mj-ea"/>
+                <a:cs typeface="+mj-cs"/>
+              </a:defRPr>
+            </a:lvl1pPr>
+          </a:lstStyle>
+          <a:p>
+            <a:r>
+              <a:rPr lang="pt-BR" sz="3000" b="1" spc="300" dirty="0"/>
+              <a:t>PhpStorm</a:t>
+            </a:r>
+          </a:p>
+        </p:txBody>
+      </p:sp>
+      <p:pic>
+        <p:nvPicPr>
+          <p:cNvPr id="1042" name="Picture 18" descr="Git · GitHub">
+            <a:extLst>
+              <a:ext uri="{FF2B5EF4-FFF2-40B4-BE49-F238E27FC236}">
+                <a16:creationId xmlns:a16="http://schemas.microsoft.com/office/drawing/2014/main" id="{E4A3166B-98D3-BD5D-1DF2-3355070CA5E9}"/>
+              </a:ext>
+            </a:extLst>
+          </p:cNvPr>
+          <p:cNvPicPr>
+            <a:picLocks noChangeAspect="1" noChangeArrowheads="1"/>
+          </p:cNvPicPr>
+          <p:nvPr/>
+        </p:nvPicPr>
+        <p:blipFill>
+          <a:blip r:embed="rId10">
+            <a:extLst>
+              <a:ext uri="{28A0092B-C50C-407E-A947-70E740481C1C}">
+                <a14:useLocalDpi xmlns:a14="http://schemas.microsoft.com/office/drawing/2010/main" val="0"/>
+              </a:ext>
+            </a:extLst>
+          </a:blip>
+          <a:srcRect/>
+          <a:stretch>
+            <a:fillRect/>
+          </a:stretch>
+        </p:blipFill>
+        <p:spPr bwMode="auto">
+          <a:xfrm>
+            <a:off x="7847117" y="4150938"/>
+            <a:ext cx="1341879" cy="1341879"/>
+          </a:xfrm>
+          <a:prstGeom prst="rect">
+            <a:avLst/>
+          </a:prstGeom>
+          <a:noFill/>
+          <a:extLst>
+            <a:ext uri="{909E8E84-426E-40DD-AFC4-6F175D3DCCD1}">
+              <a14:hiddenFill xmlns:a14="http://schemas.microsoft.com/office/drawing/2010/main">
+                <a:solidFill>
+                  <a:srgbClr val="FFFFFF"/>
+                </a:solidFill>
+              </a14:hiddenFill>
+            </a:ext>
+          </a:extLst>
+        </p:spPr>
+      </p:pic>
+      <p:sp>
+        <p:nvSpPr>
+          <p:cNvPr id="16" name="Título 1">
+            <a:extLst>
+              <a:ext uri="{FF2B5EF4-FFF2-40B4-BE49-F238E27FC236}">
+                <a16:creationId xmlns:a16="http://schemas.microsoft.com/office/drawing/2014/main" id="{C4615ACE-4A7A-0F99-7748-8C5528D597A0}"/>
+              </a:ext>
+            </a:extLst>
+          </p:cNvPr>
+          <p:cNvSpPr txBox="1">
+            <a:spLocks/>
+          </p:cNvSpPr>
+          <p:nvPr/>
+        </p:nvSpPr>
+        <p:spPr>
+          <a:xfrm>
+            <a:off x="8103403" y="5601231"/>
+            <a:ext cx="829305" cy="447074"/>
+          </a:xfrm>
+          <a:prstGeom prst="rect">
+            <a:avLst/>
+          </a:prstGeom>
+        </p:spPr>
+        <p:txBody>
+          <a:bodyPr vert="horz" lIns="91440" tIns="45720" rIns="91440" bIns="45720" rtlCol="0" anchor="ctr">
+            <a:noAutofit/>
+          </a:bodyPr>
+          <a:lstStyle>
+            <a:lvl1pPr algn="l" defTabSz="914400" rtl="0" eaLnBrk="1" latinLnBrk="0" hangingPunct="1">
+              <a:lnSpc>
+                <a:spcPct val="90000"/>
+              </a:lnSpc>
+              <a:spcBef>
+                <a:spcPct val="0"/>
+              </a:spcBef>
+              <a:buNone/>
+              <a:defRPr sz="4400" kern="1200">
+                <a:solidFill>
+                  <a:schemeClr val="tx1"/>
+                </a:solidFill>
+                <a:latin typeface="+mj-lt"/>
+                <a:ea typeface="+mj-ea"/>
+                <a:cs typeface="+mj-cs"/>
+              </a:defRPr>
+            </a:lvl1pPr>
+          </a:lstStyle>
+          <a:p>
+            <a:r>
+              <a:rPr lang="pt-BR" sz="3000" b="1" spc="300" dirty="0"/>
+              <a:t>Git</a:t>
+            </a:r>
+          </a:p>
+        </p:txBody>
+      </p:sp>
+      <p:pic>
+        <p:nvPicPr>
+          <p:cNvPr id="3" name="Picture 2" descr="Node.js – Wikipédia, a enciclopédia livre">
+            <a:extLst>
+              <a:ext uri="{FF2B5EF4-FFF2-40B4-BE49-F238E27FC236}">
+                <a16:creationId xmlns:a16="http://schemas.microsoft.com/office/drawing/2014/main" id="{D9C619DA-20DC-D164-60FC-058C24373D9C}"/>
+              </a:ext>
+            </a:extLst>
+          </p:cNvPr>
+          <p:cNvPicPr>
+            <a:picLocks noChangeAspect="1" noChangeArrowheads="1"/>
+          </p:cNvPicPr>
+          <p:nvPr/>
+        </p:nvPicPr>
+        <p:blipFill>
+          <a:blip r:embed="rId11">
+            <a:extLst>
+              <a:ext uri="{28A0092B-C50C-407E-A947-70E740481C1C}">
+                <a14:useLocalDpi xmlns:a14="http://schemas.microsoft.com/office/drawing/2010/main" val="0"/>
+              </a:ext>
+            </a:extLst>
+          </a:blip>
+          <a:srcRect/>
+          <a:stretch>
+            <a:fillRect/>
+          </a:stretch>
+        </p:blipFill>
+        <p:spPr bwMode="auto">
+          <a:xfrm>
+            <a:off x="10077912" y="4350362"/>
+            <a:ext cx="1537782" cy="943030"/>
+          </a:xfrm>
+          <a:prstGeom prst="rect">
+            <a:avLst/>
+          </a:prstGeom>
+          <a:noFill/>
+          <a:extLst>
+            <a:ext uri="{909E8E84-426E-40DD-AFC4-6F175D3DCCD1}">
+              <a14:hiddenFill xmlns:a14="http://schemas.microsoft.com/office/drawing/2010/main">
+                <a:solidFill>
+                  <a:srgbClr val="FFFFFF"/>
+                </a:solidFill>
+              </a14:hiddenFill>
+            </a:ext>
+          </a:extLst>
+        </p:spPr>
+      </p:pic>
+      <p:sp>
+        <p:nvSpPr>
+          <p:cNvPr id="5" name="Título 1">
+            <a:extLst>
+              <a:ext uri="{FF2B5EF4-FFF2-40B4-BE49-F238E27FC236}">
+                <a16:creationId xmlns:a16="http://schemas.microsoft.com/office/drawing/2014/main" id="{8A31DD26-FA5D-C2F2-0FED-B42836B03DB1}"/>
+              </a:ext>
+            </a:extLst>
+          </p:cNvPr>
+          <p:cNvSpPr txBox="1">
+            <a:spLocks/>
+          </p:cNvSpPr>
+          <p:nvPr/>
+        </p:nvSpPr>
+        <p:spPr>
+          <a:xfrm>
+            <a:off x="9974580" y="5583677"/>
+            <a:ext cx="1759850" cy="447074"/>
+          </a:xfrm>
+          <a:prstGeom prst="rect">
+            <a:avLst/>
+          </a:prstGeom>
+        </p:spPr>
+        <p:txBody>
+          <a:bodyPr vert="horz" lIns="91440" tIns="45720" rIns="91440" bIns="45720" rtlCol="0" anchor="ctr">
+            <a:noAutofit/>
+          </a:bodyPr>
+          <a:lstStyle>
+            <a:lvl1pPr algn="l" defTabSz="914400" rtl="0" eaLnBrk="1" latinLnBrk="0" hangingPunct="1">
+              <a:lnSpc>
+                <a:spcPct val="90000"/>
+              </a:lnSpc>
+              <a:spcBef>
+                <a:spcPct val="0"/>
+              </a:spcBef>
+              <a:buNone/>
+              <a:defRPr sz="4400" kern="1200">
+                <a:solidFill>
+                  <a:schemeClr val="tx1"/>
+                </a:solidFill>
+                <a:latin typeface="+mj-lt"/>
+                <a:ea typeface="+mj-ea"/>
+                <a:cs typeface="+mj-cs"/>
+              </a:defRPr>
+            </a:lvl1pPr>
+          </a:lstStyle>
+          <a:p>
+            <a:r>
+              <a:rPr lang="pt-BR" sz="3000" b="1" spc="300" dirty="0"/>
+              <a:t>Node.js</a:t>
+            </a:r>
+          </a:p>
+        </p:txBody>
+      </p:sp>
+    </p:spTree>
+    <p:extLst>
+      <p:ext uri="{BB962C8B-B14F-4D97-AF65-F5344CB8AC3E}">
+        <p14:creationId xmlns:p14="http://schemas.microsoft.com/office/powerpoint/2010/main" val="2506206066"/>
       </p:ext>
     </p:extLst>
   </p:cSld>
@@ -3462,6 +8223,118 @@
           <a:chExt cx="0" cy="0"/>
         </a:xfrm>
       </p:grpSpPr>
+      <p:sp>
+        <p:nvSpPr>
+          <p:cNvPr id="14" name="Retângulo 13">
+            <a:extLst>
+              <a:ext uri="{FF2B5EF4-FFF2-40B4-BE49-F238E27FC236}">
+                <a16:creationId xmlns:a16="http://schemas.microsoft.com/office/drawing/2014/main" id="{6C87C4C4-7889-40D8-92D4-A73E89CFFA75}"/>
+              </a:ext>
+            </a:extLst>
+          </p:cNvPr>
+          <p:cNvSpPr/>
+          <p:nvPr/>
+        </p:nvSpPr>
+        <p:spPr>
+          <a:xfrm>
+            <a:off x="7085134" y="2626032"/>
+            <a:ext cx="4275992" cy="3136142"/>
+          </a:xfrm>
+          <a:prstGeom prst="rect">
+            <a:avLst/>
+          </a:prstGeom>
+          <a:noFill/>
+          <a:ln w="57150">
+            <a:solidFill>
+              <a:srgbClr val="0568E6"/>
+            </a:solidFill>
+          </a:ln>
+          <a:effectLst>
+            <a:outerShdw blurRad="76200" dir="18900000" sy="23000" kx="-1200000" algn="bl" rotWithShape="0">
+              <a:prstClr val="black">
+                <a:alpha val="20000"/>
+              </a:prstClr>
+            </a:outerShdw>
+          </a:effectLst>
+        </p:spPr>
+        <p:style>
+          <a:lnRef idx="2">
+            <a:schemeClr val="accent1">
+              <a:shade val="50000"/>
+            </a:schemeClr>
+          </a:lnRef>
+          <a:fillRef idx="1">
+            <a:schemeClr val="accent1"/>
+          </a:fillRef>
+          <a:effectRef idx="0">
+            <a:schemeClr val="accent1"/>
+          </a:effectRef>
+          <a:fontRef idx="minor">
+            <a:schemeClr val="lt1"/>
+          </a:fontRef>
+        </p:style>
+        <p:txBody>
+          <a:bodyPr rtlCol="0" anchor="ctr"/>
+          <a:lstStyle/>
+          <a:p>
+            <a:pPr algn="ctr"/>
+            <a:endParaRPr lang="pt-BR"/>
+          </a:p>
+        </p:txBody>
+      </p:sp>
+      <p:sp>
+        <p:nvSpPr>
+          <p:cNvPr id="17" name="Retângulo 16">
+            <a:extLst>
+              <a:ext uri="{FF2B5EF4-FFF2-40B4-BE49-F238E27FC236}">
+                <a16:creationId xmlns:a16="http://schemas.microsoft.com/office/drawing/2014/main" id="{BF902C45-C98E-44E8-AF50-5BD2F92A65A4}"/>
+              </a:ext>
+            </a:extLst>
+          </p:cNvPr>
+          <p:cNvSpPr/>
+          <p:nvPr/>
+        </p:nvSpPr>
+        <p:spPr>
+          <a:xfrm>
+            <a:off x="7128838" y="2682117"/>
+            <a:ext cx="4188583" cy="3023970"/>
+          </a:xfrm>
+          <a:prstGeom prst="rect">
+            <a:avLst/>
+          </a:prstGeom>
+          <a:solidFill>
+            <a:schemeClr val="bg1"/>
+          </a:solidFill>
+          <a:ln w="57150">
+            <a:noFill/>
+          </a:ln>
+          <a:effectLst/>
+        </p:spPr>
+        <p:style>
+          <a:lnRef idx="2">
+            <a:schemeClr val="accent1">
+              <a:shade val="50000"/>
+            </a:schemeClr>
+          </a:lnRef>
+          <a:fillRef idx="1">
+            <a:schemeClr val="accent1"/>
+          </a:fillRef>
+          <a:effectRef idx="0">
+            <a:schemeClr val="accent1"/>
+          </a:effectRef>
+          <a:fontRef idx="minor">
+            <a:schemeClr val="lt1"/>
+          </a:fontRef>
+        </p:style>
+        <p:txBody>
+          <a:bodyPr rtlCol="0" anchor="ctr"/>
+          <a:lstStyle/>
+          <a:p>
+            <a:pPr algn="ctr"/>
+            <a:endParaRPr lang="pt-BR"/>
+          </a:p>
+        </p:txBody>
+      </p:sp>
       <p:pic>
         <p:nvPicPr>
           <p:cNvPr id="6" name="Imagem 5" descr="Logotipo, nome da empresa">
@@ -3476,7 +8349,7 @@
           </p:cNvPicPr>
           <p:nvPr/>
         </p:nvPicPr>
-        <p:blipFill>
+        <p:blipFill rotWithShape="1">
           <a:blip r:embed="rId2">
             <a:extLst>
               <a:ext uri="{28A0092B-C50C-407E-A947-70E740481C1C}">
@@ -3484,14 +8357,13 @@
               </a:ext>
             </a:extLst>
           </a:blip>
-          <a:stretch>
-            <a:fillRect/>
-          </a:stretch>
+          <a:srcRect l="21618" t="27395" r="21545" b="32057"/>
+          <a:stretch/>
         </p:blipFill>
         <p:spPr>
           <a:xfrm>
-            <a:off x="3466240" y="799240"/>
-            <a:ext cx="5259520" cy="5259520"/>
+            <a:off x="7803173" y="3165402"/>
+            <a:ext cx="2839914" cy="2057401"/>
           </a:xfrm>
           <a:prstGeom prst="rect">
             <a:avLst/>
@@ -3512,8 +8384,8 @@
         </p:nvSpPr>
         <p:spPr>
           <a:xfrm>
-            <a:off x="2534416" y="1478605"/>
-            <a:ext cx="7123168" cy="584775"/>
+            <a:off x="8526465" y="1692836"/>
+            <a:ext cx="1393330" cy="707886"/>
           </a:xfrm>
           <a:prstGeom prst="rect">
             <a:avLst/>
@@ -3527,9 +8399,449 @@
           <a:lstStyle/>
           <a:p>
             <a:r>
-              <a:rPr lang="pt-BR" sz="3200" dirty="0"/>
-              <a:t>Logo da empresa prestadora de serviço</a:t>
-            </a:r>
+              <a:rPr lang="pt-BR" sz="4000" b="1" dirty="0">
+                <a:solidFill>
+                  <a:srgbClr val="0568E6"/>
+                </a:solidFill>
+                <a:latin typeface="Segoe UI" panose="020B0502040204020203" pitchFamily="34" charset="0"/>
+                <a:cs typeface="Segoe UI" panose="020B0502040204020203" pitchFamily="34" charset="0"/>
+              </a:rPr>
+              <a:t>Logo</a:t>
+            </a:r>
+          </a:p>
+        </p:txBody>
+      </p:sp>
+      <p:sp>
+        <p:nvSpPr>
+          <p:cNvPr id="7" name="Retângulo 6">
+            <a:extLst>
+              <a:ext uri="{FF2B5EF4-FFF2-40B4-BE49-F238E27FC236}">
+                <a16:creationId xmlns:a16="http://schemas.microsoft.com/office/drawing/2014/main" id="{3F507882-C199-4B33-B90C-5E3DC56631FE}"/>
+              </a:ext>
+            </a:extLst>
+          </p:cNvPr>
+          <p:cNvSpPr/>
+          <p:nvPr/>
+        </p:nvSpPr>
+        <p:spPr>
+          <a:xfrm>
+            <a:off x="5271428" y="429908"/>
+            <a:ext cx="5894802" cy="369332"/>
+          </a:xfrm>
+          <a:prstGeom prst="rect">
+            <a:avLst/>
+          </a:prstGeom>
+        </p:spPr>
+        <p:txBody>
+          <a:bodyPr wrap="square">
+            <a:spAutoFit/>
+          </a:bodyPr>
+          <a:lstStyle/>
+          <a:p>
+            <a:r>
+              <a:rPr lang="pt-BR" dirty="0">
+                <a:solidFill>
+                  <a:srgbClr val="000000"/>
+                </a:solidFill>
+                <a:latin typeface="Times New Roman" panose="02020603050405020304" pitchFamily="18" charset="0"/>
+              </a:rPr>
+              <a:t> </a:t>
+            </a:r>
+            <a:endParaRPr lang="pt-BR" dirty="0"/>
+          </a:p>
+        </p:txBody>
+      </p:sp>
+      <p:sp>
+        <p:nvSpPr>
+          <p:cNvPr id="9" name="Retângulo 8">
+            <a:extLst>
+              <a:ext uri="{FF2B5EF4-FFF2-40B4-BE49-F238E27FC236}">
+                <a16:creationId xmlns:a16="http://schemas.microsoft.com/office/drawing/2014/main" id="{EDF24AB7-AFCC-407D-8280-3D8972711769}"/>
+              </a:ext>
+            </a:extLst>
+          </p:cNvPr>
+          <p:cNvSpPr/>
+          <p:nvPr/>
+        </p:nvSpPr>
+        <p:spPr>
+          <a:xfrm>
+            <a:off x="374677" y="2059983"/>
+            <a:ext cx="2199641" cy="461665"/>
+          </a:xfrm>
+          <a:prstGeom prst="rect">
+            <a:avLst/>
+          </a:prstGeom>
+        </p:spPr>
+        <p:txBody>
+          <a:bodyPr wrap="none">
+            <a:spAutoFit/>
+          </a:bodyPr>
+          <a:lstStyle/>
+          <a:p>
+            <a:r>
+              <a:rPr lang="pt-BR" sz="2400" b="1" dirty="0">
+                <a:solidFill>
+                  <a:srgbClr val="0568E6"/>
+                </a:solidFill>
+                <a:latin typeface="Segoe UI" panose="020B0502040204020203" pitchFamily="34" charset="0"/>
+                <a:cs typeface="Segoe UI" panose="020B0502040204020203" pitchFamily="34" charset="0"/>
+              </a:rPr>
+              <a:t>Quem somos?</a:t>
+            </a:r>
+            <a:endParaRPr lang="pt-BR" sz="2400" dirty="0">
+              <a:solidFill>
+                <a:srgbClr val="0568E6"/>
+              </a:solidFill>
+              <a:latin typeface="Segoe UI" panose="020B0502040204020203" pitchFamily="34" charset="0"/>
+              <a:cs typeface="Segoe UI" panose="020B0502040204020203" pitchFamily="34" charset="0"/>
+            </a:endParaRPr>
+          </a:p>
+        </p:txBody>
+      </p:sp>
+      <p:sp>
+        <p:nvSpPr>
+          <p:cNvPr id="2" name="Retângulo 1">
+            <a:extLst>
+              <a:ext uri="{FF2B5EF4-FFF2-40B4-BE49-F238E27FC236}">
+                <a16:creationId xmlns:a16="http://schemas.microsoft.com/office/drawing/2014/main" id="{98570DA3-5697-48D1-90E9-538124461F75}"/>
+              </a:ext>
+            </a:extLst>
+          </p:cNvPr>
+          <p:cNvSpPr/>
+          <p:nvPr/>
+        </p:nvSpPr>
+        <p:spPr>
+          <a:xfrm>
+            <a:off x="448408" y="2485619"/>
+            <a:ext cx="3798277" cy="45719"/>
+          </a:xfrm>
+          <a:prstGeom prst="rect">
+            <a:avLst/>
+          </a:prstGeom>
+          <a:solidFill>
+            <a:srgbClr val="0568E6"/>
+          </a:solidFill>
+          <a:ln>
+            <a:noFill/>
+          </a:ln>
+          <a:effectLst>
+            <a:outerShdw blurRad="50800" dist="38100" dir="2700000" algn="tl" rotWithShape="0">
+              <a:prstClr val="black">
+                <a:alpha val="40000"/>
+              </a:prstClr>
+            </a:outerShdw>
+          </a:effectLst>
+        </p:spPr>
+        <p:style>
+          <a:lnRef idx="2">
+            <a:schemeClr val="accent1">
+              <a:shade val="50000"/>
+            </a:schemeClr>
+          </a:lnRef>
+          <a:fillRef idx="1">
+            <a:schemeClr val="accent1"/>
+          </a:fillRef>
+          <a:effectRef idx="0">
+            <a:schemeClr val="accent1"/>
+          </a:effectRef>
+          <a:fontRef idx="minor">
+            <a:schemeClr val="lt1"/>
+          </a:fontRef>
+        </p:style>
+        <p:txBody>
+          <a:bodyPr rtlCol="0" anchor="ctr"/>
+          <a:lstStyle/>
+          <a:p>
+            <a:pPr algn="ctr"/>
+            <a:endParaRPr lang="pt-BR"/>
+          </a:p>
+        </p:txBody>
+      </p:sp>
+      <p:sp>
+        <p:nvSpPr>
+          <p:cNvPr id="3" name="Retângulo 2">
+            <a:extLst>
+              <a:ext uri="{FF2B5EF4-FFF2-40B4-BE49-F238E27FC236}">
+                <a16:creationId xmlns:a16="http://schemas.microsoft.com/office/drawing/2014/main" id="{FBF243CB-15E3-40D4-AFD4-E467F4D008F6}"/>
+              </a:ext>
+            </a:extLst>
+          </p:cNvPr>
+          <p:cNvSpPr/>
+          <p:nvPr/>
+        </p:nvSpPr>
+        <p:spPr>
+          <a:xfrm>
+            <a:off x="448408" y="2626032"/>
+            <a:ext cx="6096000" cy="923330"/>
+          </a:xfrm>
+          <a:prstGeom prst="rect">
+            <a:avLst/>
+          </a:prstGeom>
+        </p:spPr>
+        <p:txBody>
+          <a:bodyPr>
+            <a:spAutoFit/>
+          </a:bodyPr>
+          <a:lstStyle/>
+          <a:p>
+            <a:r>
+              <a:rPr lang="pt-BR" dirty="0">
+                <a:solidFill>
+                  <a:srgbClr val="37475C"/>
+                </a:solidFill>
+              </a:rPr>
+              <a:t>Somos uma empresa especializada em Desenvolvimento de Software, buscamos não só entregar softwares de qualidade, mas, sim soluções tecnológicas a sua empresa ou negócio.</a:t>
+            </a:r>
+          </a:p>
+        </p:txBody>
+      </p:sp>
+      <p:sp>
+        <p:nvSpPr>
+          <p:cNvPr id="5" name="Retângulo 4">
+            <a:extLst>
+              <a:ext uri="{FF2B5EF4-FFF2-40B4-BE49-F238E27FC236}">
+                <a16:creationId xmlns:a16="http://schemas.microsoft.com/office/drawing/2014/main" id="{2651DA66-E0BB-4342-B6BC-64F65A1E07A8}"/>
+              </a:ext>
+            </a:extLst>
+          </p:cNvPr>
+          <p:cNvSpPr/>
+          <p:nvPr/>
+        </p:nvSpPr>
+        <p:spPr>
+          <a:xfrm>
+            <a:off x="448408" y="4405447"/>
+            <a:ext cx="6096000" cy="1200329"/>
+          </a:xfrm>
+          <a:prstGeom prst="rect">
+            <a:avLst/>
+          </a:prstGeom>
+        </p:spPr>
+        <p:txBody>
+          <a:bodyPr>
+            <a:spAutoFit/>
+          </a:bodyPr>
+          <a:lstStyle/>
+          <a:p>
+            <a:r>
+              <a:rPr lang="pt-BR" dirty="0">
+                <a:solidFill>
+                  <a:srgbClr val="37475C"/>
+                </a:solidFill>
+              </a:rPr>
+              <a:t>Desenvolver soluções de software que capacitem empresas e indivíduos a alcançar seu potencial máximo, por meio de tecnologias inovadoras, eficientes e personalizadas, sempre priorizando a qualidade, segurança e experiência do usuário</a:t>
+            </a:r>
+          </a:p>
+        </p:txBody>
+      </p:sp>
+      <p:sp>
+        <p:nvSpPr>
+          <p:cNvPr id="11" name="Retângulo 10">
+            <a:extLst>
+              <a:ext uri="{FF2B5EF4-FFF2-40B4-BE49-F238E27FC236}">
+                <a16:creationId xmlns:a16="http://schemas.microsoft.com/office/drawing/2014/main" id="{4A656805-6B1A-4F04-AFA6-F498AFC84661}"/>
+              </a:ext>
+            </a:extLst>
+          </p:cNvPr>
+          <p:cNvSpPr/>
+          <p:nvPr/>
+        </p:nvSpPr>
+        <p:spPr>
+          <a:xfrm>
+            <a:off x="374677" y="3784836"/>
+            <a:ext cx="2564292" cy="461665"/>
+          </a:xfrm>
+          <a:prstGeom prst="rect">
+            <a:avLst/>
+          </a:prstGeom>
+        </p:spPr>
+        <p:txBody>
+          <a:bodyPr wrap="none">
+            <a:spAutoFit/>
+          </a:bodyPr>
+          <a:lstStyle/>
+          <a:p>
+            <a:r>
+              <a:rPr lang="pt-BR" sz="2400" b="1" dirty="0">
+                <a:solidFill>
+                  <a:srgbClr val="0568E6"/>
+                </a:solidFill>
+                <a:latin typeface="Segoe UI" panose="020B0502040204020203" pitchFamily="34" charset="0"/>
+                <a:cs typeface="Segoe UI" panose="020B0502040204020203" pitchFamily="34" charset="0"/>
+              </a:rPr>
+              <a:t>Nosso propósito</a:t>
+            </a:r>
+            <a:endParaRPr lang="pt-BR" sz="2400" dirty="0">
+              <a:solidFill>
+                <a:srgbClr val="0568E6"/>
+              </a:solidFill>
+              <a:latin typeface="Segoe UI" panose="020B0502040204020203" pitchFamily="34" charset="0"/>
+              <a:cs typeface="Segoe UI" panose="020B0502040204020203" pitchFamily="34" charset="0"/>
+            </a:endParaRPr>
+          </a:p>
+        </p:txBody>
+      </p:sp>
+      <p:sp>
+        <p:nvSpPr>
+          <p:cNvPr id="12" name="Retângulo 11">
+            <a:extLst>
+              <a:ext uri="{FF2B5EF4-FFF2-40B4-BE49-F238E27FC236}">
+                <a16:creationId xmlns:a16="http://schemas.microsoft.com/office/drawing/2014/main" id="{442BF6C8-03FF-4997-8E47-5B19F02CC94F}"/>
+              </a:ext>
+            </a:extLst>
+          </p:cNvPr>
+          <p:cNvSpPr/>
+          <p:nvPr/>
+        </p:nvSpPr>
+        <p:spPr>
+          <a:xfrm>
+            <a:off x="448408" y="4210472"/>
+            <a:ext cx="3798277" cy="45719"/>
+          </a:xfrm>
+          <a:prstGeom prst="rect">
+            <a:avLst/>
+          </a:prstGeom>
+          <a:solidFill>
+            <a:srgbClr val="0568E6"/>
+          </a:solidFill>
+          <a:ln>
+            <a:noFill/>
+          </a:ln>
+          <a:effectLst>
+            <a:outerShdw blurRad="50800" dist="38100" dir="2700000" algn="tl" rotWithShape="0">
+              <a:prstClr val="black">
+                <a:alpha val="40000"/>
+              </a:prstClr>
+            </a:outerShdw>
+          </a:effectLst>
+        </p:spPr>
+        <p:style>
+          <a:lnRef idx="2">
+            <a:schemeClr val="accent1">
+              <a:shade val="50000"/>
+            </a:schemeClr>
+          </a:lnRef>
+          <a:fillRef idx="1">
+            <a:schemeClr val="accent1"/>
+          </a:fillRef>
+          <a:effectRef idx="0">
+            <a:schemeClr val="accent1"/>
+          </a:effectRef>
+          <a:fontRef idx="minor">
+            <a:schemeClr val="lt1"/>
+          </a:fontRef>
+        </p:style>
+        <p:txBody>
+          <a:bodyPr rtlCol="0" anchor="ctr"/>
+          <a:lstStyle/>
+          <a:p>
+            <a:pPr algn="ctr"/>
+            <a:endParaRPr lang="pt-BR"/>
+          </a:p>
+        </p:txBody>
+      </p:sp>
+      <p:sp>
+        <p:nvSpPr>
+          <p:cNvPr id="13" name="Retângulo 12">
+            <a:extLst>
+              <a:ext uri="{FF2B5EF4-FFF2-40B4-BE49-F238E27FC236}">
+                <a16:creationId xmlns:a16="http://schemas.microsoft.com/office/drawing/2014/main" id="{D5BE73F8-0F66-4145-B520-D1CA53C028EF}"/>
+              </a:ext>
+            </a:extLst>
+          </p:cNvPr>
+          <p:cNvSpPr/>
+          <p:nvPr/>
+        </p:nvSpPr>
+        <p:spPr>
+          <a:xfrm>
+            <a:off x="3942837" y="0"/>
+            <a:ext cx="4275992" cy="270830"/>
+          </a:xfrm>
+          <a:prstGeom prst="rect">
+            <a:avLst/>
+          </a:prstGeom>
+          <a:solidFill>
+            <a:srgbClr val="0568E6"/>
+          </a:solidFill>
+          <a:ln>
+            <a:noFill/>
+          </a:ln>
+          <a:effectLst>
+            <a:outerShdw blurRad="50800" dist="38100" dir="5400000" algn="t" rotWithShape="0">
+              <a:prstClr val="black">
+                <a:alpha val="40000"/>
+              </a:prstClr>
+            </a:outerShdw>
+          </a:effectLst>
+        </p:spPr>
+        <p:style>
+          <a:lnRef idx="2">
+            <a:schemeClr val="accent1">
+              <a:shade val="50000"/>
+            </a:schemeClr>
+          </a:lnRef>
+          <a:fillRef idx="1">
+            <a:schemeClr val="accent1"/>
+          </a:fillRef>
+          <a:effectRef idx="0">
+            <a:schemeClr val="accent1"/>
+          </a:effectRef>
+          <a:fontRef idx="minor">
+            <a:schemeClr val="lt1"/>
+          </a:fontRef>
+        </p:style>
+        <p:txBody>
+          <a:bodyPr rtlCol="0" anchor="ctr"/>
+          <a:lstStyle/>
+          <a:p>
+            <a:pPr algn="ctr"/>
+            <a:endParaRPr lang="pt-BR"/>
+          </a:p>
+        </p:txBody>
+      </p:sp>
+      <p:sp>
+        <p:nvSpPr>
+          <p:cNvPr id="16" name="Retângulo 15">
+            <a:extLst>
+              <a:ext uri="{FF2B5EF4-FFF2-40B4-BE49-F238E27FC236}">
+                <a16:creationId xmlns:a16="http://schemas.microsoft.com/office/drawing/2014/main" id="{8E1487D4-C0C7-491B-9894-C685D416FF0F}"/>
+              </a:ext>
+            </a:extLst>
+          </p:cNvPr>
+          <p:cNvSpPr/>
+          <p:nvPr/>
+        </p:nvSpPr>
+        <p:spPr>
+          <a:xfrm>
+            <a:off x="2541691" y="701398"/>
+            <a:ext cx="7078284" cy="523220"/>
+          </a:xfrm>
+          <a:prstGeom prst="rect">
+            <a:avLst/>
+          </a:prstGeom>
+        </p:spPr>
+        <p:txBody>
+          <a:bodyPr wrap="none">
+            <a:spAutoFit/>
+          </a:bodyPr>
+          <a:lstStyle/>
+          <a:p>
+            <a:r>
+              <a:rPr lang="pt-BR" sz="2800" b="1" dirty="0">
+                <a:solidFill>
+                  <a:srgbClr val="0568E6"/>
+                </a:solidFill>
+                <a:latin typeface="Segoe UI" panose="020B0502040204020203" pitchFamily="34" charset="0"/>
+                <a:cs typeface="Segoe UI" panose="020B0502040204020203" pitchFamily="34" charset="0"/>
+              </a:rPr>
+              <a:t>EMPRESA PRESTADORA DE SER SERVIÇO</a:t>
+            </a:r>
+            <a:endParaRPr lang="pt-BR" sz="2800" dirty="0">
+              <a:solidFill>
+                <a:srgbClr val="0568E6"/>
+              </a:solidFill>
+              <a:latin typeface="Segoe UI" panose="020B0502040204020203" pitchFamily="34" charset="0"/>
+              <a:cs typeface="Segoe UI" panose="020B0502040204020203" pitchFamily="34" charset="0"/>
+            </a:endParaRPr>
           </a:p>
         </p:txBody>
       </p:sp>
@@ -3537,6 +8849,843 @@
     <p:extLst>
       <p:ext uri="{BB962C8B-B14F-4D97-AF65-F5344CB8AC3E}">
         <p14:creationId xmlns:p14="http://schemas.microsoft.com/office/powerpoint/2010/main" val="241304579"/>
+      </p:ext>
+    </p:extLst>
+  </p:cSld>
+  <p:clrMapOvr>
+    <a:masterClrMapping/>
+  </p:clrMapOvr>
+</p:sld>
+</file>
+
+<file path=ppt/slides/slide20.xml><?xml version="1.0" encoding="utf-8"?>
+<p:sld xmlns:a="http://schemas.openxmlformats.org/drawingml/2006/main" xmlns:r="http://schemas.openxmlformats.org/officeDocument/2006/relationships" xmlns:p="http://schemas.openxmlformats.org/presentationml/2006/main">
+  <p:cSld>
+    <p:spTree>
+      <p:nvGrpSpPr>
+        <p:cNvPr id="1" name=""/>
+        <p:cNvGrpSpPr/>
+        <p:nvPr/>
+      </p:nvGrpSpPr>
+      <p:grpSpPr>
+        <a:xfrm>
+          <a:off x="0" y="0"/>
+          <a:ext cx="0" cy="0"/>
+          <a:chOff x="0" y="0"/>
+          <a:chExt cx="0" cy="0"/>
+        </a:xfrm>
+      </p:grpSpPr>
+      <p:sp>
+        <p:nvSpPr>
+          <p:cNvPr id="4" name="Título 1">
+            <a:extLst>
+              <a:ext uri="{FF2B5EF4-FFF2-40B4-BE49-F238E27FC236}">
+                <a16:creationId xmlns:a16="http://schemas.microsoft.com/office/drawing/2014/main" id="{0E0B9D54-AB69-CDDA-551B-F7A3BB7BEAC6}"/>
+              </a:ext>
+            </a:extLst>
+          </p:cNvPr>
+          <p:cNvSpPr>
+            <a:spLocks noGrp="1"/>
+          </p:cNvSpPr>
+          <p:nvPr>
+            <p:ph type="title"/>
+          </p:nvPr>
+        </p:nvSpPr>
+        <p:spPr>
+          <a:xfrm>
+            <a:off x="3429000" y="368271"/>
+            <a:ext cx="5334000" cy="704723"/>
+          </a:xfrm>
+        </p:spPr>
+        <p:txBody>
+          <a:bodyPr>
+            <a:normAutofit/>
+          </a:bodyPr>
+          <a:lstStyle/>
+          <a:p>
+            <a:r>
+              <a:rPr lang="pt-BR" dirty="0">
+                <a:solidFill>
+                  <a:srgbClr val="37475C"/>
+                </a:solidFill>
+              </a:rPr>
+              <a:t>Orçamento do Projeto</a:t>
+            </a:r>
+          </a:p>
+        </p:txBody>
+      </p:sp>
+      <p:sp>
+        <p:nvSpPr>
+          <p:cNvPr id="2" name="Retângulo 1">
+            <a:extLst>
+              <a:ext uri="{FF2B5EF4-FFF2-40B4-BE49-F238E27FC236}">
+                <a16:creationId xmlns:a16="http://schemas.microsoft.com/office/drawing/2014/main" id="{D74CE44E-5433-A480-987E-501C5CCE966F}"/>
+              </a:ext>
+            </a:extLst>
+          </p:cNvPr>
+          <p:cNvSpPr/>
+          <p:nvPr/>
+        </p:nvSpPr>
+        <p:spPr>
+          <a:xfrm>
+            <a:off x="418461" y="1235772"/>
+            <a:ext cx="11355078" cy="169425"/>
+          </a:xfrm>
+          <a:prstGeom prst="rect">
+            <a:avLst/>
+          </a:prstGeom>
+          <a:solidFill>
+            <a:srgbClr val="37475C"/>
+          </a:solidFill>
+          <a:ln>
+            <a:noFill/>
+          </a:ln>
+          <a:effectLst/>
+        </p:spPr>
+        <p:style>
+          <a:lnRef idx="2">
+            <a:schemeClr val="accent1">
+              <a:shade val="50000"/>
+            </a:schemeClr>
+          </a:lnRef>
+          <a:fillRef idx="1">
+            <a:schemeClr val="accent1"/>
+          </a:fillRef>
+          <a:effectRef idx="0">
+            <a:schemeClr val="accent1"/>
+          </a:effectRef>
+          <a:fontRef idx="minor">
+            <a:schemeClr val="lt1"/>
+          </a:fontRef>
+        </p:style>
+        <p:txBody>
+          <a:bodyPr rtlCol="0" anchor="ctr"/>
+          <a:lstStyle/>
+          <a:p>
+            <a:pPr algn="ctr"/>
+            <a:endParaRPr lang="pt-BR"/>
+          </a:p>
+        </p:txBody>
+      </p:sp>
+      <p:sp>
+        <p:nvSpPr>
+          <p:cNvPr id="3" name="Título 1">
+            <a:extLst>
+              <a:ext uri="{FF2B5EF4-FFF2-40B4-BE49-F238E27FC236}">
+                <a16:creationId xmlns:a16="http://schemas.microsoft.com/office/drawing/2014/main" id="{B0616352-7934-2AB0-F7BC-193461356501}"/>
+              </a:ext>
+            </a:extLst>
+          </p:cNvPr>
+          <p:cNvSpPr txBox="1">
+            <a:spLocks/>
+          </p:cNvSpPr>
+          <p:nvPr/>
+        </p:nvSpPr>
+        <p:spPr>
+          <a:xfrm>
+            <a:off x="581098" y="2133562"/>
+            <a:ext cx="5121612" cy="1624574"/>
+          </a:xfrm>
+          <a:prstGeom prst="rect">
+            <a:avLst/>
+          </a:prstGeom>
+        </p:spPr>
+        <p:txBody>
+          <a:bodyPr vert="horz" lIns="91440" tIns="45720" rIns="91440" bIns="45720" rtlCol="0" anchor="t">
+            <a:normAutofit/>
+          </a:bodyPr>
+          <a:lstStyle>
+            <a:lvl1pPr algn="l" defTabSz="914400" rtl="0" eaLnBrk="1" latinLnBrk="0" hangingPunct="1">
+              <a:lnSpc>
+                <a:spcPct val="90000"/>
+              </a:lnSpc>
+              <a:spcBef>
+                <a:spcPct val="0"/>
+              </a:spcBef>
+              <a:buNone/>
+              <a:defRPr sz="4400" kern="1200">
+                <a:solidFill>
+                  <a:schemeClr val="tx1"/>
+                </a:solidFill>
+                <a:latin typeface="+mj-lt"/>
+                <a:ea typeface="+mj-ea"/>
+                <a:cs typeface="+mj-cs"/>
+              </a:defRPr>
+            </a:lvl1pPr>
+          </a:lstStyle>
+          <a:p>
+            <a:r>
+              <a:rPr lang="pt-BR" sz="2800" dirty="0">
+                <a:solidFill>
+                  <a:srgbClr val="37475C"/>
+                </a:solidFill>
+              </a:rPr>
+              <a:t>Tempo de desenvolvimento</a:t>
+            </a:r>
+          </a:p>
+          <a:p>
+            <a:endParaRPr lang="pt-BR" sz="900" dirty="0">
+              <a:solidFill>
+                <a:srgbClr val="0568E6"/>
+              </a:solidFill>
+            </a:endParaRPr>
+          </a:p>
+          <a:p>
+            <a:pPr marL="342900" indent="-342900">
+              <a:buFont typeface="Arial" panose="020B0604020202020204" pitchFamily="34" charset="0"/>
+              <a:buChar char="•"/>
+            </a:pPr>
+            <a:r>
+              <a:rPr lang="pt-BR" sz="2400" dirty="0">
+                <a:solidFill>
+                  <a:srgbClr val="0568E6"/>
+                </a:solidFill>
+              </a:rPr>
+              <a:t>Período: </a:t>
+            </a:r>
+            <a:r>
+              <a:rPr lang="pt-BR" sz="2400" dirty="0">
+                <a:solidFill>
+                  <a:srgbClr val="37475C"/>
+                </a:solidFill>
+              </a:rPr>
+              <a:t>1 de Agosto à 23 de Outubro</a:t>
+            </a:r>
+          </a:p>
+          <a:p>
+            <a:endParaRPr lang="pt-BR" sz="1400" dirty="0">
+              <a:solidFill>
+                <a:srgbClr val="37475C"/>
+              </a:solidFill>
+            </a:endParaRPr>
+          </a:p>
+          <a:p>
+            <a:pPr marL="342900" indent="-342900">
+              <a:buFont typeface="Arial" panose="020B0604020202020204" pitchFamily="34" charset="0"/>
+              <a:buChar char="•"/>
+            </a:pPr>
+            <a:r>
+              <a:rPr lang="pt-BR" sz="2400" dirty="0">
+                <a:solidFill>
+                  <a:srgbClr val="0568E6"/>
+                </a:solidFill>
+              </a:rPr>
+              <a:t>Tempo em horas: </a:t>
+            </a:r>
+            <a:r>
+              <a:rPr lang="pt-BR" sz="2400" dirty="0">
+                <a:solidFill>
+                  <a:srgbClr val="37475C"/>
+                </a:solidFill>
+              </a:rPr>
+              <a:t>240 horas</a:t>
+            </a:r>
+          </a:p>
+        </p:txBody>
+      </p:sp>
+      <p:sp>
+        <p:nvSpPr>
+          <p:cNvPr id="5" name="Título 1">
+            <a:extLst>
+              <a:ext uri="{FF2B5EF4-FFF2-40B4-BE49-F238E27FC236}">
+                <a16:creationId xmlns:a16="http://schemas.microsoft.com/office/drawing/2014/main" id="{B7A6E1B3-060B-CCF7-265B-CBC173FDAFA7}"/>
+              </a:ext>
+            </a:extLst>
+          </p:cNvPr>
+          <p:cNvSpPr txBox="1">
+            <a:spLocks/>
+          </p:cNvSpPr>
+          <p:nvPr/>
+        </p:nvSpPr>
+        <p:spPr>
+          <a:xfrm>
+            <a:off x="581098" y="4192544"/>
+            <a:ext cx="5318257" cy="2103944"/>
+          </a:xfrm>
+          <a:prstGeom prst="rect">
+            <a:avLst/>
+          </a:prstGeom>
+        </p:spPr>
+        <p:txBody>
+          <a:bodyPr vert="horz" lIns="91440" tIns="45720" rIns="91440" bIns="45720" rtlCol="0" anchor="t">
+            <a:normAutofit/>
+          </a:bodyPr>
+          <a:lstStyle>
+            <a:lvl1pPr algn="l" defTabSz="914400" rtl="0" eaLnBrk="1" latinLnBrk="0" hangingPunct="1">
+              <a:lnSpc>
+                <a:spcPct val="90000"/>
+              </a:lnSpc>
+              <a:spcBef>
+                <a:spcPct val="0"/>
+              </a:spcBef>
+              <a:buNone/>
+              <a:defRPr sz="4400" kern="1200">
+                <a:solidFill>
+                  <a:schemeClr val="tx1"/>
+                </a:solidFill>
+                <a:latin typeface="+mj-lt"/>
+                <a:ea typeface="+mj-ea"/>
+                <a:cs typeface="+mj-cs"/>
+              </a:defRPr>
+            </a:lvl1pPr>
+          </a:lstStyle>
+          <a:p>
+            <a:r>
+              <a:rPr lang="pt-BR" sz="2800" dirty="0">
+                <a:solidFill>
+                  <a:srgbClr val="37475C"/>
+                </a:solidFill>
+              </a:rPr>
+              <a:t>Custo de desenvolvimento</a:t>
+            </a:r>
+          </a:p>
+          <a:p>
+            <a:endParaRPr lang="pt-BR" sz="900" dirty="0">
+              <a:solidFill>
+                <a:srgbClr val="0568E6"/>
+              </a:solidFill>
+            </a:endParaRPr>
+          </a:p>
+          <a:p>
+            <a:pPr marL="342900" indent="-342900">
+              <a:buFont typeface="Arial" panose="020B0604020202020204" pitchFamily="34" charset="0"/>
+              <a:buChar char="•"/>
+            </a:pPr>
+            <a:r>
+              <a:rPr lang="pt-BR" sz="2400" dirty="0">
+                <a:solidFill>
+                  <a:srgbClr val="0568E6"/>
+                </a:solidFill>
+              </a:rPr>
+              <a:t>Valor por hora: </a:t>
+            </a:r>
+            <a:r>
+              <a:rPr lang="pt-BR" sz="2400" dirty="0">
+                <a:solidFill>
+                  <a:srgbClr val="37475C"/>
+                </a:solidFill>
+              </a:rPr>
+              <a:t>R$ 20,00/h</a:t>
+            </a:r>
+          </a:p>
+          <a:p>
+            <a:endParaRPr lang="pt-BR" sz="1400" dirty="0">
+              <a:solidFill>
+                <a:srgbClr val="37475C"/>
+              </a:solidFill>
+            </a:endParaRPr>
+          </a:p>
+          <a:p>
+            <a:pPr marL="342900" indent="-342900">
+              <a:buFont typeface="Arial" panose="020B0604020202020204" pitchFamily="34" charset="0"/>
+              <a:buChar char="•"/>
+            </a:pPr>
+            <a:r>
+              <a:rPr lang="pt-BR" sz="2400" dirty="0">
+                <a:solidFill>
+                  <a:srgbClr val="0568E6"/>
+                </a:solidFill>
+              </a:rPr>
+              <a:t>Custo total de desenvolvimento: </a:t>
+            </a:r>
+            <a:r>
+              <a:rPr lang="pt-BR" sz="2400" dirty="0">
+                <a:solidFill>
+                  <a:srgbClr val="37475C"/>
+                </a:solidFill>
+              </a:rPr>
+              <a:t>R$ 4.800,00</a:t>
+            </a:r>
+          </a:p>
+        </p:txBody>
+      </p:sp>
+      <p:sp>
+        <p:nvSpPr>
+          <p:cNvPr id="8" name="Título 1">
+            <a:extLst>
+              <a:ext uri="{FF2B5EF4-FFF2-40B4-BE49-F238E27FC236}">
+                <a16:creationId xmlns:a16="http://schemas.microsoft.com/office/drawing/2014/main" id="{428A4EA6-6E85-04F4-9587-7F23148E77F3}"/>
+              </a:ext>
+            </a:extLst>
+          </p:cNvPr>
+          <p:cNvSpPr txBox="1">
+            <a:spLocks/>
+          </p:cNvSpPr>
+          <p:nvPr/>
+        </p:nvSpPr>
+        <p:spPr>
+          <a:xfrm>
+            <a:off x="6700138" y="2699149"/>
+            <a:ext cx="4910764" cy="2986789"/>
+          </a:xfrm>
+          <a:prstGeom prst="rect">
+            <a:avLst/>
+          </a:prstGeom>
+        </p:spPr>
+        <p:txBody>
+          <a:bodyPr vert="horz" lIns="91440" tIns="45720" rIns="91440" bIns="45720" rtlCol="0" anchor="t">
+            <a:normAutofit/>
+          </a:bodyPr>
+          <a:lstStyle>
+            <a:lvl1pPr algn="l" defTabSz="914400" rtl="0" eaLnBrk="1" latinLnBrk="0" hangingPunct="1">
+              <a:lnSpc>
+                <a:spcPct val="90000"/>
+              </a:lnSpc>
+              <a:spcBef>
+                <a:spcPct val="0"/>
+              </a:spcBef>
+              <a:buNone/>
+              <a:defRPr sz="4400" kern="1200">
+                <a:solidFill>
+                  <a:schemeClr val="tx1"/>
+                </a:solidFill>
+                <a:latin typeface="+mj-lt"/>
+                <a:ea typeface="+mj-ea"/>
+                <a:cs typeface="+mj-cs"/>
+              </a:defRPr>
+            </a:lvl1pPr>
+          </a:lstStyle>
+          <a:p>
+            <a:r>
+              <a:rPr lang="pt-BR" sz="3200" dirty="0">
+                <a:solidFill>
+                  <a:srgbClr val="37475C"/>
+                </a:solidFill>
+              </a:rPr>
+              <a:t>Custo mensal e manutenção</a:t>
+            </a:r>
+          </a:p>
+          <a:p>
+            <a:endParaRPr lang="pt-BR" sz="1000" dirty="0">
+              <a:solidFill>
+                <a:srgbClr val="0568E6"/>
+              </a:solidFill>
+            </a:endParaRPr>
+          </a:p>
+          <a:p>
+            <a:pPr marL="342900" indent="-342900">
+              <a:buFont typeface="Arial" panose="020B0604020202020204" pitchFamily="34" charset="0"/>
+              <a:buChar char="•"/>
+            </a:pPr>
+            <a:r>
+              <a:rPr lang="pt-BR" sz="2800" dirty="0">
+                <a:solidFill>
+                  <a:srgbClr val="0568E6"/>
+                </a:solidFill>
+              </a:rPr>
+              <a:t>Hospedagem: </a:t>
+            </a:r>
+            <a:r>
+              <a:rPr lang="pt-BR" sz="2800" dirty="0">
+                <a:solidFill>
+                  <a:srgbClr val="37475C"/>
+                </a:solidFill>
+              </a:rPr>
+              <a:t>R$30~40/mês</a:t>
+            </a:r>
+          </a:p>
+          <a:p>
+            <a:pPr marL="342900" indent="-342900">
+              <a:buFont typeface="Arial" panose="020B0604020202020204" pitchFamily="34" charset="0"/>
+              <a:buChar char="•"/>
+            </a:pPr>
+            <a:endParaRPr lang="pt-BR" sz="2800" dirty="0">
+              <a:solidFill>
+                <a:srgbClr val="37475C"/>
+              </a:solidFill>
+            </a:endParaRPr>
+          </a:p>
+          <a:p>
+            <a:pPr marL="342900" indent="-342900">
+              <a:buFont typeface="Arial" panose="020B0604020202020204" pitchFamily="34" charset="0"/>
+              <a:buChar char="•"/>
+            </a:pPr>
+            <a:r>
+              <a:rPr lang="pt-BR" sz="2800" dirty="0">
+                <a:solidFill>
+                  <a:srgbClr val="0568E6"/>
+                </a:solidFill>
+              </a:rPr>
+              <a:t>Domínio: </a:t>
+            </a:r>
+            <a:r>
+              <a:rPr lang="pt-BR" sz="2800" dirty="0">
+                <a:solidFill>
+                  <a:srgbClr val="37475C"/>
+                </a:solidFill>
+              </a:rPr>
+              <a:t>R$50-100/ano</a:t>
+            </a:r>
+          </a:p>
+          <a:p>
+            <a:pPr marL="342900" indent="-342900">
+              <a:buFont typeface="Arial" panose="020B0604020202020204" pitchFamily="34" charset="0"/>
+              <a:buChar char="•"/>
+            </a:pPr>
+            <a:endParaRPr lang="pt-BR" sz="2800" dirty="0">
+              <a:solidFill>
+                <a:srgbClr val="37475C"/>
+              </a:solidFill>
+            </a:endParaRPr>
+          </a:p>
+          <a:p>
+            <a:pPr marL="342900" indent="-342900">
+              <a:buFont typeface="Arial" panose="020B0604020202020204" pitchFamily="34" charset="0"/>
+              <a:buChar char="•"/>
+            </a:pPr>
+            <a:r>
+              <a:rPr lang="pt-BR" sz="2800" dirty="0">
+                <a:solidFill>
+                  <a:srgbClr val="0568E6"/>
+                </a:solidFill>
+              </a:rPr>
+              <a:t>Manutenção: </a:t>
+            </a:r>
+            <a:r>
+              <a:rPr lang="pt-BR" sz="2800" dirty="0">
+                <a:solidFill>
+                  <a:srgbClr val="37475C"/>
+                </a:solidFill>
+              </a:rPr>
+              <a:t>R$250,00/mês</a:t>
+            </a:r>
+            <a:endParaRPr lang="pt-BR" sz="2800" dirty="0">
+              <a:solidFill>
+                <a:srgbClr val="0568E6"/>
+              </a:solidFill>
+            </a:endParaRPr>
+          </a:p>
+          <a:p>
+            <a:pPr marL="342900" indent="-342900">
+              <a:buFont typeface="Arial" panose="020B0604020202020204" pitchFamily="34" charset="0"/>
+              <a:buChar char="•"/>
+            </a:pPr>
+            <a:endParaRPr lang="pt-BR" sz="2800" dirty="0">
+              <a:solidFill>
+                <a:srgbClr val="37475C"/>
+              </a:solidFill>
+            </a:endParaRPr>
+          </a:p>
+          <a:p>
+            <a:pPr marL="342900" indent="-342900">
+              <a:buFont typeface="Arial" panose="020B0604020202020204" pitchFamily="34" charset="0"/>
+              <a:buChar char="•"/>
+            </a:pPr>
+            <a:endParaRPr lang="pt-BR" sz="2800" dirty="0">
+              <a:solidFill>
+                <a:srgbClr val="37475C"/>
+              </a:solidFill>
+            </a:endParaRPr>
+          </a:p>
+        </p:txBody>
+      </p:sp>
+      <p:sp>
+        <p:nvSpPr>
+          <p:cNvPr id="9" name="Retângulo 8">
+            <a:extLst>
+              <a:ext uri="{FF2B5EF4-FFF2-40B4-BE49-F238E27FC236}">
+                <a16:creationId xmlns:a16="http://schemas.microsoft.com/office/drawing/2014/main" id="{FA1B244B-7796-8FF9-F295-77CD5F73CB95}"/>
+              </a:ext>
+            </a:extLst>
+          </p:cNvPr>
+          <p:cNvSpPr/>
+          <p:nvPr/>
+        </p:nvSpPr>
+        <p:spPr>
+          <a:xfrm rot="5400000">
+            <a:off x="3602609" y="4162135"/>
+            <a:ext cx="4986782" cy="60818"/>
+          </a:xfrm>
+          <a:prstGeom prst="rect">
+            <a:avLst/>
+          </a:prstGeom>
+          <a:solidFill>
+            <a:srgbClr val="0568E6"/>
+          </a:solidFill>
+          <a:ln>
+            <a:noFill/>
+          </a:ln>
+          <a:effectLst/>
+        </p:spPr>
+        <p:style>
+          <a:lnRef idx="2">
+            <a:schemeClr val="accent1">
+              <a:shade val="50000"/>
+            </a:schemeClr>
+          </a:lnRef>
+          <a:fillRef idx="1">
+            <a:schemeClr val="accent1"/>
+          </a:fillRef>
+          <a:effectRef idx="0">
+            <a:schemeClr val="accent1"/>
+          </a:effectRef>
+          <a:fontRef idx="minor">
+            <a:schemeClr val="lt1"/>
+          </a:fontRef>
+        </p:style>
+        <p:txBody>
+          <a:bodyPr rtlCol="0" anchor="ctr"/>
+          <a:lstStyle/>
+          <a:p>
+            <a:pPr algn="ctr"/>
+            <a:endParaRPr lang="pt-BR"/>
+          </a:p>
+        </p:txBody>
+      </p:sp>
+    </p:spTree>
+    <p:extLst>
+      <p:ext uri="{BB962C8B-B14F-4D97-AF65-F5344CB8AC3E}">
+        <p14:creationId xmlns:p14="http://schemas.microsoft.com/office/powerpoint/2010/main" val="957556736"/>
+      </p:ext>
+    </p:extLst>
+  </p:cSld>
+  <p:clrMapOvr>
+    <a:masterClrMapping/>
+  </p:clrMapOvr>
+</p:sld>
+</file>
+
+<file path=ppt/slides/slide21.xml><?xml version="1.0" encoding="utf-8"?>
+<p:sld xmlns:a="http://schemas.openxmlformats.org/drawingml/2006/main" xmlns:r="http://schemas.openxmlformats.org/officeDocument/2006/relationships" xmlns:p="http://schemas.openxmlformats.org/presentationml/2006/main">
+  <p:cSld>
+    <p:spTree>
+      <p:nvGrpSpPr>
+        <p:cNvPr id="1" name="">
+          <a:extLst>
+            <a:ext uri="{FF2B5EF4-FFF2-40B4-BE49-F238E27FC236}">
+              <a16:creationId xmlns:a16="http://schemas.microsoft.com/office/drawing/2014/main" id="{E32A78BA-3FC0-A83F-B50E-D9FA9A0DB42F}"/>
+            </a:ext>
+          </a:extLst>
+        </p:cNvPr>
+        <p:cNvGrpSpPr/>
+        <p:nvPr/>
+      </p:nvGrpSpPr>
+      <p:grpSpPr>
+        <a:xfrm>
+          <a:off x="0" y="0"/>
+          <a:ext cx="0" cy="0"/>
+          <a:chOff x="0" y="0"/>
+          <a:chExt cx="0" cy="0"/>
+        </a:xfrm>
+      </p:grpSpPr>
+      <p:sp>
+        <p:nvSpPr>
+          <p:cNvPr id="4" name="Título 1">
+            <a:extLst>
+              <a:ext uri="{FF2B5EF4-FFF2-40B4-BE49-F238E27FC236}">
+                <a16:creationId xmlns:a16="http://schemas.microsoft.com/office/drawing/2014/main" id="{B4421933-AD74-C7C4-FC07-E3AC2018B279}"/>
+              </a:ext>
+            </a:extLst>
+          </p:cNvPr>
+          <p:cNvSpPr>
+            <a:spLocks noGrp="1"/>
+          </p:cNvSpPr>
+          <p:nvPr>
+            <p:ph type="title"/>
+          </p:nvPr>
+        </p:nvSpPr>
+        <p:spPr>
+          <a:xfrm>
+            <a:off x="3723761" y="282071"/>
+            <a:ext cx="4744475" cy="830048"/>
+          </a:xfrm>
+        </p:spPr>
+        <p:txBody>
+          <a:bodyPr>
+            <a:normAutofit fontScale="90000"/>
+          </a:bodyPr>
+          <a:lstStyle/>
+          <a:p>
+            <a:r>
+              <a:rPr lang="pt-BR" sz="6000" dirty="0">
+                <a:solidFill>
+                  <a:srgbClr val="0568E6"/>
+                </a:solidFill>
+              </a:rPr>
+              <a:t>Agradecimentos</a:t>
+            </a:r>
+          </a:p>
+        </p:txBody>
+      </p:sp>
+      <p:sp>
+        <p:nvSpPr>
+          <p:cNvPr id="3" name="Título 1">
+            <a:extLst>
+              <a:ext uri="{FF2B5EF4-FFF2-40B4-BE49-F238E27FC236}">
+                <a16:creationId xmlns:a16="http://schemas.microsoft.com/office/drawing/2014/main" id="{C9DFB49C-5643-2C45-B235-5F556367C962}"/>
+              </a:ext>
+            </a:extLst>
+          </p:cNvPr>
+          <p:cNvSpPr txBox="1">
+            <a:spLocks/>
+          </p:cNvSpPr>
+          <p:nvPr/>
+        </p:nvSpPr>
+        <p:spPr>
+          <a:xfrm>
+            <a:off x="600262" y="1347537"/>
+            <a:ext cx="10991471" cy="5228392"/>
+          </a:xfrm>
+          <a:prstGeom prst="rect">
+            <a:avLst/>
+          </a:prstGeom>
+        </p:spPr>
+        <p:txBody>
+          <a:bodyPr vert="horz" lIns="91440" tIns="45720" rIns="91440" bIns="45720" rtlCol="0" anchor="t">
+            <a:normAutofit/>
+          </a:bodyPr>
+          <a:lstStyle>
+            <a:lvl1pPr algn="l" defTabSz="914400" rtl="0" eaLnBrk="1" latinLnBrk="0" hangingPunct="1">
+              <a:lnSpc>
+                <a:spcPct val="90000"/>
+              </a:lnSpc>
+              <a:spcBef>
+                <a:spcPct val="0"/>
+              </a:spcBef>
+              <a:buNone/>
+              <a:defRPr sz="4400" kern="1200">
+                <a:solidFill>
+                  <a:schemeClr val="tx1"/>
+                </a:solidFill>
+                <a:latin typeface="+mj-lt"/>
+                <a:ea typeface="+mj-ea"/>
+                <a:cs typeface="+mj-cs"/>
+              </a:defRPr>
+            </a:lvl1pPr>
+          </a:lstStyle>
+          <a:p>
+            <a:r>
+              <a:rPr lang="pt-BR" sz="3200" dirty="0">
+                <a:solidFill>
+                  <a:srgbClr val="37475C"/>
+                </a:solidFill>
+              </a:rPr>
+              <a:t>Muito obrigado aos professores Danilo e Elias pelas aulas e por toda dedicação em ensinar durante todo o curso. </a:t>
+            </a:r>
+          </a:p>
+          <a:p>
+            <a:endParaRPr lang="pt-BR" sz="1600" dirty="0">
+              <a:solidFill>
+                <a:srgbClr val="37475C"/>
+              </a:solidFill>
+            </a:endParaRPr>
+          </a:p>
+          <a:p>
+            <a:r>
+              <a:rPr lang="pt-BR" sz="3200" dirty="0">
+                <a:solidFill>
+                  <a:srgbClr val="37475C"/>
+                </a:solidFill>
+              </a:rPr>
+              <a:t>Este foi e sempre será um curso extremamente importante para mim, não só pelo conhecimento adquirido nele, mas também por todos os momentos que tivemos juntos. </a:t>
+            </a:r>
+          </a:p>
+          <a:p>
+            <a:endParaRPr lang="pt-BR" sz="1600" dirty="0">
+              <a:solidFill>
+                <a:srgbClr val="37475C"/>
+              </a:solidFill>
+            </a:endParaRPr>
+          </a:p>
+          <a:p>
+            <a:r>
+              <a:rPr lang="pt-BR" sz="3200" dirty="0">
+                <a:solidFill>
+                  <a:srgbClr val="37475C"/>
+                </a:solidFill>
+              </a:rPr>
+              <a:t>Agradeço também a todos os outros alunos pela parceria, piadas e risadas, o curso sem vocês não seria o mesmo.</a:t>
+            </a:r>
+          </a:p>
+          <a:p>
+            <a:endParaRPr lang="pt-BR" sz="3200" dirty="0">
+              <a:solidFill>
+                <a:srgbClr val="37475C"/>
+              </a:solidFill>
+            </a:endParaRPr>
+          </a:p>
+          <a:p>
+            <a:endParaRPr lang="pt-BR" sz="3200" dirty="0">
+              <a:solidFill>
+                <a:srgbClr val="37475C"/>
+              </a:solidFill>
+            </a:endParaRPr>
+          </a:p>
+          <a:p>
+            <a:pPr algn="ctr"/>
+            <a:r>
+              <a:rPr lang="pt-BR" dirty="0">
+                <a:solidFill>
+                  <a:srgbClr val="0568E6"/>
+                </a:solidFill>
+              </a:rPr>
+              <a:t>Muito obrigado.</a:t>
+            </a:r>
+            <a:endParaRPr lang="pt-BR" sz="4000" dirty="0">
+              <a:solidFill>
+                <a:srgbClr val="0568E6"/>
+              </a:solidFill>
+            </a:endParaRPr>
+          </a:p>
+        </p:txBody>
+      </p:sp>
+      <p:sp>
+        <p:nvSpPr>
+          <p:cNvPr id="6" name="Retângulo 5">
+            <a:extLst>
+              <a:ext uri="{FF2B5EF4-FFF2-40B4-BE49-F238E27FC236}">
+                <a16:creationId xmlns:a16="http://schemas.microsoft.com/office/drawing/2014/main" id="{550ADD9F-22FC-9839-AF7F-2FE2B206F8CC}"/>
+              </a:ext>
+            </a:extLst>
+          </p:cNvPr>
+          <p:cNvSpPr/>
+          <p:nvPr/>
+        </p:nvSpPr>
+        <p:spPr>
+          <a:xfrm rot="10800000">
+            <a:off x="4258364" y="6479328"/>
+            <a:ext cx="3675265" cy="193202"/>
+          </a:xfrm>
+          <a:prstGeom prst="rect">
+            <a:avLst/>
+          </a:prstGeom>
+          <a:solidFill>
+            <a:srgbClr val="0568E6"/>
+          </a:solidFill>
+          <a:ln>
+            <a:noFill/>
+          </a:ln>
+          <a:effectLst/>
+        </p:spPr>
+        <p:style>
+          <a:lnRef idx="2">
+            <a:schemeClr val="accent1">
+              <a:shade val="50000"/>
+            </a:schemeClr>
+          </a:lnRef>
+          <a:fillRef idx="1">
+            <a:schemeClr val="accent1"/>
+          </a:fillRef>
+          <a:effectRef idx="0">
+            <a:schemeClr val="accent1"/>
+          </a:effectRef>
+          <a:fontRef idx="minor">
+            <a:schemeClr val="lt1"/>
+          </a:fontRef>
+        </p:style>
+        <p:txBody>
+          <a:bodyPr rtlCol="0" anchor="ctr"/>
+          <a:lstStyle/>
+          <a:p>
+            <a:pPr algn="ctr"/>
+            <a:endParaRPr lang="pt-BR"/>
+          </a:p>
+        </p:txBody>
+      </p:sp>
+    </p:spTree>
+    <p:extLst>
+      <p:ext uri="{BB962C8B-B14F-4D97-AF65-F5344CB8AC3E}">
+        <p14:creationId xmlns:p14="http://schemas.microsoft.com/office/powerpoint/2010/main" val="1193384516"/>
       </p:ext>
     </p:extLst>
   </p:cSld>
@@ -3581,23 +9730,353 @@
         </p:nvSpPr>
         <p:spPr>
           <a:xfrm>
-            <a:off x="463296" y="438277"/>
-            <a:ext cx="5334000" cy="704723"/>
+            <a:off x="2942608" y="403108"/>
+            <a:ext cx="6306782" cy="704723"/>
           </a:xfrm>
         </p:spPr>
         <p:txBody>
           <a:bodyPr>
-            <a:normAutofit/>
+            <a:normAutofit fontScale="90000"/>
           </a:bodyPr>
           <a:lstStyle/>
           <a:p>
             <a:r>
-              <a:rPr lang="pt-BR" dirty="0"/>
-              <a:t>Objetivo do Workether</a:t>
-            </a:r>
-          </a:p>
-        </p:txBody>
-      </p:sp>
+              <a:rPr lang="pt-BR" b="1" dirty="0">
+                <a:solidFill>
+                  <a:srgbClr val="37475C"/>
+                </a:solidFill>
+                <a:latin typeface="Segoe UI" panose="020B0502040204020203" pitchFamily="34" charset="0"/>
+                <a:ea typeface="Microsoft YaHei" panose="020B0503020204020204" pitchFamily="34" charset="-122"/>
+                <a:cs typeface="Segoe UI" panose="020B0502040204020203" pitchFamily="34" charset="0"/>
+              </a:rPr>
+              <a:t>Objetivo do WORK</a:t>
+            </a:r>
+            <a:r>
+              <a:rPr lang="pt-BR" b="1" dirty="0">
+                <a:solidFill>
+                  <a:srgbClr val="0568E6"/>
+                </a:solidFill>
+                <a:latin typeface="Segoe UI" panose="020B0502040204020203" pitchFamily="34" charset="0"/>
+                <a:ea typeface="Microsoft YaHei" panose="020B0503020204020204" pitchFamily="34" charset="-122"/>
+                <a:cs typeface="Segoe UI" panose="020B0502040204020203" pitchFamily="34" charset="0"/>
+              </a:rPr>
+              <a:t>ETHER</a:t>
+            </a:r>
+          </a:p>
+        </p:txBody>
+      </p:sp>
+      <p:sp>
+        <p:nvSpPr>
+          <p:cNvPr id="3" name="Retângulo 2">
+            <a:extLst>
+              <a:ext uri="{FF2B5EF4-FFF2-40B4-BE49-F238E27FC236}">
+                <a16:creationId xmlns:a16="http://schemas.microsoft.com/office/drawing/2014/main" id="{44A228A2-A6CC-4BC2-9206-824D43545C2B}"/>
+              </a:ext>
+            </a:extLst>
+          </p:cNvPr>
+          <p:cNvSpPr/>
+          <p:nvPr/>
+        </p:nvSpPr>
+        <p:spPr>
+          <a:xfrm>
+            <a:off x="3958004" y="6587170"/>
+            <a:ext cx="4275992" cy="270830"/>
+          </a:xfrm>
+          <a:prstGeom prst="rect">
+            <a:avLst/>
+          </a:prstGeom>
+          <a:solidFill>
+            <a:srgbClr val="37475C"/>
+          </a:solidFill>
+          <a:ln>
+            <a:noFill/>
+          </a:ln>
+          <a:effectLst>
+            <a:outerShdw blurRad="50800" dist="38100" dir="16200000" rotWithShape="0">
+              <a:prstClr val="black">
+                <a:alpha val="40000"/>
+              </a:prstClr>
+            </a:outerShdw>
+          </a:effectLst>
+        </p:spPr>
+        <p:style>
+          <a:lnRef idx="2">
+            <a:schemeClr val="accent1">
+              <a:shade val="50000"/>
+            </a:schemeClr>
+          </a:lnRef>
+          <a:fillRef idx="1">
+            <a:schemeClr val="accent1"/>
+          </a:fillRef>
+          <a:effectRef idx="0">
+            <a:schemeClr val="accent1"/>
+          </a:effectRef>
+          <a:fontRef idx="minor">
+            <a:schemeClr val="lt1"/>
+          </a:fontRef>
+        </p:style>
+        <p:txBody>
+          <a:bodyPr rtlCol="0" anchor="ctr"/>
+          <a:lstStyle/>
+          <a:p>
+            <a:pPr algn="ctr"/>
+            <a:endParaRPr lang="pt-BR"/>
+          </a:p>
+        </p:txBody>
+      </p:sp>
+      <p:sp>
+        <p:nvSpPr>
+          <p:cNvPr id="4" name="Retângulo 3">
+            <a:extLst>
+              <a:ext uri="{FF2B5EF4-FFF2-40B4-BE49-F238E27FC236}">
+                <a16:creationId xmlns:a16="http://schemas.microsoft.com/office/drawing/2014/main" id="{DC085FC0-7CE8-46BF-AE0E-E72550EB26E3}"/>
+              </a:ext>
+            </a:extLst>
+          </p:cNvPr>
+          <p:cNvSpPr/>
+          <p:nvPr/>
+        </p:nvSpPr>
+        <p:spPr>
+          <a:xfrm>
+            <a:off x="2484558" y="1447863"/>
+            <a:ext cx="7222881" cy="1200329"/>
+          </a:xfrm>
+          <a:prstGeom prst="rect">
+            <a:avLst/>
+          </a:prstGeom>
+        </p:spPr>
+        <p:txBody>
+          <a:bodyPr wrap="square">
+            <a:spAutoFit/>
+          </a:bodyPr>
+          <a:lstStyle/>
+          <a:p>
+            <a:pPr algn="ctr"/>
+            <a:r>
+              <a:rPr lang="pt-BR" sz="2400" dirty="0">
+                <a:solidFill>
+                  <a:srgbClr val="37475C"/>
+                </a:solidFill>
+              </a:rPr>
+              <a:t>A WORK</a:t>
+            </a:r>
+            <a:r>
+              <a:rPr lang="pt-BR" sz="2400" dirty="0">
+                <a:solidFill>
+                  <a:srgbClr val="0568E6"/>
+                </a:solidFill>
+              </a:rPr>
+              <a:t>ETHER</a:t>
+            </a:r>
+            <a:r>
+              <a:rPr lang="pt-BR" sz="2400" dirty="0">
+                <a:solidFill>
+                  <a:srgbClr val="37475C"/>
+                </a:solidFill>
+              </a:rPr>
+              <a:t> tem como objetivo </a:t>
+            </a:r>
+            <a:r>
+              <a:rPr lang="pt-BR" sz="2400" dirty="0">
+                <a:solidFill>
+                  <a:srgbClr val="0568E6"/>
+                </a:solidFill>
+              </a:rPr>
+              <a:t>auxiliar</a:t>
+            </a:r>
+            <a:r>
+              <a:rPr lang="pt-BR" sz="2400" dirty="0">
+                <a:solidFill>
+                  <a:srgbClr val="37475C"/>
+                </a:solidFill>
+              </a:rPr>
+              <a:t> e </a:t>
+            </a:r>
+            <a:r>
+              <a:rPr lang="pt-BR" sz="2400" dirty="0">
+                <a:solidFill>
+                  <a:srgbClr val="0568E6"/>
+                </a:solidFill>
+              </a:rPr>
+              <a:t>simplificar</a:t>
+            </a:r>
+            <a:r>
+              <a:rPr lang="pt-BR" sz="2400" dirty="0">
+                <a:solidFill>
+                  <a:srgbClr val="37475C"/>
+                </a:solidFill>
+              </a:rPr>
+              <a:t> o gerenciamento de projetos </a:t>
+            </a:r>
+            <a:r>
+              <a:rPr lang="pt-BR" sz="2400" dirty="0">
+                <a:solidFill>
+                  <a:srgbClr val="0568E6"/>
+                </a:solidFill>
+              </a:rPr>
+              <a:t>pessoais</a:t>
+            </a:r>
+            <a:r>
+              <a:rPr lang="pt-BR" sz="2400" dirty="0">
+                <a:solidFill>
+                  <a:srgbClr val="37475C"/>
+                </a:solidFill>
+              </a:rPr>
+              <a:t> e </a:t>
+            </a:r>
+            <a:r>
+              <a:rPr lang="pt-BR" sz="2400" dirty="0">
+                <a:solidFill>
+                  <a:srgbClr val="0568E6"/>
+                </a:solidFill>
+              </a:rPr>
+              <a:t>profissionais</a:t>
+            </a:r>
+            <a:r>
+              <a:rPr lang="pt-BR" sz="2400" dirty="0">
+                <a:solidFill>
+                  <a:srgbClr val="37475C"/>
+                </a:solidFill>
+              </a:rPr>
+              <a:t>, tanto individuais quanto cooperativos.</a:t>
+            </a:r>
+            <a:endParaRPr lang="pt-BR" sz="2400" dirty="0">
+              <a:solidFill>
+                <a:srgbClr val="0568E6"/>
+              </a:solidFill>
+            </a:endParaRPr>
+          </a:p>
+        </p:txBody>
+      </p:sp>
+      <p:grpSp>
+        <p:nvGrpSpPr>
+          <p:cNvPr id="9" name="Agrupar 8">
+            <a:extLst>
+              <a:ext uri="{FF2B5EF4-FFF2-40B4-BE49-F238E27FC236}">
+                <a16:creationId xmlns:a16="http://schemas.microsoft.com/office/drawing/2014/main" id="{72577849-15B2-4A74-82E1-53D26431A084}"/>
+              </a:ext>
+            </a:extLst>
+          </p:cNvPr>
+          <p:cNvGrpSpPr/>
+          <p:nvPr/>
+        </p:nvGrpSpPr>
+        <p:grpSpPr>
+          <a:xfrm>
+            <a:off x="4041119" y="3306300"/>
+            <a:ext cx="4109757" cy="1282540"/>
+            <a:chOff x="3548305" y="3338062"/>
+            <a:chExt cx="4109757" cy="1282540"/>
+          </a:xfrm>
+        </p:grpSpPr>
+        <p:pic>
+          <p:nvPicPr>
+            <p:cNvPr id="6" name="Imagem 5">
+              <a:extLst>
+                <a:ext uri="{FF2B5EF4-FFF2-40B4-BE49-F238E27FC236}">
+                  <a16:creationId xmlns:a16="http://schemas.microsoft.com/office/drawing/2014/main" id="{CB4ECB80-7B54-48FA-9DD9-4A13C9EE79AC}"/>
+                </a:ext>
+              </a:extLst>
+            </p:cNvPr>
+            <p:cNvPicPr>
+              <a:picLocks noChangeAspect="1"/>
+            </p:cNvPicPr>
+            <p:nvPr/>
+          </p:nvPicPr>
+          <p:blipFill>
+            <a:blip r:embed="rId2">
+              <a:extLst>
+                <a:ext uri="{28A0092B-C50C-407E-A947-70E740481C1C}">
+                  <a14:useLocalDpi xmlns:a14="http://schemas.microsoft.com/office/drawing/2010/main" val="0"/>
+                </a:ext>
+              </a:extLst>
+            </a:blip>
+            <a:stretch>
+              <a:fillRect/>
+            </a:stretch>
+          </p:blipFill>
+          <p:spPr>
+            <a:xfrm>
+              <a:off x="3548305" y="3338062"/>
+              <a:ext cx="1282540" cy="1282540"/>
+            </a:xfrm>
+            <a:prstGeom prst="rect">
+              <a:avLst/>
+            </a:prstGeom>
+          </p:spPr>
+        </p:pic>
+        <p:pic>
+          <p:nvPicPr>
+            <p:cNvPr id="8" name="Imagem 7">
+              <a:extLst>
+                <a:ext uri="{FF2B5EF4-FFF2-40B4-BE49-F238E27FC236}">
+                  <a16:creationId xmlns:a16="http://schemas.microsoft.com/office/drawing/2014/main" id="{18717590-7B79-4B07-8EA6-B22E95EBAD81}"/>
+                </a:ext>
+              </a:extLst>
+            </p:cNvPr>
+            <p:cNvPicPr>
+              <a:picLocks noChangeAspect="1"/>
+            </p:cNvPicPr>
+            <p:nvPr/>
+          </p:nvPicPr>
+          <p:blipFill>
+            <a:blip r:embed="rId3">
+              <a:extLst>
+                <a:ext uri="{28A0092B-C50C-407E-A947-70E740481C1C}">
+                  <a14:useLocalDpi xmlns:a14="http://schemas.microsoft.com/office/drawing/2010/main" val="0"/>
+                </a:ext>
+              </a:extLst>
+            </a:blip>
+            <a:stretch>
+              <a:fillRect/>
+            </a:stretch>
+          </p:blipFill>
+          <p:spPr>
+            <a:xfrm>
+              <a:off x="6388221" y="3344412"/>
+              <a:ext cx="1269841" cy="1269841"/>
+            </a:xfrm>
+            <a:prstGeom prst="rect">
+              <a:avLst/>
+            </a:prstGeom>
+          </p:spPr>
+        </p:pic>
+      </p:grpSp>
+      <p:pic>
+        <p:nvPicPr>
+          <p:cNvPr id="11" name="Imagem 10">
+            <a:extLst>
+              <a:ext uri="{FF2B5EF4-FFF2-40B4-BE49-F238E27FC236}">
+                <a16:creationId xmlns:a16="http://schemas.microsoft.com/office/drawing/2014/main" id="{5D9F672F-26DD-4E55-A533-064BD74A0BE3}"/>
+              </a:ext>
+            </a:extLst>
+          </p:cNvPr>
+          <p:cNvPicPr>
+            <a:picLocks noChangeAspect="1"/>
+          </p:cNvPicPr>
+          <p:nvPr/>
+        </p:nvPicPr>
+        <p:blipFill>
+          <a:blip r:embed="rId4">
+            <a:extLst>
+              <a:ext uri="{28A0092B-C50C-407E-A947-70E740481C1C}">
+                <a14:useLocalDpi xmlns:a14="http://schemas.microsoft.com/office/drawing/2010/main" val="0"/>
+              </a:ext>
+            </a:extLst>
+          </a:blip>
+          <a:stretch>
+            <a:fillRect/>
+          </a:stretch>
+        </p:blipFill>
+        <p:spPr>
+          <a:xfrm rot="2700000">
+            <a:off x="5813460" y="3658681"/>
+            <a:ext cx="577778" cy="577778"/>
+          </a:xfrm>
+          <a:prstGeom prst="rect">
+            <a:avLst/>
+          </a:prstGeom>
+        </p:spPr>
+      </p:pic>
     </p:spTree>
     <p:extLst>
       <p:ext uri="{BB962C8B-B14F-4D97-AF65-F5344CB8AC3E}">
@@ -3630,10 +10109,67 @@
       </p:grpSpPr>
       <p:sp>
         <p:nvSpPr>
-          <p:cNvPr id="5" name="Título 1">
-            <a:extLst>
-              <a:ext uri="{FF2B5EF4-FFF2-40B4-BE49-F238E27FC236}">
-                <a16:creationId xmlns:a16="http://schemas.microsoft.com/office/drawing/2014/main" id="{FE3A844C-F270-5A80-7F8A-B8DFD0BCA0CB}"/>
+          <p:cNvPr id="6" name="Retângulo: Cantos Arredondados 5">
+            <a:extLst>
+              <a:ext uri="{FF2B5EF4-FFF2-40B4-BE49-F238E27FC236}">
+                <a16:creationId xmlns:a16="http://schemas.microsoft.com/office/drawing/2014/main" id="{239C207E-5041-BDB2-ADF2-376E05E9DFAE}"/>
+              </a:ext>
+            </a:extLst>
+          </p:cNvPr>
+          <p:cNvSpPr/>
+          <p:nvPr/>
+        </p:nvSpPr>
+        <p:spPr>
+          <a:xfrm>
+            <a:off x="957406" y="-2"/>
+            <a:ext cx="10277186" cy="6858000"/>
+          </a:xfrm>
+          <a:prstGeom prst="roundRect">
+            <a:avLst>
+              <a:gd name="adj" fmla="val 0"/>
+            </a:avLst>
+          </a:prstGeom>
+          <a:solidFill>
+            <a:srgbClr val="37475C"/>
+          </a:solidFill>
+          <a:ln>
+            <a:noFill/>
+          </a:ln>
+          <a:effectLst>
+            <a:softEdge rad="0"/>
+          </a:effectLst>
+        </p:spPr>
+        <p:style>
+          <a:lnRef idx="2">
+            <a:schemeClr val="accent1">
+              <a:shade val="50000"/>
+            </a:schemeClr>
+          </a:lnRef>
+          <a:fillRef idx="1">
+            <a:schemeClr val="accent1"/>
+          </a:fillRef>
+          <a:effectRef idx="0">
+            <a:schemeClr val="accent1"/>
+          </a:effectRef>
+          <a:fontRef idx="minor">
+            <a:schemeClr val="lt1"/>
+          </a:fontRef>
+        </p:style>
+        <p:txBody>
+          <a:bodyPr rtlCol="0" anchor="ctr"/>
+          <a:lstStyle/>
+          <a:p>
+            <a:pPr algn="ctr"/>
+            <a:endParaRPr lang="pt-BR" dirty="0"/>
+          </a:p>
+        </p:txBody>
+      </p:sp>
+      <p:sp>
+        <p:nvSpPr>
+          <p:cNvPr id="7" name="Título 1">
+            <a:extLst>
+              <a:ext uri="{FF2B5EF4-FFF2-40B4-BE49-F238E27FC236}">
+                <a16:creationId xmlns:a16="http://schemas.microsoft.com/office/drawing/2014/main" id="{4712BA11-A0E1-6778-0723-713693F81EB6}"/>
               </a:ext>
             </a:extLst>
           </p:cNvPr>
@@ -3646,19 +10182,666 @@
         </p:nvSpPr>
         <p:spPr>
           <a:xfrm>
-            <a:off x="463296" y="438277"/>
-            <a:ext cx="5334000" cy="704723"/>
+            <a:off x="985111" y="307051"/>
+            <a:ext cx="5083176" cy="548635"/>
           </a:xfrm>
         </p:spPr>
         <p:txBody>
           <a:bodyPr>
-            <a:normAutofit/>
+            <a:normAutofit fontScale="90000"/>
           </a:bodyPr>
           <a:lstStyle/>
           <a:p>
-            <a:r>
-              <a:rPr lang="pt-BR" dirty="0"/>
+            <a:pPr algn="ctr"/>
+            <a:r>
+              <a:rPr lang="pt-BR" sz="3600" b="1" dirty="0">
+                <a:solidFill>
+                  <a:schemeClr val="bg1"/>
+                </a:solidFill>
+                <a:latin typeface="Segoe UI" panose="020B0502040204020203" pitchFamily="34" charset="0"/>
+                <a:ea typeface="Microsoft YaHei" panose="020B0503020204020204" pitchFamily="34" charset="-122"/>
+                <a:cs typeface="Segoe UI" panose="020B0502040204020203" pitchFamily="34" charset="0"/>
+              </a:rPr>
               <a:t>Público Alvo</a:t>
+            </a:r>
+          </a:p>
+        </p:txBody>
+      </p:sp>
+      <p:sp>
+        <p:nvSpPr>
+          <p:cNvPr id="8" name="Retângulo 7">
+            <a:extLst>
+              <a:ext uri="{FF2B5EF4-FFF2-40B4-BE49-F238E27FC236}">
+                <a16:creationId xmlns:a16="http://schemas.microsoft.com/office/drawing/2014/main" id="{38AD30BA-9AE4-8674-DA13-354C4F5E7E09}"/>
+              </a:ext>
+            </a:extLst>
+          </p:cNvPr>
+          <p:cNvSpPr/>
+          <p:nvPr/>
+        </p:nvSpPr>
+        <p:spPr>
+          <a:xfrm>
+            <a:off x="6054434" y="209550"/>
+            <a:ext cx="83128" cy="6341399"/>
+          </a:xfrm>
+          <a:prstGeom prst="rect">
+            <a:avLst/>
+          </a:prstGeom>
+          <a:solidFill>
+            <a:srgbClr val="0568E6"/>
+          </a:solidFill>
+          <a:ln>
+            <a:noFill/>
+          </a:ln>
+        </p:spPr>
+        <p:style>
+          <a:lnRef idx="2">
+            <a:schemeClr val="accent1">
+              <a:shade val="15000"/>
+            </a:schemeClr>
+          </a:lnRef>
+          <a:fillRef idx="1">
+            <a:schemeClr val="accent1"/>
+          </a:fillRef>
+          <a:effectRef idx="0">
+            <a:schemeClr val="accent1"/>
+          </a:effectRef>
+          <a:fontRef idx="minor">
+            <a:schemeClr val="lt1"/>
+          </a:fontRef>
+        </p:style>
+        <p:txBody>
+          <a:bodyPr rtlCol="0" anchor="ctr"/>
+          <a:lstStyle/>
+          <a:p>
+            <a:pPr algn="ctr"/>
+            <a:endParaRPr lang="pt-BR"/>
+          </a:p>
+        </p:txBody>
+      </p:sp>
+      <p:sp>
+        <p:nvSpPr>
+          <p:cNvPr id="9" name="CaixaDeTexto 8">
+            <a:extLst>
+              <a:ext uri="{FF2B5EF4-FFF2-40B4-BE49-F238E27FC236}">
+                <a16:creationId xmlns:a16="http://schemas.microsoft.com/office/drawing/2014/main" id="{AC05A1BE-7F5E-E40F-7341-5DCF20C9D7A3}"/>
+              </a:ext>
+            </a:extLst>
+          </p:cNvPr>
+          <p:cNvSpPr txBox="1"/>
+          <p:nvPr/>
+        </p:nvSpPr>
+        <p:spPr>
+          <a:xfrm>
+            <a:off x="1012829" y="932970"/>
+            <a:ext cx="5055463" cy="4816703"/>
+          </a:xfrm>
+          <a:prstGeom prst="rect">
+            <a:avLst/>
+          </a:prstGeom>
+          <a:noFill/>
+        </p:spPr>
+        <p:txBody>
+          <a:bodyPr wrap="square" rtlCol="0">
+            <a:spAutoFit/>
+          </a:bodyPr>
+          <a:lstStyle/>
+          <a:p>
+            <a:pPr marL="180000" lvl="0"/>
+            <a:r>
+              <a:rPr lang="pt-BR" b="1" dirty="0">
+                <a:solidFill>
+                  <a:srgbClr val="1678FA"/>
+                </a:solidFill>
+                <a:latin typeface="Segoe UI" panose="020B0502040204020203" pitchFamily="34" charset="0"/>
+                <a:cs typeface="Segoe UI" panose="020B0502040204020203" pitchFamily="34" charset="0"/>
+              </a:rPr>
+              <a:t>Pessoas físicas: </a:t>
+            </a:r>
+            <a:r>
+              <a:rPr lang="pt-BR" sz="1700" dirty="0">
+                <a:solidFill>
+                  <a:schemeClr val="bg1"/>
+                </a:solidFill>
+                <a:latin typeface="Segoe UI" panose="020B0502040204020203" pitchFamily="34" charset="0"/>
+                <a:cs typeface="Segoe UI" panose="020B0502040204020203" pitchFamily="34" charset="0"/>
+              </a:rPr>
+              <a:t>freelancers, microempreendedores, famílias organizando tarefas.</a:t>
+            </a:r>
+          </a:p>
+          <a:p>
+            <a:pPr marL="180000" lvl="0"/>
+            <a:endParaRPr lang="pt-BR" sz="1200" dirty="0">
+              <a:solidFill>
+                <a:schemeClr val="bg1"/>
+              </a:solidFill>
+              <a:latin typeface="Segoe UI" panose="020B0502040204020203" pitchFamily="34" charset="0"/>
+              <a:cs typeface="Segoe UI" panose="020B0502040204020203" pitchFamily="34" charset="0"/>
+            </a:endParaRPr>
+          </a:p>
+          <a:p>
+            <a:pPr marL="180000" lvl="0"/>
+            <a:r>
+              <a:rPr lang="pt-BR" b="1" dirty="0">
+                <a:solidFill>
+                  <a:srgbClr val="1678FA"/>
+                </a:solidFill>
+                <a:latin typeface="Segoe UI" panose="020B0502040204020203" pitchFamily="34" charset="0"/>
+                <a:cs typeface="Segoe UI" panose="020B0502040204020203" pitchFamily="34" charset="0"/>
+              </a:rPr>
+              <a:t>Empresas:</a:t>
+            </a:r>
+            <a:r>
+              <a:rPr lang="pt-BR" dirty="0">
+                <a:solidFill>
+                  <a:schemeClr val="bg1"/>
+                </a:solidFill>
+                <a:latin typeface="Segoe UI" panose="020B0502040204020203" pitchFamily="34" charset="0"/>
+                <a:cs typeface="Segoe UI" panose="020B0502040204020203" pitchFamily="34" charset="0"/>
+              </a:rPr>
+              <a:t> d</a:t>
+            </a:r>
+            <a:r>
+              <a:rPr lang="pt-BR" sz="1700" dirty="0">
+                <a:solidFill>
+                  <a:schemeClr val="bg1"/>
+                </a:solidFill>
+                <a:latin typeface="Segoe UI" panose="020B0502040204020203" pitchFamily="34" charset="0"/>
+                <a:cs typeface="Segoe UI" panose="020B0502040204020203" pitchFamily="34" charset="0"/>
+              </a:rPr>
+              <a:t>e todos os tipos, foco em gerentes e equipes que precisam de comunicação centralizada.</a:t>
+            </a:r>
+          </a:p>
+          <a:p>
+            <a:pPr marL="180000" lvl="0"/>
+            <a:endParaRPr lang="pt-BR" sz="1200" dirty="0">
+              <a:solidFill>
+                <a:schemeClr val="bg1"/>
+              </a:solidFill>
+              <a:latin typeface="Segoe UI" panose="020B0502040204020203" pitchFamily="34" charset="0"/>
+              <a:cs typeface="Segoe UI" panose="020B0502040204020203" pitchFamily="34" charset="0"/>
+            </a:endParaRPr>
+          </a:p>
+          <a:p>
+            <a:pPr marL="180000" lvl="0"/>
+            <a:r>
+              <a:rPr lang="pt-BR" b="1" dirty="0">
+                <a:solidFill>
+                  <a:srgbClr val="1678FA"/>
+                </a:solidFill>
+                <a:latin typeface="Segoe UI" panose="020B0502040204020203" pitchFamily="34" charset="0"/>
+                <a:cs typeface="Segoe UI" panose="020B0502040204020203" pitchFamily="34" charset="0"/>
+              </a:rPr>
+              <a:t>Comportamento:</a:t>
+            </a:r>
+            <a:r>
+              <a:rPr lang="pt-BR" dirty="0">
+                <a:solidFill>
+                  <a:schemeClr val="bg1"/>
+                </a:solidFill>
+                <a:latin typeface="Segoe UI" panose="020B0502040204020203" pitchFamily="34" charset="0"/>
+                <a:cs typeface="Segoe UI" panose="020B0502040204020203" pitchFamily="34" charset="0"/>
+              </a:rPr>
+              <a:t> </a:t>
+            </a:r>
+            <a:r>
+              <a:rPr lang="pt-BR" sz="1700" dirty="0">
+                <a:solidFill>
+                  <a:schemeClr val="bg1"/>
+                </a:solidFill>
+                <a:latin typeface="Segoe UI" panose="020B0502040204020203" pitchFamily="34" charset="0"/>
+                <a:cs typeface="Segoe UI" panose="020B0502040204020203" pitchFamily="34" charset="0"/>
+              </a:rPr>
+              <a:t>usam planilhas, WhatsApp, cadernos; buscam informações em Google, YouTube, IA; priorizam intuitividade e acessibilidade.</a:t>
+            </a:r>
+          </a:p>
+          <a:p>
+            <a:pPr marL="180000" lvl="0"/>
+            <a:endParaRPr lang="pt-BR" sz="1100" dirty="0">
+              <a:solidFill>
+                <a:schemeClr val="bg1"/>
+              </a:solidFill>
+              <a:latin typeface="Segoe UI" panose="020B0502040204020203" pitchFamily="34" charset="0"/>
+              <a:cs typeface="Segoe UI" panose="020B0502040204020203" pitchFamily="34" charset="0"/>
+            </a:endParaRPr>
+          </a:p>
+          <a:p>
+            <a:pPr marL="180000" lvl="0"/>
+            <a:r>
+              <a:rPr lang="pt-BR" b="1" dirty="0">
+                <a:solidFill>
+                  <a:srgbClr val="1678FA"/>
+                </a:solidFill>
+                <a:latin typeface="Segoe UI" panose="020B0502040204020203" pitchFamily="34" charset="0"/>
+                <a:cs typeface="Segoe UI" panose="020B0502040204020203" pitchFamily="34" charset="0"/>
+              </a:rPr>
+              <a:t>Dores:</a:t>
+            </a:r>
+            <a:r>
+              <a:rPr lang="pt-BR" b="1" dirty="0">
+                <a:solidFill>
+                  <a:srgbClr val="37475C"/>
+                </a:solidFill>
+                <a:latin typeface="Segoe UI" panose="020B0502040204020203" pitchFamily="34" charset="0"/>
+                <a:cs typeface="Segoe UI" panose="020B0502040204020203" pitchFamily="34" charset="0"/>
+              </a:rPr>
+              <a:t> </a:t>
+            </a:r>
+            <a:r>
+              <a:rPr lang="pt-BR" sz="1700" dirty="0">
+                <a:solidFill>
+                  <a:schemeClr val="bg1"/>
+                </a:solidFill>
+                <a:latin typeface="Segoe UI" panose="020B0502040204020203" pitchFamily="34" charset="0"/>
+                <a:cs typeface="Segoe UI" panose="020B0502040204020203" pitchFamily="34" charset="0"/>
+              </a:rPr>
+              <a:t>perda de prazos, desorganização, comunicação difícil → retrabalho e frustração.</a:t>
+            </a:r>
+          </a:p>
+          <a:p>
+            <a:pPr marL="180000" lvl="0"/>
+            <a:endParaRPr lang="pt-BR" sz="1200" dirty="0">
+              <a:solidFill>
+                <a:schemeClr val="bg1"/>
+              </a:solidFill>
+              <a:latin typeface="Segoe UI" panose="020B0502040204020203" pitchFamily="34" charset="0"/>
+              <a:cs typeface="Segoe UI" panose="020B0502040204020203" pitchFamily="34" charset="0"/>
+            </a:endParaRPr>
+          </a:p>
+          <a:p>
+            <a:pPr marL="180000" lvl="0"/>
+            <a:r>
+              <a:rPr lang="pt-BR" b="1" dirty="0">
+                <a:solidFill>
+                  <a:srgbClr val="1678FA"/>
+                </a:solidFill>
+                <a:latin typeface="Segoe UI" panose="020B0502040204020203" pitchFamily="34" charset="0"/>
+                <a:cs typeface="Segoe UI" panose="020B0502040204020203" pitchFamily="34" charset="0"/>
+              </a:rPr>
+              <a:t>Critérios de decisão: </a:t>
+            </a:r>
+            <a:r>
+              <a:rPr lang="pt-BR" sz="1700" dirty="0">
+                <a:solidFill>
+                  <a:schemeClr val="bg1"/>
+                </a:solidFill>
+                <a:latin typeface="Segoe UI" panose="020B0502040204020203" pitchFamily="34" charset="0"/>
+                <a:cs typeface="Segoe UI" panose="020B0502040204020203" pitchFamily="34" charset="0"/>
+              </a:rPr>
+              <a:t>facilidade de uso, influenciadores (gerentes), avaliação via testes, reviews e indicações</a:t>
+            </a:r>
+          </a:p>
+        </p:txBody>
+      </p:sp>
+      <p:sp>
+        <p:nvSpPr>
+          <p:cNvPr id="10" name="Título 1">
+            <a:extLst>
+              <a:ext uri="{FF2B5EF4-FFF2-40B4-BE49-F238E27FC236}">
+                <a16:creationId xmlns:a16="http://schemas.microsoft.com/office/drawing/2014/main" id="{97E672EF-A8E3-E0DC-8DBE-5991BC468554}"/>
+              </a:ext>
+            </a:extLst>
+          </p:cNvPr>
+          <p:cNvSpPr txBox="1">
+            <a:spLocks/>
+          </p:cNvSpPr>
+          <p:nvPr/>
+        </p:nvSpPr>
+        <p:spPr>
+          <a:xfrm>
+            <a:off x="6123708" y="307051"/>
+            <a:ext cx="5110881" cy="548635"/>
+          </a:xfrm>
+          <a:prstGeom prst="rect">
+            <a:avLst/>
+          </a:prstGeom>
+        </p:spPr>
+        <p:txBody>
+          <a:bodyPr vert="horz" lIns="91440" tIns="45720" rIns="91440" bIns="45720" rtlCol="0" anchor="ctr">
+            <a:normAutofit fontScale="97500" lnSpcReduction="10000"/>
+          </a:bodyPr>
+          <a:lstStyle>
+            <a:lvl1pPr algn="l" defTabSz="914400" rtl="0" eaLnBrk="1" latinLnBrk="0" hangingPunct="1">
+              <a:lnSpc>
+                <a:spcPct val="90000"/>
+              </a:lnSpc>
+              <a:spcBef>
+                <a:spcPct val="0"/>
+              </a:spcBef>
+              <a:buNone/>
+              <a:defRPr sz="4400" kern="1200">
+                <a:solidFill>
+                  <a:schemeClr val="tx1"/>
+                </a:solidFill>
+                <a:latin typeface="+mj-lt"/>
+                <a:ea typeface="+mj-ea"/>
+                <a:cs typeface="+mj-cs"/>
+              </a:defRPr>
+            </a:lvl1pPr>
+          </a:lstStyle>
+          <a:p>
+            <a:pPr algn="ctr"/>
+            <a:r>
+              <a:rPr lang="pt-BR" sz="3600" b="1" dirty="0">
+                <a:solidFill>
+                  <a:schemeClr val="bg1"/>
+                </a:solidFill>
+                <a:latin typeface="Segoe UI" panose="020B0502040204020203" pitchFamily="34" charset="0"/>
+                <a:ea typeface="Microsoft YaHei" panose="020B0503020204020204" pitchFamily="34" charset="-122"/>
+                <a:cs typeface="Segoe UI" panose="020B0502040204020203" pitchFamily="34" charset="0"/>
+              </a:rPr>
+              <a:t>Persona</a:t>
+            </a:r>
+          </a:p>
+        </p:txBody>
+      </p:sp>
+      <p:pic>
+        <p:nvPicPr>
+          <p:cNvPr id="11" name="Imagem 10" descr="Homem sentado em frente a mesa com relógio&#10;&#10;O conteúdo gerado por IA pode estar incorreto.">
+            <a:extLst>
+              <a:ext uri="{FF2B5EF4-FFF2-40B4-BE49-F238E27FC236}">
+                <a16:creationId xmlns:a16="http://schemas.microsoft.com/office/drawing/2014/main" id="{B8FE0ACF-6493-DECD-D199-F886F3415E00}"/>
+              </a:ext>
+            </a:extLst>
+          </p:cNvPr>
+          <p:cNvPicPr>
+            <a:picLocks noChangeAspect="1"/>
+          </p:cNvPicPr>
+          <p:nvPr/>
+        </p:nvPicPr>
+        <p:blipFill>
+          <a:blip r:embed="rId3">
+            <a:alphaModFix amt="92000"/>
+            <a:extLst>
+              <a:ext uri="{28A0092B-C50C-407E-A947-70E740481C1C}">
+                <a14:useLocalDpi xmlns:a14="http://schemas.microsoft.com/office/drawing/2010/main" val="0"/>
+              </a:ext>
+            </a:extLst>
+          </a:blip>
+          <a:srcRect/>
+          <a:stretch>
+            <a:fillRect/>
+          </a:stretch>
+        </p:blipFill>
+        <p:spPr bwMode="auto">
+          <a:xfrm>
+            <a:off x="6350905" y="932970"/>
+            <a:ext cx="2507009" cy="1949248"/>
+          </a:xfrm>
+          <a:prstGeom prst="rect">
+            <a:avLst/>
+          </a:prstGeom>
+          <a:noFill/>
+          <a:ln>
+            <a:noFill/>
+          </a:ln>
+        </p:spPr>
+      </p:pic>
+      <p:sp>
+        <p:nvSpPr>
+          <p:cNvPr id="17" name="CaixaDeTexto 16">
+            <a:extLst>
+              <a:ext uri="{FF2B5EF4-FFF2-40B4-BE49-F238E27FC236}">
+                <a16:creationId xmlns:a16="http://schemas.microsoft.com/office/drawing/2014/main" id="{B7D60EFE-089B-80AA-FA18-9F7071DB0054}"/>
+              </a:ext>
+            </a:extLst>
+          </p:cNvPr>
+          <p:cNvSpPr txBox="1"/>
+          <p:nvPr/>
+        </p:nvSpPr>
+        <p:spPr>
+          <a:xfrm>
+            <a:off x="6273506" y="2959502"/>
+            <a:ext cx="4905665" cy="3539430"/>
+          </a:xfrm>
+          <a:prstGeom prst="rect">
+            <a:avLst/>
+          </a:prstGeom>
+          <a:noFill/>
+        </p:spPr>
+        <p:txBody>
+          <a:bodyPr wrap="square" rtlCol="0">
+            <a:spAutoFit/>
+          </a:bodyPr>
+          <a:lstStyle/>
+          <a:p>
+            <a:pPr lvl="0"/>
+            <a:r>
+              <a:rPr lang="pt-BR" sz="1600" b="1" dirty="0">
+                <a:solidFill>
+                  <a:srgbClr val="1678FA"/>
+                </a:solidFill>
+                <a:latin typeface="Segoe UI" panose="020B0502040204020203" pitchFamily="34" charset="0"/>
+                <a:cs typeface="Segoe UI" panose="020B0502040204020203" pitchFamily="34" charset="0"/>
+              </a:rPr>
+              <a:t>Desafios:</a:t>
+            </a:r>
+            <a:r>
+              <a:rPr lang="pt-BR" sz="1600" dirty="0">
+                <a:solidFill>
+                  <a:schemeClr val="bg1"/>
+                </a:solidFill>
+                <a:latin typeface="Segoe UI" panose="020B0502040204020203" pitchFamily="34" charset="0"/>
+                <a:cs typeface="Segoe UI" panose="020B0502040204020203" pitchFamily="34" charset="0"/>
+              </a:rPr>
+              <a:t> </a:t>
+            </a:r>
+            <a:r>
+              <a:rPr lang="pt-BR" sz="1500" dirty="0">
+                <a:solidFill>
+                  <a:schemeClr val="bg1"/>
+                </a:solidFill>
+                <a:latin typeface="Segoe UI" panose="020B0502040204020203" pitchFamily="34" charset="0"/>
+                <a:cs typeface="Segoe UI" panose="020B0502040204020203" pitchFamily="34" charset="0"/>
+              </a:rPr>
+              <a:t>desorganização, perda de prazos</a:t>
+            </a:r>
+          </a:p>
+          <a:p>
+            <a:pPr lvl="0"/>
+            <a:r>
+              <a:rPr lang="pt-BR" sz="1500" dirty="0">
+                <a:solidFill>
+                  <a:schemeClr val="bg1"/>
+                </a:solidFill>
+                <a:latin typeface="Segoe UI" panose="020B0502040204020203" pitchFamily="34" charset="0"/>
+                <a:cs typeface="Segoe UI" panose="020B0502040204020203" pitchFamily="34" charset="0"/>
+              </a:rPr>
+              <a:t>Ferramentas: WhatsApp, e-mail</a:t>
+            </a:r>
+          </a:p>
+          <a:p>
+            <a:pPr lvl="0"/>
+            <a:endParaRPr lang="pt-BR" sz="1600" dirty="0">
+              <a:solidFill>
+                <a:schemeClr val="bg1"/>
+              </a:solidFill>
+              <a:latin typeface="Segoe UI" panose="020B0502040204020203" pitchFamily="34" charset="0"/>
+              <a:cs typeface="Segoe UI" panose="020B0502040204020203" pitchFamily="34" charset="0"/>
+            </a:endParaRPr>
+          </a:p>
+          <a:p>
+            <a:pPr lvl="0"/>
+            <a:r>
+              <a:rPr lang="pt-BR" sz="1600" b="1" dirty="0">
+                <a:solidFill>
+                  <a:srgbClr val="1678FA"/>
+                </a:solidFill>
+                <a:latin typeface="Segoe UI" panose="020B0502040204020203" pitchFamily="34" charset="0"/>
+                <a:cs typeface="Segoe UI" panose="020B0502040204020203" pitchFamily="34" charset="0"/>
+              </a:rPr>
+              <a:t>Comportamento digital: </a:t>
+            </a:r>
+            <a:r>
+              <a:rPr lang="pt-BR" sz="1500" dirty="0">
+                <a:solidFill>
+                  <a:schemeClr val="bg1"/>
+                </a:solidFill>
+                <a:latin typeface="Segoe UI" panose="020B0502040204020203" pitchFamily="34" charset="0"/>
+                <a:cs typeface="Segoe UI" panose="020B0502040204020203" pitchFamily="34" charset="0"/>
+              </a:rPr>
+              <a:t>busca informações em Google, IA, YouTube; usa WhatsApp, TikTok, Instagram, X; consome vídeos, podcasts, tutoriais; usa computador e celular</a:t>
+            </a:r>
+          </a:p>
+          <a:p>
+            <a:pPr lvl="0"/>
+            <a:endParaRPr lang="pt-BR" sz="1600" dirty="0">
+              <a:solidFill>
+                <a:schemeClr val="bg1"/>
+              </a:solidFill>
+              <a:latin typeface="Segoe UI" panose="020B0502040204020203" pitchFamily="34" charset="0"/>
+              <a:cs typeface="Segoe UI" panose="020B0502040204020203" pitchFamily="34" charset="0"/>
+            </a:endParaRPr>
+          </a:p>
+          <a:p>
+            <a:pPr lvl="0"/>
+            <a:r>
+              <a:rPr lang="pt-BR" sz="1600" b="1" dirty="0">
+                <a:solidFill>
+                  <a:srgbClr val="1678FA"/>
+                </a:solidFill>
+                <a:latin typeface="Segoe UI" panose="020B0502040204020203" pitchFamily="34" charset="0"/>
+                <a:cs typeface="Segoe UI" panose="020B0502040204020203" pitchFamily="34" charset="0"/>
+              </a:rPr>
+              <a:t>Relação com produto: </a:t>
+            </a:r>
+            <a:r>
+              <a:rPr lang="pt-BR" sz="1500" dirty="0">
+                <a:solidFill>
+                  <a:schemeClr val="bg1"/>
+                </a:solidFill>
+                <a:latin typeface="Segoe UI" panose="020B0502040204020203" pitchFamily="34" charset="0"/>
+                <a:cs typeface="Segoe UI" panose="020B0502040204020203" pitchFamily="34" charset="0"/>
+              </a:rPr>
+              <a:t>organiza projetos, objeção é falta de intimidade; descobriria via vídeos de review e propaganda</a:t>
+            </a:r>
+          </a:p>
+          <a:p>
+            <a:pPr lvl="0"/>
+            <a:endParaRPr lang="pt-BR" sz="1600" dirty="0">
+              <a:solidFill>
+                <a:schemeClr val="bg1"/>
+              </a:solidFill>
+              <a:latin typeface="Segoe UI" panose="020B0502040204020203" pitchFamily="34" charset="0"/>
+              <a:cs typeface="Segoe UI" panose="020B0502040204020203" pitchFamily="34" charset="0"/>
+            </a:endParaRPr>
+          </a:p>
+          <a:p>
+            <a:pPr lvl="0"/>
+            <a:r>
+              <a:rPr lang="pt-BR" sz="1600" b="1" dirty="0">
+                <a:solidFill>
+                  <a:srgbClr val="1678FA"/>
+                </a:solidFill>
+                <a:latin typeface="Segoe UI" panose="020B0502040204020203" pitchFamily="34" charset="0"/>
+                <a:cs typeface="Segoe UI" panose="020B0502040204020203" pitchFamily="34" charset="0"/>
+              </a:rPr>
+              <a:t>Citações:</a:t>
+            </a:r>
+            <a:r>
+              <a:rPr lang="pt-BR" sz="1500" dirty="0">
+                <a:solidFill>
+                  <a:schemeClr val="bg1"/>
+                </a:solidFill>
+                <a:latin typeface="Segoe UI" panose="020B0502040204020203" pitchFamily="34" charset="0"/>
+                <a:cs typeface="Segoe UI" panose="020B0502040204020203" pitchFamily="34" charset="0"/>
+              </a:rPr>
+              <a:t> “Perdi o prazo, estou perdido.” / “Seria perfeito um lugar para me organizar.”</a:t>
+            </a:r>
+          </a:p>
+        </p:txBody>
+      </p:sp>
+      <p:sp>
+        <p:nvSpPr>
+          <p:cNvPr id="18" name="CaixaDeTexto 17">
+            <a:extLst>
+              <a:ext uri="{FF2B5EF4-FFF2-40B4-BE49-F238E27FC236}">
+                <a16:creationId xmlns:a16="http://schemas.microsoft.com/office/drawing/2014/main" id="{F94D7DCA-04BE-8874-B6D3-3589BC23007E}"/>
+              </a:ext>
+            </a:extLst>
+          </p:cNvPr>
+          <p:cNvSpPr txBox="1"/>
+          <p:nvPr/>
+        </p:nvSpPr>
+        <p:spPr>
+          <a:xfrm>
+            <a:off x="8885624" y="932970"/>
+            <a:ext cx="2293547" cy="1554272"/>
+          </a:xfrm>
+          <a:prstGeom prst="rect">
+            <a:avLst/>
+          </a:prstGeom>
+          <a:noFill/>
+        </p:spPr>
+        <p:txBody>
+          <a:bodyPr wrap="square" rtlCol="0">
+            <a:spAutoFit/>
+          </a:bodyPr>
+          <a:lstStyle/>
+          <a:p>
+            <a:pPr lvl="0"/>
+            <a:r>
+              <a:rPr lang="pt-BR" sz="1600" b="1" dirty="0">
+                <a:solidFill>
+                  <a:srgbClr val="1678FA"/>
+                </a:solidFill>
+                <a:latin typeface="Segoe UI" panose="020B0502040204020203" pitchFamily="34" charset="0"/>
+                <a:cs typeface="Segoe UI" panose="020B0502040204020203" pitchFamily="34" charset="0"/>
+              </a:rPr>
+              <a:t>Idade:</a:t>
+            </a:r>
+            <a:r>
+              <a:rPr lang="pt-BR" sz="1600" dirty="0">
+                <a:solidFill>
+                  <a:schemeClr val="bg1"/>
+                </a:solidFill>
+                <a:latin typeface="Segoe UI" panose="020B0502040204020203" pitchFamily="34" charset="0"/>
+                <a:cs typeface="Segoe UI" panose="020B0502040204020203" pitchFamily="34" charset="0"/>
+              </a:rPr>
+              <a:t> </a:t>
+            </a:r>
+            <a:r>
+              <a:rPr lang="pt-BR" sz="1500" dirty="0">
+                <a:solidFill>
+                  <a:schemeClr val="bg1"/>
+                </a:solidFill>
+                <a:latin typeface="Segoe UI" panose="020B0502040204020203" pitchFamily="34" charset="0"/>
+                <a:cs typeface="Segoe UI" panose="020B0502040204020203" pitchFamily="34" charset="0"/>
+              </a:rPr>
+              <a:t>24 anos, solteiro, auxiliar administrativo</a:t>
+            </a:r>
+          </a:p>
+          <a:p>
+            <a:pPr lvl="0"/>
+            <a:endParaRPr lang="pt-BR" sz="1600" dirty="0">
+              <a:solidFill>
+                <a:schemeClr val="bg1"/>
+              </a:solidFill>
+              <a:latin typeface="Segoe UI" panose="020B0502040204020203" pitchFamily="34" charset="0"/>
+              <a:cs typeface="Segoe UI" panose="020B0502040204020203" pitchFamily="34" charset="0"/>
+            </a:endParaRPr>
+          </a:p>
+          <a:p>
+            <a:pPr lvl="0"/>
+            <a:r>
+              <a:rPr lang="pt-BR" sz="1600" b="1" dirty="0">
+                <a:solidFill>
+                  <a:srgbClr val="1678FA"/>
+                </a:solidFill>
+                <a:latin typeface="Segoe UI" panose="020B0502040204020203" pitchFamily="34" charset="0"/>
+                <a:cs typeface="Segoe UI" panose="020B0502040204020203" pitchFamily="34" charset="0"/>
+              </a:rPr>
+              <a:t>Responsabilidades: </a:t>
+            </a:r>
+            <a:r>
+              <a:rPr lang="pt-BR" sz="1500" dirty="0">
+                <a:solidFill>
+                  <a:schemeClr val="bg1"/>
+                </a:solidFill>
+                <a:latin typeface="Segoe UI" panose="020B0502040204020203" pitchFamily="34" charset="0"/>
+                <a:cs typeface="Segoe UI" panose="020B0502040204020203" pitchFamily="34" charset="0"/>
+              </a:rPr>
+              <a:t>organizar tarefas, cumprir prazos</a:t>
             </a:r>
           </a:p>
         </p:txBody>
@@ -3711,21 +10894,116 @@
         </p:nvSpPr>
         <p:spPr>
           <a:xfrm>
-            <a:off x="4727448" y="520573"/>
-            <a:ext cx="2737104" cy="704723"/>
+            <a:off x="2891028" y="67000"/>
+            <a:ext cx="6409944" cy="704723"/>
           </a:xfrm>
         </p:spPr>
         <p:txBody>
           <a:bodyPr>
-            <a:normAutofit/>
+            <a:normAutofit fontScale="90000"/>
           </a:bodyPr>
           <a:lstStyle/>
           <a:p>
             <a:r>
-              <a:rPr lang="pt-BR" dirty="0" err="1"/>
-              <a:t>Wireframe</a:t>
-            </a:r>
-            <a:endParaRPr lang="pt-BR" dirty="0"/>
+              <a:rPr lang="pt-BR" dirty="0">
+                <a:solidFill>
+                  <a:srgbClr val="1678FA"/>
+                </a:solidFill>
+              </a:rPr>
+              <a:t>Wireframe de Baixa Fidelidade</a:t>
+            </a:r>
+          </a:p>
+        </p:txBody>
+      </p:sp>
+      <p:pic>
+        <p:nvPicPr>
+          <p:cNvPr id="6" name="Imagem 5">
+            <a:extLst>
+              <a:ext uri="{FF2B5EF4-FFF2-40B4-BE49-F238E27FC236}">
+                <a16:creationId xmlns:a16="http://schemas.microsoft.com/office/drawing/2014/main" id="{47D8C42A-C218-D58F-38A2-BF9A90171311}"/>
+              </a:ext>
+            </a:extLst>
+          </p:cNvPr>
+          <p:cNvPicPr>
+            <a:picLocks noChangeAspect="1"/>
+          </p:cNvPicPr>
+          <p:nvPr/>
+        </p:nvPicPr>
+        <p:blipFill>
+          <a:blip r:embed="rId2"/>
+          <a:stretch>
+            <a:fillRect/>
+          </a:stretch>
+        </p:blipFill>
+        <p:spPr>
+          <a:xfrm>
+            <a:off x="1589532" y="1476446"/>
+            <a:ext cx="9012936" cy="5079232"/>
+          </a:xfrm>
+          <a:prstGeom prst="rect">
+            <a:avLst/>
+          </a:prstGeom>
+        </p:spPr>
+      </p:pic>
+      <p:sp>
+        <p:nvSpPr>
+          <p:cNvPr id="11" name="Título 1">
+            <a:extLst>
+              <a:ext uri="{FF2B5EF4-FFF2-40B4-BE49-F238E27FC236}">
+                <a16:creationId xmlns:a16="http://schemas.microsoft.com/office/drawing/2014/main" id="{99329DA4-EC60-4649-7C10-0B5DAFB47019}"/>
+              </a:ext>
+            </a:extLst>
+          </p:cNvPr>
+          <p:cNvSpPr txBox="1">
+            <a:spLocks/>
+          </p:cNvSpPr>
+          <p:nvPr/>
+        </p:nvSpPr>
+        <p:spPr>
+          <a:xfrm>
+            <a:off x="1589532" y="771722"/>
+            <a:ext cx="9012936" cy="535869"/>
+          </a:xfrm>
+          <a:prstGeom prst="rect">
+            <a:avLst/>
+          </a:prstGeom>
+          <a:solidFill>
+            <a:srgbClr val="1678FA"/>
+          </a:solidFill>
+        </p:spPr>
+        <p:txBody>
+          <a:bodyPr vert="horz" lIns="91440" tIns="45720" rIns="91440" bIns="45720" rtlCol="0" anchor="ctr">
+            <a:normAutofit fontScale="97500"/>
+          </a:bodyPr>
+          <a:lstStyle>
+            <a:lvl1pPr algn="l" defTabSz="914400" rtl="0" eaLnBrk="1" latinLnBrk="0" hangingPunct="1">
+              <a:lnSpc>
+                <a:spcPct val="90000"/>
+              </a:lnSpc>
+              <a:spcBef>
+                <a:spcPct val="0"/>
+              </a:spcBef>
+              <a:buNone/>
+              <a:defRPr sz="4400" kern="1200">
+                <a:solidFill>
+                  <a:schemeClr val="tx1"/>
+                </a:solidFill>
+                <a:latin typeface="+mj-lt"/>
+                <a:ea typeface="+mj-ea"/>
+                <a:cs typeface="+mj-cs"/>
+              </a:defRPr>
+            </a:lvl1pPr>
+          </a:lstStyle>
+          <a:p>
+            <a:pPr algn="ctr"/>
+            <a:r>
+              <a:rPr lang="pt-BR" sz="3000" dirty="0">
+                <a:solidFill>
+                  <a:schemeClr val="bg1"/>
+                </a:solidFill>
+              </a:rPr>
+              <a:t>Página Inicial</a:t>
+            </a:r>
           </a:p>
         </p:txBody>
       </p:sp>
@@ -3747,7 +11025,13 @@
   <p:cSld>
     <p:spTree>
       <p:nvGrpSpPr>
-        <p:cNvPr id="1" name=""/>
+        <p:cNvPr id="1" name="">
+          <a:extLst>
+            <a:ext uri="{FF2B5EF4-FFF2-40B4-BE49-F238E27FC236}">
+              <a16:creationId xmlns:a16="http://schemas.microsoft.com/office/drawing/2014/main" id="{A7A2C595-7351-16F9-91C8-0717C582638F}"/>
+            </a:ext>
+          </a:extLst>
+        </p:cNvPr>
         <p:cNvGrpSpPr/>
         <p:nvPr/>
       </p:nvGrpSpPr>
@@ -3764,7 +11048,7 @@
           <p:cNvPr id="4" name="Título 1">
             <a:extLst>
               <a:ext uri="{FF2B5EF4-FFF2-40B4-BE49-F238E27FC236}">
-                <a16:creationId xmlns:a16="http://schemas.microsoft.com/office/drawing/2014/main" id="{3E82842B-C6D3-5D28-3FAE-3CFB5F1B9866}"/>
+                <a16:creationId xmlns:a16="http://schemas.microsoft.com/office/drawing/2014/main" id="{79D13F2A-01F2-CB4A-A90C-6E562D79889E}"/>
               </a:ext>
             </a:extLst>
           </p:cNvPr>
@@ -3777,8 +11061,8 @@
         </p:nvSpPr>
         <p:spPr>
           <a:xfrm>
-            <a:off x="2217420" y="355981"/>
-            <a:ext cx="7757160" cy="704723"/>
+            <a:off x="2891028" y="67000"/>
+            <a:ext cx="6409944" cy="704723"/>
           </a:xfrm>
         </p:spPr>
         <p:txBody>
@@ -3788,16 +11072,112 @@
           <a:lstStyle/>
           <a:p>
             <a:r>
-              <a:rPr lang="pt-BR" dirty="0"/>
-              <a:t>Tecnologias, Frameworks e Recursos</a:t>
-            </a:r>
-          </a:p>
-        </p:txBody>
-      </p:sp>
+              <a:rPr lang="pt-BR" dirty="0">
+                <a:solidFill>
+                  <a:srgbClr val="1678FA"/>
+                </a:solidFill>
+              </a:rPr>
+              <a:t>Wireframe de Baixa Fidelidade</a:t>
+            </a:r>
+          </a:p>
+        </p:txBody>
+      </p:sp>
+      <p:sp>
+        <p:nvSpPr>
+          <p:cNvPr id="11" name="Título 1">
+            <a:extLst>
+              <a:ext uri="{FF2B5EF4-FFF2-40B4-BE49-F238E27FC236}">
+                <a16:creationId xmlns:a16="http://schemas.microsoft.com/office/drawing/2014/main" id="{2821E47B-1D07-B63F-7E6C-57796395504B}"/>
+              </a:ext>
+            </a:extLst>
+          </p:cNvPr>
+          <p:cNvSpPr txBox="1">
+            <a:spLocks/>
+          </p:cNvSpPr>
+          <p:nvPr/>
+        </p:nvSpPr>
+        <p:spPr>
+          <a:xfrm>
+            <a:off x="1589532" y="771722"/>
+            <a:ext cx="9012936" cy="535869"/>
+          </a:xfrm>
+          <a:prstGeom prst="rect">
+            <a:avLst/>
+          </a:prstGeom>
+          <a:solidFill>
+            <a:srgbClr val="1678FA"/>
+          </a:solidFill>
+        </p:spPr>
+        <p:txBody>
+          <a:bodyPr vert="horz" lIns="91440" tIns="45720" rIns="91440" bIns="45720" rtlCol="0" anchor="ctr">
+            <a:normAutofit fontScale="97500"/>
+          </a:bodyPr>
+          <a:lstStyle>
+            <a:lvl1pPr algn="l" defTabSz="914400" rtl="0" eaLnBrk="1" latinLnBrk="0" hangingPunct="1">
+              <a:lnSpc>
+                <a:spcPct val="90000"/>
+              </a:lnSpc>
+              <a:spcBef>
+                <a:spcPct val="0"/>
+              </a:spcBef>
+              <a:buNone/>
+              <a:defRPr sz="4400" kern="1200">
+                <a:solidFill>
+                  <a:schemeClr val="tx1"/>
+                </a:solidFill>
+                <a:latin typeface="+mj-lt"/>
+                <a:ea typeface="+mj-ea"/>
+                <a:cs typeface="+mj-cs"/>
+              </a:defRPr>
+            </a:lvl1pPr>
+          </a:lstStyle>
+          <a:p>
+            <a:pPr algn="ctr"/>
+            <a:r>
+              <a:rPr lang="pt-BR" sz="3000" dirty="0">
+                <a:solidFill>
+                  <a:schemeClr val="bg1"/>
+                </a:solidFill>
+              </a:rPr>
+              <a:t>Projetos</a:t>
+            </a:r>
+          </a:p>
+        </p:txBody>
+      </p:sp>
+      <p:pic>
+        <p:nvPicPr>
+          <p:cNvPr id="9" name="Imagem 8">
+            <a:extLst>
+              <a:ext uri="{FF2B5EF4-FFF2-40B4-BE49-F238E27FC236}">
+                <a16:creationId xmlns:a16="http://schemas.microsoft.com/office/drawing/2014/main" id="{6FAA1D3A-51BB-4942-5333-C6C2BCA82AD6}"/>
+              </a:ext>
+            </a:extLst>
+          </p:cNvPr>
+          <p:cNvPicPr>
+            <a:picLocks noChangeAspect="1"/>
+          </p:cNvPicPr>
+          <p:nvPr/>
+        </p:nvPicPr>
+        <p:blipFill>
+          <a:blip r:embed="rId3"/>
+          <a:stretch>
+            <a:fillRect/>
+          </a:stretch>
+        </p:blipFill>
+        <p:spPr>
+          <a:xfrm>
+            <a:off x="1589532" y="1456983"/>
+            <a:ext cx="9012936" cy="5074095"/>
+          </a:xfrm>
+          <a:prstGeom prst="rect">
+            <a:avLst/>
+          </a:prstGeom>
+        </p:spPr>
+      </p:pic>
     </p:spTree>
     <p:extLst>
       <p:ext uri="{BB962C8B-B14F-4D97-AF65-F5344CB8AC3E}">
-        <p14:creationId xmlns:p14="http://schemas.microsoft.com/office/powerpoint/2010/main" val="2506206066"/>
+        <p14:creationId xmlns:p14="http://schemas.microsoft.com/office/powerpoint/2010/main" val="2865192860"/>
       </p:ext>
     </p:extLst>
   </p:cSld>
@@ -3812,7 +11192,13 @@
   <p:cSld>
     <p:spTree>
       <p:nvGrpSpPr>
-        <p:cNvPr id="1" name=""/>
+        <p:cNvPr id="1" name="">
+          <a:extLst>
+            <a:ext uri="{FF2B5EF4-FFF2-40B4-BE49-F238E27FC236}">
+              <a16:creationId xmlns:a16="http://schemas.microsoft.com/office/drawing/2014/main" id="{5DFDED1B-EE3D-0904-953D-790916904FF8}"/>
+            </a:ext>
+          </a:extLst>
+        </p:cNvPr>
         <p:cNvGrpSpPr/>
         <p:nvPr/>
       </p:nvGrpSpPr>
@@ -3829,7 +11215,7 @@
           <p:cNvPr id="4" name="Título 1">
             <a:extLst>
               <a:ext uri="{FF2B5EF4-FFF2-40B4-BE49-F238E27FC236}">
-                <a16:creationId xmlns:a16="http://schemas.microsoft.com/office/drawing/2014/main" id="{0E0B9D54-AB69-CDDA-551B-F7A3BB7BEAC6}"/>
+                <a16:creationId xmlns:a16="http://schemas.microsoft.com/office/drawing/2014/main" id="{AEA9D190-35A9-EE25-F6E6-D13ED831AFF3}"/>
               </a:ext>
             </a:extLst>
           </p:cNvPr>
@@ -3842,27 +11228,457 @@
         </p:nvSpPr>
         <p:spPr>
           <a:xfrm>
-            <a:off x="463296" y="438277"/>
-            <a:ext cx="5334000" cy="704723"/>
+            <a:off x="2891028" y="67000"/>
+            <a:ext cx="6409944" cy="704723"/>
           </a:xfrm>
         </p:spPr>
         <p:txBody>
           <a:bodyPr>
-            <a:normAutofit/>
+            <a:normAutofit fontScale="90000"/>
           </a:bodyPr>
           <a:lstStyle/>
           <a:p>
             <a:r>
-              <a:rPr lang="pt-BR" dirty="0"/>
-              <a:t>Orçamento do Projeto</a:t>
-            </a:r>
-          </a:p>
-        </p:txBody>
-      </p:sp>
+              <a:rPr lang="pt-BR" dirty="0">
+                <a:solidFill>
+                  <a:srgbClr val="1678FA"/>
+                </a:solidFill>
+              </a:rPr>
+              <a:t>Wireframe de Baixa Fidelidade</a:t>
+            </a:r>
+          </a:p>
+        </p:txBody>
+      </p:sp>
+      <p:sp>
+        <p:nvSpPr>
+          <p:cNvPr id="11" name="Título 1">
+            <a:extLst>
+              <a:ext uri="{FF2B5EF4-FFF2-40B4-BE49-F238E27FC236}">
+                <a16:creationId xmlns:a16="http://schemas.microsoft.com/office/drawing/2014/main" id="{53BF9FDA-0244-7D1E-3116-BBD6A97A1B1D}"/>
+              </a:ext>
+            </a:extLst>
+          </p:cNvPr>
+          <p:cNvSpPr txBox="1">
+            <a:spLocks/>
+          </p:cNvSpPr>
+          <p:nvPr/>
+        </p:nvSpPr>
+        <p:spPr>
+          <a:xfrm>
+            <a:off x="1589532" y="771722"/>
+            <a:ext cx="9012936" cy="535869"/>
+          </a:xfrm>
+          <a:prstGeom prst="rect">
+            <a:avLst/>
+          </a:prstGeom>
+          <a:solidFill>
+            <a:srgbClr val="1678FA"/>
+          </a:solidFill>
+        </p:spPr>
+        <p:txBody>
+          <a:bodyPr vert="horz" lIns="91440" tIns="45720" rIns="91440" bIns="45720" rtlCol="0" anchor="ctr">
+            <a:normAutofit fontScale="97500"/>
+          </a:bodyPr>
+          <a:lstStyle>
+            <a:lvl1pPr algn="l" defTabSz="914400" rtl="0" eaLnBrk="1" latinLnBrk="0" hangingPunct="1">
+              <a:lnSpc>
+                <a:spcPct val="90000"/>
+              </a:lnSpc>
+              <a:spcBef>
+                <a:spcPct val="0"/>
+              </a:spcBef>
+              <a:buNone/>
+              <a:defRPr sz="4400" kern="1200">
+                <a:solidFill>
+                  <a:schemeClr val="tx1"/>
+                </a:solidFill>
+                <a:latin typeface="+mj-lt"/>
+                <a:ea typeface="+mj-ea"/>
+                <a:cs typeface="+mj-cs"/>
+              </a:defRPr>
+            </a:lvl1pPr>
+          </a:lstStyle>
+          <a:p>
+            <a:pPr algn="ctr"/>
+            <a:r>
+              <a:rPr lang="pt-BR" sz="3000" dirty="0">
+                <a:solidFill>
+                  <a:schemeClr val="bg1"/>
+                </a:solidFill>
+              </a:rPr>
+              <a:t>Tarefas</a:t>
+            </a:r>
+          </a:p>
+        </p:txBody>
+      </p:sp>
+      <p:pic>
+        <p:nvPicPr>
+          <p:cNvPr id="3" name="Imagem 2">
+            <a:extLst>
+              <a:ext uri="{FF2B5EF4-FFF2-40B4-BE49-F238E27FC236}">
+                <a16:creationId xmlns:a16="http://schemas.microsoft.com/office/drawing/2014/main" id="{C5E805AE-7597-4BC6-93E1-15AAE12FEAF3}"/>
+              </a:ext>
+            </a:extLst>
+          </p:cNvPr>
+          <p:cNvPicPr>
+            <a:picLocks noChangeAspect="1"/>
+          </p:cNvPicPr>
+          <p:nvPr/>
+        </p:nvPicPr>
+        <p:blipFill>
+          <a:blip r:embed="rId3"/>
+          <a:stretch>
+            <a:fillRect/>
+          </a:stretch>
+        </p:blipFill>
+        <p:spPr>
+          <a:xfrm>
+            <a:off x="1589532" y="1476111"/>
+            <a:ext cx="9012936" cy="5076987"/>
+          </a:xfrm>
+          <a:prstGeom prst="rect">
+            <a:avLst/>
+          </a:prstGeom>
+        </p:spPr>
+      </p:pic>
     </p:spTree>
     <p:extLst>
       <p:ext uri="{BB962C8B-B14F-4D97-AF65-F5344CB8AC3E}">
-        <p14:creationId xmlns:p14="http://schemas.microsoft.com/office/powerpoint/2010/main" val="957556736"/>
+        <p14:creationId xmlns:p14="http://schemas.microsoft.com/office/powerpoint/2010/main" val="3403883707"/>
+      </p:ext>
+    </p:extLst>
+  </p:cSld>
+  <p:clrMapOvr>
+    <a:masterClrMapping/>
+  </p:clrMapOvr>
+</p:sld>
+</file>
+
+<file path=ppt/slides/slide8.xml><?xml version="1.0" encoding="utf-8"?>
+<p:sld xmlns:a="http://schemas.openxmlformats.org/drawingml/2006/main" xmlns:r="http://schemas.openxmlformats.org/officeDocument/2006/relationships" xmlns:p="http://schemas.openxmlformats.org/presentationml/2006/main">
+  <p:cSld>
+    <p:spTree>
+      <p:nvGrpSpPr>
+        <p:cNvPr id="1" name="">
+          <a:extLst>
+            <a:ext uri="{FF2B5EF4-FFF2-40B4-BE49-F238E27FC236}">
+              <a16:creationId xmlns:a16="http://schemas.microsoft.com/office/drawing/2014/main" id="{9BD3BB9C-A155-0FF1-A5AA-F79FDEA1ACDB}"/>
+            </a:ext>
+          </a:extLst>
+        </p:cNvPr>
+        <p:cNvGrpSpPr/>
+        <p:nvPr/>
+      </p:nvGrpSpPr>
+      <p:grpSpPr>
+        <a:xfrm>
+          <a:off x="0" y="0"/>
+          <a:ext cx="0" cy="0"/>
+          <a:chOff x="0" y="0"/>
+          <a:chExt cx="0" cy="0"/>
+        </a:xfrm>
+      </p:grpSpPr>
+      <p:sp>
+        <p:nvSpPr>
+          <p:cNvPr id="4" name="Título 1">
+            <a:extLst>
+              <a:ext uri="{FF2B5EF4-FFF2-40B4-BE49-F238E27FC236}">
+                <a16:creationId xmlns:a16="http://schemas.microsoft.com/office/drawing/2014/main" id="{3E4DEF16-F6C6-8EBA-659A-96DFC834466A}"/>
+              </a:ext>
+            </a:extLst>
+          </p:cNvPr>
+          <p:cNvSpPr>
+            <a:spLocks noGrp="1"/>
+          </p:cNvSpPr>
+          <p:nvPr>
+            <p:ph type="title"/>
+          </p:nvPr>
+        </p:nvSpPr>
+        <p:spPr>
+          <a:xfrm>
+            <a:off x="2891028" y="67000"/>
+            <a:ext cx="6409944" cy="704723"/>
+          </a:xfrm>
+        </p:spPr>
+        <p:txBody>
+          <a:bodyPr>
+            <a:normAutofit fontScale="90000"/>
+          </a:bodyPr>
+          <a:lstStyle/>
+          <a:p>
+            <a:r>
+              <a:rPr lang="pt-BR" dirty="0">
+                <a:solidFill>
+                  <a:srgbClr val="1678FA"/>
+                </a:solidFill>
+              </a:rPr>
+              <a:t>Wireframe de Baixa Fidelidade</a:t>
+            </a:r>
+          </a:p>
+        </p:txBody>
+      </p:sp>
+      <p:sp>
+        <p:nvSpPr>
+          <p:cNvPr id="11" name="Título 1">
+            <a:extLst>
+              <a:ext uri="{FF2B5EF4-FFF2-40B4-BE49-F238E27FC236}">
+                <a16:creationId xmlns:a16="http://schemas.microsoft.com/office/drawing/2014/main" id="{386A7E20-84DF-09F3-9ACE-A00424F2B210}"/>
+              </a:ext>
+            </a:extLst>
+          </p:cNvPr>
+          <p:cNvSpPr txBox="1">
+            <a:spLocks/>
+          </p:cNvSpPr>
+          <p:nvPr/>
+        </p:nvSpPr>
+        <p:spPr>
+          <a:xfrm>
+            <a:off x="1589532" y="771722"/>
+            <a:ext cx="9012936" cy="535869"/>
+          </a:xfrm>
+          <a:prstGeom prst="rect">
+            <a:avLst/>
+          </a:prstGeom>
+          <a:solidFill>
+            <a:srgbClr val="1678FA"/>
+          </a:solidFill>
+        </p:spPr>
+        <p:txBody>
+          <a:bodyPr vert="horz" lIns="91440" tIns="45720" rIns="91440" bIns="45720" rtlCol="0" anchor="ctr">
+            <a:normAutofit fontScale="97500"/>
+          </a:bodyPr>
+          <a:lstStyle>
+            <a:lvl1pPr algn="l" defTabSz="914400" rtl="0" eaLnBrk="1" latinLnBrk="0" hangingPunct="1">
+              <a:lnSpc>
+                <a:spcPct val="90000"/>
+              </a:lnSpc>
+              <a:spcBef>
+                <a:spcPct val="0"/>
+              </a:spcBef>
+              <a:buNone/>
+              <a:defRPr sz="4400" kern="1200">
+                <a:solidFill>
+                  <a:schemeClr val="tx1"/>
+                </a:solidFill>
+                <a:latin typeface="+mj-lt"/>
+                <a:ea typeface="+mj-ea"/>
+                <a:cs typeface="+mj-cs"/>
+              </a:defRPr>
+            </a:lvl1pPr>
+          </a:lstStyle>
+          <a:p>
+            <a:pPr algn="ctr"/>
+            <a:r>
+              <a:rPr lang="pt-BR" sz="3000" dirty="0">
+                <a:solidFill>
+                  <a:schemeClr val="bg1"/>
+                </a:solidFill>
+              </a:rPr>
+              <a:t>Conversas</a:t>
+            </a:r>
+          </a:p>
+        </p:txBody>
+      </p:sp>
+      <p:pic>
+        <p:nvPicPr>
+          <p:cNvPr id="7" name="Imagem 6">
+            <a:extLst>
+              <a:ext uri="{FF2B5EF4-FFF2-40B4-BE49-F238E27FC236}">
+                <a16:creationId xmlns:a16="http://schemas.microsoft.com/office/drawing/2014/main" id="{FCF39350-1CBE-27CD-16C9-841F3790E26E}"/>
+              </a:ext>
+            </a:extLst>
+          </p:cNvPr>
+          <p:cNvPicPr>
+            <a:picLocks noChangeAspect="1"/>
+          </p:cNvPicPr>
+          <p:nvPr/>
+        </p:nvPicPr>
+        <p:blipFill>
+          <a:blip r:embed="rId3"/>
+          <a:stretch>
+            <a:fillRect/>
+          </a:stretch>
+        </p:blipFill>
+        <p:spPr>
+          <a:xfrm>
+            <a:off x="1588564" y="1490313"/>
+            <a:ext cx="9011968" cy="5081937"/>
+          </a:xfrm>
+          <a:prstGeom prst="rect">
+            <a:avLst/>
+          </a:prstGeom>
+        </p:spPr>
+      </p:pic>
+    </p:spTree>
+    <p:extLst>
+      <p:ext uri="{BB962C8B-B14F-4D97-AF65-F5344CB8AC3E}">
+        <p14:creationId xmlns:p14="http://schemas.microsoft.com/office/powerpoint/2010/main" val="3724851517"/>
+      </p:ext>
+    </p:extLst>
+  </p:cSld>
+  <p:clrMapOvr>
+    <a:masterClrMapping/>
+  </p:clrMapOvr>
+</p:sld>
+</file>
+
+<file path=ppt/slides/slide9.xml><?xml version="1.0" encoding="utf-8"?>
+<p:sld xmlns:a="http://schemas.openxmlformats.org/drawingml/2006/main" xmlns:r="http://schemas.openxmlformats.org/officeDocument/2006/relationships" xmlns:p="http://schemas.openxmlformats.org/presentationml/2006/main">
+  <p:cSld>
+    <p:spTree>
+      <p:nvGrpSpPr>
+        <p:cNvPr id="1" name="">
+          <a:extLst>
+            <a:ext uri="{FF2B5EF4-FFF2-40B4-BE49-F238E27FC236}">
+              <a16:creationId xmlns:a16="http://schemas.microsoft.com/office/drawing/2014/main" id="{EA0A4FB4-D546-7582-6527-C16B2990853B}"/>
+            </a:ext>
+          </a:extLst>
+        </p:cNvPr>
+        <p:cNvGrpSpPr/>
+        <p:nvPr/>
+      </p:nvGrpSpPr>
+      <p:grpSpPr>
+        <a:xfrm>
+          <a:off x="0" y="0"/>
+          <a:ext cx="0" cy="0"/>
+          <a:chOff x="0" y="0"/>
+          <a:chExt cx="0" cy="0"/>
+        </a:xfrm>
+      </p:grpSpPr>
+      <p:sp>
+        <p:nvSpPr>
+          <p:cNvPr id="4" name="Título 1">
+            <a:extLst>
+              <a:ext uri="{FF2B5EF4-FFF2-40B4-BE49-F238E27FC236}">
+                <a16:creationId xmlns:a16="http://schemas.microsoft.com/office/drawing/2014/main" id="{5AC2D1FA-AAAA-230E-3CDF-408E0C5E5CC4}"/>
+              </a:ext>
+            </a:extLst>
+          </p:cNvPr>
+          <p:cNvSpPr>
+            <a:spLocks noGrp="1"/>
+          </p:cNvSpPr>
+          <p:nvPr>
+            <p:ph type="title"/>
+          </p:nvPr>
+        </p:nvSpPr>
+        <p:spPr>
+          <a:xfrm>
+            <a:off x="2891028" y="67000"/>
+            <a:ext cx="6409944" cy="704723"/>
+          </a:xfrm>
+        </p:spPr>
+        <p:txBody>
+          <a:bodyPr>
+            <a:normAutofit fontScale="90000"/>
+          </a:bodyPr>
+          <a:lstStyle/>
+          <a:p>
+            <a:r>
+              <a:rPr lang="pt-BR" dirty="0">
+                <a:solidFill>
+                  <a:srgbClr val="1678FA"/>
+                </a:solidFill>
+              </a:rPr>
+              <a:t>Wireframe de Baixa Fidelidade</a:t>
+            </a:r>
+          </a:p>
+        </p:txBody>
+      </p:sp>
+      <p:sp>
+        <p:nvSpPr>
+          <p:cNvPr id="11" name="Título 1">
+            <a:extLst>
+              <a:ext uri="{FF2B5EF4-FFF2-40B4-BE49-F238E27FC236}">
+                <a16:creationId xmlns:a16="http://schemas.microsoft.com/office/drawing/2014/main" id="{ECA413F7-7854-CCD4-9E82-FF78564F9D2C}"/>
+              </a:ext>
+            </a:extLst>
+          </p:cNvPr>
+          <p:cNvSpPr txBox="1">
+            <a:spLocks/>
+          </p:cNvSpPr>
+          <p:nvPr/>
+        </p:nvSpPr>
+        <p:spPr>
+          <a:xfrm>
+            <a:off x="1589532" y="771722"/>
+            <a:ext cx="9012936" cy="535869"/>
+          </a:xfrm>
+          <a:prstGeom prst="rect">
+            <a:avLst/>
+          </a:prstGeom>
+          <a:solidFill>
+            <a:srgbClr val="1678FA"/>
+          </a:solidFill>
+        </p:spPr>
+        <p:txBody>
+          <a:bodyPr vert="horz" lIns="91440" tIns="45720" rIns="91440" bIns="45720" rtlCol="0" anchor="ctr">
+            <a:normAutofit fontScale="97500"/>
+          </a:bodyPr>
+          <a:lstStyle>
+            <a:lvl1pPr algn="l" defTabSz="914400" rtl="0" eaLnBrk="1" latinLnBrk="0" hangingPunct="1">
+              <a:lnSpc>
+                <a:spcPct val="90000"/>
+              </a:lnSpc>
+              <a:spcBef>
+                <a:spcPct val="0"/>
+              </a:spcBef>
+              <a:buNone/>
+              <a:defRPr sz="4400" kern="1200">
+                <a:solidFill>
+                  <a:schemeClr val="tx1"/>
+                </a:solidFill>
+                <a:latin typeface="+mj-lt"/>
+                <a:ea typeface="+mj-ea"/>
+                <a:cs typeface="+mj-cs"/>
+              </a:defRPr>
+            </a:lvl1pPr>
+          </a:lstStyle>
+          <a:p>
+            <a:pPr algn="ctr"/>
+            <a:r>
+              <a:rPr lang="pt-BR" sz="3000" dirty="0">
+                <a:solidFill>
+                  <a:schemeClr val="bg1"/>
+                </a:solidFill>
+              </a:rPr>
+              <a:t>Amigos</a:t>
+            </a:r>
+          </a:p>
+        </p:txBody>
+      </p:sp>
+      <p:pic>
+        <p:nvPicPr>
+          <p:cNvPr id="3" name="Imagem 2">
+            <a:extLst>
+              <a:ext uri="{FF2B5EF4-FFF2-40B4-BE49-F238E27FC236}">
+                <a16:creationId xmlns:a16="http://schemas.microsoft.com/office/drawing/2014/main" id="{96721F28-109B-36F1-7259-8430495EA791}"/>
+              </a:ext>
+            </a:extLst>
+          </p:cNvPr>
+          <p:cNvPicPr>
+            <a:picLocks noChangeAspect="1"/>
+          </p:cNvPicPr>
+          <p:nvPr/>
+        </p:nvPicPr>
+        <p:blipFill>
+          <a:blip r:embed="rId3"/>
+          <a:stretch>
+            <a:fillRect/>
+          </a:stretch>
+        </p:blipFill>
+        <p:spPr>
+          <a:xfrm>
+            <a:off x="1589533" y="1456968"/>
+            <a:ext cx="9012936" cy="5077444"/>
+          </a:xfrm>
+          <a:prstGeom prst="rect">
+            <a:avLst/>
+          </a:prstGeom>
+        </p:spPr>
+      </p:pic>
+    </p:spTree>
+    <p:extLst>
+      <p:ext uri="{BB962C8B-B14F-4D97-AF65-F5344CB8AC3E}">
+        <p14:creationId xmlns:p14="http://schemas.microsoft.com/office/powerpoint/2010/main" val="2307230246"/>
       </p:ext>
     </p:extLst>
   </p:cSld>
@@ -4185,4 +12001,299 @@
     </a:ext>
   </a:extLst>
 </a:theme>
+</file>
+
+<file path=ppt/theme/theme2.xml><?xml version="1.0" encoding="utf-8"?>
+<a:theme xmlns:a="http://schemas.openxmlformats.org/drawingml/2006/main" name="Tema do Office">
+  <a:themeElements>
+    <a:clrScheme name="Office">
+      <a:dk1>
+        <a:sysClr val="windowText" lastClr="000000"/>
+      </a:dk1>
+      <a:lt1>
+        <a:sysClr val="window" lastClr="FFFFFF"/>
+      </a:lt1>
+      <a:dk2>
+        <a:srgbClr val="44546A"/>
+      </a:dk2>
+      <a:lt2>
+        <a:srgbClr val="E7E6E6"/>
+      </a:lt2>
+      <a:accent1>
+        <a:srgbClr val="4472C4"/>
+      </a:accent1>
+      <a:accent2>
+        <a:srgbClr val="ED7D31"/>
+      </a:accent2>
+      <a:accent3>
+        <a:srgbClr val="A5A5A5"/>
+      </a:accent3>
+      <a:accent4>
+        <a:srgbClr val="FFC000"/>
+      </a:accent4>
+      <a:accent5>
+        <a:srgbClr val="5B9BD5"/>
+      </a:accent5>
+      <a:accent6>
+        <a:srgbClr val="70AD47"/>
+      </a:accent6>
+      <a:hlink>
+        <a:srgbClr val="0563C1"/>
+      </a:hlink>
+      <a:folHlink>
+        <a:srgbClr val="954F72"/>
+      </a:folHlink>
+    </a:clrScheme>
+    <a:fontScheme name="Office">
+      <a:majorFont>
+        <a:latin typeface="Calibri Light" panose="020F0302020204030204"/>
+        <a:ea typeface=""/>
+        <a:cs typeface=""/>
+        <a:font script="Jpan" typeface="游ゴシック Light"/>
+        <a:font script="Hang" typeface="맑은 고딕"/>
+        <a:font script="Hans" typeface="等线 Light"/>
+        <a:font script="Hant" typeface="新細明體"/>
+        <a:font script="Arab" typeface="Times New Roman"/>
+        <a:font script="Hebr" typeface="Times New Roman"/>
+        <a:font script="Thai" typeface="Angsana New"/>
+        <a:font script="Ethi" typeface="Nyala"/>
+        <a:font script="Beng" typeface="Vrinda"/>
+        <a:font script="Gujr" typeface="Shruti"/>
+        <a:font script="Khmr" typeface="MoolBoran"/>
+        <a:font script="Knda" typeface="Tunga"/>
+        <a:font script="Guru" typeface="Raavi"/>
+        <a:font script="Cans" typeface="Euphemia"/>
+        <a:font script="Cher" typeface="Plantagenet Cherokee"/>
+        <a:font script="Yiii" typeface="Microsoft Yi Baiti"/>
+        <a:font script="Tibt" typeface="Microsoft Himalaya"/>
+        <a:font script="Thaa" typeface="MV Boli"/>
+        <a:font script="Deva" typeface="Mangal"/>
+        <a:font script="Telu" typeface="Gautami"/>
+        <a:font script="Taml" typeface="Latha"/>
+        <a:font script="Syrc" typeface="Estrangelo Edessa"/>
+        <a:font script="Orya" typeface="Kalinga"/>
+        <a:font script="Mlym" typeface="Kartika"/>
+        <a:font script="Laoo" typeface="DokChampa"/>
+        <a:font script="Sinh" typeface="Iskoola Pota"/>
+        <a:font script="Mong" typeface="Mongolian Baiti"/>
+        <a:font script="Viet" typeface="Times New Roman"/>
+        <a:font script="Uigh" typeface="Microsoft Uighur"/>
+        <a:font script="Geor" typeface="Sylfaen"/>
+        <a:font script="Armn" typeface="Arial"/>
+        <a:font script="Bugi" typeface="Leelawadee UI"/>
+        <a:font script="Bopo" typeface="Microsoft JhengHei"/>
+        <a:font script="Java" typeface="Javanese Text"/>
+        <a:font script="Lisu" typeface="Segoe UI"/>
+        <a:font script="Mymr" typeface="Myanmar Text"/>
+        <a:font script="Nkoo" typeface="Ebrima"/>
+        <a:font script="Olck" typeface="Nirmala UI"/>
+        <a:font script="Osma" typeface="Ebrima"/>
+        <a:font script="Phag" typeface="Phagspa"/>
+        <a:font script="Syrn" typeface="Estrangelo Edessa"/>
+        <a:font script="Syrj" typeface="Estrangelo Edessa"/>
+        <a:font script="Syre" typeface="Estrangelo Edessa"/>
+        <a:font script="Sora" typeface="Nirmala UI"/>
+        <a:font script="Tale" typeface="Microsoft Tai Le"/>
+        <a:font script="Talu" typeface="Microsoft New Tai Lue"/>
+        <a:font script="Tfng" typeface="Ebrima"/>
+      </a:majorFont>
+      <a:minorFont>
+        <a:latin typeface="Calibri" panose="020F0502020204030204"/>
+        <a:ea typeface=""/>
+        <a:cs typeface=""/>
+        <a:font script="Jpan" typeface="游ゴシック"/>
+        <a:font script="Hang" typeface="맑은 고딕"/>
+        <a:font script="Hans" typeface="等线"/>
+        <a:font script="Hant" typeface="新細明體"/>
+        <a:font script="Arab" typeface="Arial"/>
+        <a:font script="Hebr" typeface="Arial"/>
+        <a:font script="Thai" typeface="Cordia New"/>
+        <a:font script="Ethi" typeface="Nyala"/>
+        <a:font script="Beng" typeface="Vrinda"/>
+        <a:font script="Gujr" typeface="Shruti"/>
+        <a:font script="Khmr" typeface="DaunPenh"/>
+        <a:font script="Knda" typeface="Tunga"/>
+        <a:font script="Guru" typeface="Raavi"/>
+        <a:font script="Cans" typeface="Euphemia"/>
+        <a:font script="Cher" typeface="Plantagenet Cherokee"/>
+        <a:font script="Yiii" typeface="Microsoft Yi Baiti"/>
+        <a:font script="Tibt" typeface="Microsoft Himalaya"/>
+        <a:font script="Thaa" typeface="MV Boli"/>
+        <a:font script="Deva" typeface="Mangal"/>
+        <a:font script="Telu" typeface="Gautami"/>
+        <a:font script="Taml" typeface="Latha"/>
+        <a:font script="Syrc" typeface="Estrangelo Edessa"/>
+        <a:font script="Orya" typeface="Kalinga"/>
+        <a:font script="Mlym" typeface="Kartika"/>
+        <a:font script="Laoo" typeface="DokChampa"/>
+        <a:font script="Sinh" typeface="Iskoola Pota"/>
+        <a:font script="Mong" typeface="Mongolian Baiti"/>
+        <a:font script="Viet" typeface="Arial"/>
+        <a:font script="Uigh" typeface="Microsoft Uighur"/>
+        <a:font script="Geor" typeface="Sylfaen"/>
+        <a:font script="Armn" typeface="Arial"/>
+        <a:font script="Bugi" typeface="Leelawadee UI"/>
+        <a:font script="Bopo" typeface="Microsoft JhengHei"/>
+        <a:font script="Java" typeface="Javanese Text"/>
+        <a:font script="Lisu" typeface="Segoe UI"/>
+        <a:font script="Mymr" typeface="Myanmar Text"/>
+        <a:font script="Nkoo" typeface="Ebrima"/>
+        <a:font script="Olck" typeface="Nirmala UI"/>
+        <a:font script="Osma" typeface="Ebrima"/>
+        <a:font script="Phag" typeface="Phagspa"/>
+        <a:font script="Syrn" typeface="Estrangelo Edessa"/>
+        <a:font script="Syrj" typeface="Estrangelo Edessa"/>
+        <a:font script="Syre" typeface="Estrangelo Edessa"/>
+        <a:font script="Sora" typeface="Nirmala UI"/>
+        <a:font script="Tale" typeface="Microsoft Tai Le"/>
+        <a:font script="Talu" typeface="Microsoft New Tai Lue"/>
+        <a:font script="Tfng" typeface="Ebrima"/>
+      </a:minorFont>
+    </a:fontScheme>
+    <a:fmtScheme name="Office">
+      <a:fillStyleLst>
+        <a:solidFill>
+          <a:schemeClr val="phClr"/>
+        </a:solidFill>
+        <a:gradFill rotWithShape="1">
+          <a:gsLst>
+            <a:gs pos="0">
+              <a:schemeClr val="phClr">
+                <a:lumMod val="110000"/>
+                <a:satMod val="105000"/>
+                <a:tint val="67000"/>
+              </a:schemeClr>
+            </a:gs>
+            <a:gs pos="50000">
+              <a:schemeClr val="phClr">
+                <a:lumMod val="105000"/>
+                <a:satMod val="103000"/>
+                <a:tint val="73000"/>
+              </a:schemeClr>
+            </a:gs>
+            <a:gs pos="100000">
+              <a:schemeClr val="phClr">
+                <a:lumMod val="105000"/>
+                <a:satMod val="109000"/>
+                <a:tint val="81000"/>
+              </a:schemeClr>
+            </a:gs>
+          </a:gsLst>
+          <a:lin ang="5400000" scaled="0"/>
+        </a:gradFill>
+        <a:gradFill rotWithShape="1">
+          <a:gsLst>
+            <a:gs pos="0">
+              <a:schemeClr val="phClr">
+                <a:satMod val="103000"/>
+                <a:lumMod val="102000"/>
+                <a:tint val="94000"/>
+              </a:schemeClr>
+            </a:gs>
+            <a:gs pos="50000">
+              <a:schemeClr val="phClr">
+                <a:satMod val="110000"/>
+                <a:lumMod val="100000"/>
+                <a:shade val="100000"/>
+              </a:schemeClr>
+            </a:gs>
+            <a:gs pos="100000">
+              <a:schemeClr val="phClr">
+                <a:lumMod val="99000"/>
+                <a:satMod val="120000"/>
+                <a:shade val="78000"/>
+              </a:schemeClr>
+            </a:gs>
+          </a:gsLst>
+          <a:lin ang="5400000" scaled="0"/>
+        </a:gradFill>
+      </a:fillStyleLst>
+      <a:lnStyleLst>
+        <a:ln w="6350" cap="flat" cmpd="sng" algn="ctr">
+          <a:solidFill>
+            <a:schemeClr val="phClr"/>
+          </a:solidFill>
+          <a:prstDash val="solid"/>
+          <a:miter lim="800000"/>
+        </a:ln>
+        <a:ln w="12700" cap="flat" cmpd="sng" algn="ctr">
+          <a:solidFill>
+            <a:schemeClr val="phClr"/>
+          </a:solidFill>
+          <a:prstDash val="solid"/>
+          <a:miter lim="800000"/>
+        </a:ln>
+        <a:ln w="19050" cap="flat" cmpd="sng" algn="ctr">
+          <a:solidFill>
+            <a:schemeClr val="phClr"/>
+          </a:solidFill>
+          <a:prstDash val="solid"/>
+          <a:miter lim="800000"/>
+        </a:ln>
+      </a:lnStyleLst>
+      <a:effectStyleLst>
+        <a:effectStyle>
+          <a:effectLst/>
+        </a:effectStyle>
+        <a:effectStyle>
+          <a:effectLst/>
+        </a:effectStyle>
+        <a:effectStyle>
+          <a:effectLst>
+            <a:outerShdw blurRad="57150" dist="19050" dir="5400000" algn="ctr" rotWithShape="0">
+              <a:srgbClr val="000000">
+                <a:alpha val="63000"/>
+              </a:srgbClr>
+            </a:outerShdw>
+          </a:effectLst>
+        </a:effectStyle>
+      </a:effectStyleLst>
+      <a:bgFillStyleLst>
+        <a:solidFill>
+          <a:schemeClr val="phClr"/>
+        </a:solidFill>
+        <a:solidFill>
+          <a:schemeClr val="phClr">
+            <a:tint val="95000"/>
+            <a:satMod val="170000"/>
+          </a:schemeClr>
+        </a:solidFill>
+        <a:gradFill rotWithShape="1">
+          <a:gsLst>
+            <a:gs pos="0">
+              <a:schemeClr val="phClr">
+                <a:tint val="93000"/>
+                <a:satMod val="150000"/>
+                <a:shade val="98000"/>
+                <a:lumMod val="102000"/>
+              </a:schemeClr>
+            </a:gs>
+            <a:gs pos="50000">
+              <a:schemeClr val="phClr">
+                <a:tint val="98000"/>
+                <a:satMod val="130000"/>
+                <a:shade val="90000"/>
+                <a:lumMod val="103000"/>
+              </a:schemeClr>
+            </a:gs>
+            <a:gs pos="100000">
+              <a:schemeClr val="phClr">
+                <a:shade val="63000"/>
+                <a:satMod val="120000"/>
+              </a:schemeClr>
+            </a:gs>
+          </a:gsLst>
+          <a:lin ang="5400000" scaled="0"/>
+        </a:gradFill>
+      </a:bgFillStyleLst>
+    </a:fmtScheme>
+  </a:themeElements>
+  <a:objectDefaults/>
+  <a:extraClrSchemeLst/>
+  <a:extLst>
+    <a:ext uri="{05A4C25C-085E-4340-85A3-A5531E510DB2}">
+      <thm15:themeFamily xmlns:thm15="http://schemas.microsoft.com/office/thememl/2012/main" name="Office Theme" id="{62F939B6-93AF-4DB8-9C6B-D6C7DFDC589F}" vid="{4A3C46E8-61CC-4603-A589-7422A47A8E4A}"/>
+    </a:ext>
+  </a:extLst>
+</a:theme>
 </file>